--- a/CSW-3MT.pptx
+++ b/CSW-3MT.pptx
@@ -4,9 +4,11 @@
   <p:sldMasterIdLst>
     <p:sldMasterId id="2147483648" r:id="rId1"/>
   </p:sldMasterIdLst>
+  <p:notesMasterIdLst>
+    <p:notesMasterId r:id="rId3"/>
+  </p:notesMasterIdLst>
   <p:sldIdLst>
-    <p:sldId id="256" r:id="rId2"/>
-    <p:sldId id="257" r:id="rId3"/>
+    <p:sldId id="394" r:id="rId2"/>
   </p:sldIdLst>
   <p:sldSz cx="12192000" cy="6858000"/>
   <p:notesSz cx="6858000" cy="9144000"/>
@@ -113,6 +115,463 @@
 </p:presentation>
 </file>
 
+<file path=ppt/notesMasters/notesMaster1.xml><?xml version="1.0" encoding="utf-8"?>
+<p:notesMaster xmlns:a="http://schemas.openxmlformats.org/drawingml/2006/main" xmlns:r="http://schemas.openxmlformats.org/officeDocument/2006/relationships" xmlns:p="http://schemas.openxmlformats.org/presentationml/2006/main">
+  <p:cSld>
+    <p:bg>
+      <p:bgRef idx="1001">
+        <a:schemeClr val="bg1"/>
+      </p:bgRef>
+    </p:bg>
+    <p:spTree>
+      <p:nvGrpSpPr>
+        <p:cNvPr id="1" name=""/>
+        <p:cNvGrpSpPr/>
+        <p:nvPr/>
+      </p:nvGrpSpPr>
+      <p:grpSpPr>
+        <a:xfrm>
+          <a:off x="0" y="0"/>
+          <a:ext cx="0" cy="0"/>
+          <a:chOff x="0" y="0"/>
+          <a:chExt cx="0" cy="0"/>
+        </a:xfrm>
+      </p:grpSpPr>
+      <p:sp>
+        <p:nvSpPr>
+          <p:cNvPr id="2" name="Header Placeholder 1"/>
+          <p:cNvSpPr>
+            <a:spLocks noGrp="1"/>
+          </p:cNvSpPr>
+          <p:nvPr>
+            <p:ph type="hdr" sz="quarter"/>
+          </p:nvPr>
+        </p:nvSpPr>
+        <p:spPr>
+          <a:xfrm>
+            <a:off x="0" y="0"/>
+            <a:ext cx="2971800" cy="458788"/>
+          </a:xfrm>
+          <a:prstGeom prst="rect">
+            <a:avLst/>
+          </a:prstGeom>
+        </p:spPr>
+        <p:txBody>
+          <a:bodyPr vert="horz" lIns="91440" tIns="45720" rIns="91440" bIns="45720" rtlCol="0"/>
+          <a:lstStyle>
+            <a:lvl1pPr algn="l">
+              <a:defRPr sz="1200"/>
+            </a:lvl1pPr>
+          </a:lstStyle>
+          <a:p>
+            <a:endParaRPr lang="en-US"/>
+          </a:p>
+        </p:txBody>
+      </p:sp>
+      <p:sp>
+        <p:nvSpPr>
+          <p:cNvPr id="3" name="Date Placeholder 2"/>
+          <p:cNvSpPr>
+            <a:spLocks noGrp="1"/>
+          </p:cNvSpPr>
+          <p:nvPr>
+            <p:ph type="dt" idx="1"/>
+          </p:nvPr>
+        </p:nvSpPr>
+        <p:spPr>
+          <a:xfrm>
+            <a:off x="3884613" y="0"/>
+            <a:ext cx="2971800" cy="458788"/>
+          </a:xfrm>
+          <a:prstGeom prst="rect">
+            <a:avLst/>
+          </a:prstGeom>
+        </p:spPr>
+        <p:txBody>
+          <a:bodyPr vert="horz" lIns="91440" tIns="45720" rIns="91440" bIns="45720" rtlCol="0"/>
+          <a:lstStyle>
+            <a:lvl1pPr algn="r">
+              <a:defRPr sz="1200"/>
+            </a:lvl1pPr>
+          </a:lstStyle>
+          <a:p>
+            <a:fld id="{4E24EBB6-0197-436B-A54B-8860B2D20499}" type="datetimeFigureOut">
+              <a:rPr lang="en-US" smtClean="0"/>
+              <a:t>3/6/2025</a:t>
+            </a:fld>
+            <a:endParaRPr lang="en-US"/>
+          </a:p>
+        </p:txBody>
+      </p:sp>
+      <p:sp>
+        <p:nvSpPr>
+          <p:cNvPr id="4" name="Slide Image Placeholder 3"/>
+          <p:cNvSpPr>
+            <a:spLocks noGrp="1" noRot="1" noChangeAspect="1"/>
+          </p:cNvSpPr>
+          <p:nvPr>
+            <p:ph type="sldImg" idx="2"/>
+          </p:nvPr>
+        </p:nvSpPr>
+        <p:spPr>
+          <a:xfrm>
+            <a:off x="685800" y="1143000"/>
+            <a:ext cx="5486400" cy="3086100"/>
+          </a:xfrm>
+          <a:prstGeom prst="rect">
+            <a:avLst/>
+          </a:prstGeom>
+          <a:noFill/>
+          <a:ln w="12700">
+            <a:solidFill>
+              <a:prstClr val="black"/>
+            </a:solidFill>
+          </a:ln>
+        </p:spPr>
+        <p:txBody>
+          <a:bodyPr vert="horz" lIns="91440" tIns="45720" rIns="91440" bIns="45720" rtlCol="0" anchor="ctr"/>
+          <a:lstStyle/>
+          <a:p>
+            <a:endParaRPr lang="en-US"/>
+          </a:p>
+        </p:txBody>
+      </p:sp>
+      <p:sp>
+        <p:nvSpPr>
+          <p:cNvPr id="5" name="Notes Placeholder 4"/>
+          <p:cNvSpPr>
+            <a:spLocks noGrp="1"/>
+          </p:cNvSpPr>
+          <p:nvPr>
+            <p:ph type="body" sz="quarter" idx="3"/>
+          </p:nvPr>
+        </p:nvSpPr>
+        <p:spPr>
+          <a:xfrm>
+            <a:off x="685800" y="4400550"/>
+            <a:ext cx="5486400" cy="3600450"/>
+          </a:xfrm>
+          <a:prstGeom prst="rect">
+            <a:avLst/>
+          </a:prstGeom>
+        </p:spPr>
+        <p:txBody>
+          <a:bodyPr vert="horz" lIns="91440" tIns="45720" rIns="91440" bIns="45720" rtlCol="0"/>
+          <a:lstStyle/>
+          <a:p>
+            <a:pPr lvl="0"/>
+            <a:r>
+              <a:rPr lang="en-US"/>
+              <a:t>Click to edit Master text styles</a:t>
+            </a:r>
+          </a:p>
+          <a:p>
+            <a:pPr lvl="1"/>
+            <a:r>
+              <a:rPr lang="en-US"/>
+              <a:t>Second level</a:t>
+            </a:r>
+          </a:p>
+          <a:p>
+            <a:pPr lvl="2"/>
+            <a:r>
+              <a:rPr lang="en-US"/>
+              <a:t>Third level</a:t>
+            </a:r>
+          </a:p>
+          <a:p>
+            <a:pPr lvl="3"/>
+            <a:r>
+              <a:rPr lang="en-US"/>
+              <a:t>Fourth level</a:t>
+            </a:r>
+          </a:p>
+          <a:p>
+            <a:pPr lvl="4"/>
+            <a:r>
+              <a:rPr lang="en-US"/>
+              <a:t>Fifth level</a:t>
+            </a:r>
+          </a:p>
+        </p:txBody>
+      </p:sp>
+      <p:sp>
+        <p:nvSpPr>
+          <p:cNvPr id="6" name="Footer Placeholder 5"/>
+          <p:cNvSpPr>
+            <a:spLocks noGrp="1"/>
+          </p:cNvSpPr>
+          <p:nvPr>
+            <p:ph type="ftr" sz="quarter" idx="4"/>
+          </p:nvPr>
+        </p:nvSpPr>
+        <p:spPr>
+          <a:xfrm>
+            <a:off x="0" y="8685213"/>
+            <a:ext cx="2971800" cy="458787"/>
+          </a:xfrm>
+          <a:prstGeom prst="rect">
+            <a:avLst/>
+          </a:prstGeom>
+        </p:spPr>
+        <p:txBody>
+          <a:bodyPr vert="horz" lIns="91440" tIns="45720" rIns="91440" bIns="45720" rtlCol="0" anchor="b"/>
+          <a:lstStyle>
+            <a:lvl1pPr algn="l">
+              <a:defRPr sz="1200"/>
+            </a:lvl1pPr>
+          </a:lstStyle>
+          <a:p>
+            <a:endParaRPr lang="en-US"/>
+          </a:p>
+        </p:txBody>
+      </p:sp>
+      <p:sp>
+        <p:nvSpPr>
+          <p:cNvPr id="7" name="Slide Number Placeholder 6"/>
+          <p:cNvSpPr>
+            <a:spLocks noGrp="1"/>
+          </p:cNvSpPr>
+          <p:nvPr>
+            <p:ph type="sldNum" sz="quarter" idx="5"/>
+          </p:nvPr>
+        </p:nvSpPr>
+        <p:spPr>
+          <a:xfrm>
+            <a:off x="3884613" y="8685213"/>
+            <a:ext cx="2971800" cy="458787"/>
+          </a:xfrm>
+          <a:prstGeom prst="rect">
+            <a:avLst/>
+          </a:prstGeom>
+        </p:spPr>
+        <p:txBody>
+          <a:bodyPr vert="horz" lIns="91440" tIns="45720" rIns="91440" bIns="45720" rtlCol="0" anchor="b"/>
+          <a:lstStyle>
+            <a:lvl1pPr algn="r">
+              <a:defRPr sz="1200"/>
+            </a:lvl1pPr>
+          </a:lstStyle>
+          <a:p>
+            <a:fld id="{F60B3496-5E21-41D2-A4F7-515054E1A16A}" type="slidenum">
+              <a:rPr lang="en-US" smtClean="0"/>
+              <a:t>‹#›</a:t>
+            </a:fld>
+            <a:endParaRPr lang="en-US"/>
+          </a:p>
+        </p:txBody>
+      </p:sp>
+    </p:spTree>
+    <p:extLst>
+      <p:ext uri="{BB962C8B-B14F-4D97-AF65-F5344CB8AC3E}">
+        <p14:creationId xmlns:p14="http://schemas.microsoft.com/office/powerpoint/2010/main" val="4272346097"/>
+      </p:ext>
+    </p:extLst>
+  </p:cSld>
+  <p:clrMap bg1="lt1" tx1="dk1" bg2="lt2" tx2="dk2" accent1="accent1" accent2="accent2" accent3="accent3" accent4="accent4" accent5="accent5" accent6="accent6" hlink="hlink" folHlink="folHlink"/>
+  <p:notesStyle>
+    <a:lvl1pPr marL="0" algn="l" defTabSz="914400" rtl="0" eaLnBrk="1" latinLnBrk="0" hangingPunct="1">
+      <a:defRPr sz="1200" kern="1200">
+        <a:solidFill>
+          <a:schemeClr val="tx1"/>
+        </a:solidFill>
+        <a:latin typeface="+mn-lt"/>
+        <a:ea typeface="+mn-ea"/>
+        <a:cs typeface="+mn-cs"/>
+      </a:defRPr>
+    </a:lvl1pPr>
+    <a:lvl2pPr marL="457200" algn="l" defTabSz="914400" rtl="0" eaLnBrk="1" latinLnBrk="0" hangingPunct="1">
+      <a:defRPr sz="1200" kern="1200">
+        <a:solidFill>
+          <a:schemeClr val="tx1"/>
+        </a:solidFill>
+        <a:latin typeface="+mn-lt"/>
+        <a:ea typeface="+mn-ea"/>
+        <a:cs typeface="+mn-cs"/>
+      </a:defRPr>
+    </a:lvl2pPr>
+    <a:lvl3pPr marL="914400" algn="l" defTabSz="914400" rtl="0" eaLnBrk="1" latinLnBrk="0" hangingPunct="1">
+      <a:defRPr sz="1200" kern="1200">
+        <a:solidFill>
+          <a:schemeClr val="tx1"/>
+        </a:solidFill>
+        <a:latin typeface="+mn-lt"/>
+        <a:ea typeface="+mn-ea"/>
+        <a:cs typeface="+mn-cs"/>
+      </a:defRPr>
+    </a:lvl3pPr>
+    <a:lvl4pPr marL="1371600" algn="l" defTabSz="914400" rtl="0" eaLnBrk="1" latinLnBrk="0" hangingPunct="1">
+      <a:defRPr sz="1200" kern="1200">
+        <a:solidFill>
+          <a:schemeClr val="tx1"/>
+        </a:solidFill>
+        <a:latin typeface="+mn-lt"/>
+        <a:ea typeface="+mn-ea"/>
+        <a:cs typeface="+mn-cs"/>
+      </a:defRPr>
+    </a:lvl4pPr>
+    <a:lvl5pPr marL="1828800" algn="l" defTabSz="914400" rtl="0" eaLnBrk="1" latinLnBrk="0" hangingPunct="1">
+      <a:defRPr sz="1200" kern="1200">
+        <a:solidFill>
+          <a:schemeClr val="tx1"/>
+        </a:solidFill>
+        <a:latin typeface="+mn-lt"/>
+        <a:ea typeface="+mn-ea"/>
+        <a:cs typeface="+mn-cs"/>
+      </a:defRPr>
+    </a:lvl5pPr>
+    <a:lvl6pPr marL="2286000" algn="l" defTabSz="914400" rtl="0" eaLnBrk="1" latinLnBrk="0" hangingPunct="1">
+      <a:defRPr sz="1200" kern="1200">
+        <a:solidFill>
+          <a:schemeClr val="tx1"/>
+        </a:solidFill>
+        <a:latin typeface="+mn-lt"/>
+        <a:ea typeface="+mn-ea"/>
+        <a:cs typeface="+mn-cs"/>
+      </a:defRPr>
+    </a:lvl6pPr>
+    <a:lvl7pPr marL="2743200" algn="l" defTabSz="914400" rtl="0" eaLnBrk="1" latinLnBrk="0" hangingPunct="1">
+      <a:defRPr sz="1200" kern="1200">
+        <a:solidFill>
+          <a:schemeClr val="tx1"/>
+        </a:solidFill>
+        <a:latin typeface="+mn-lt"/>
+        <a:ea typeface="+mn-ea"/>
+        <a:cs typeface="+mn-cs"/>
+      </a:defRPr>
+    </a:lvl7pPr>
+    <a:lvl8pPr marL="3200400" algn="l" defTabSz="914400" rtl="0" eaLnBrk="1" latinLnBrk="0" hangingPunct="1">
+      <a:defRPr sz="1200" kern="1200">
+        <a:solidFill>
+          <a:schemeClr val="tx1"/>
+        </a:solidFill>
+        <a:latin typeface="+mn-lt"/>
+        <a:ea typeface="+mn-ea"/>
+        <a:cs typeface="+mn-cs"/>
+      </a:defRPr>
+    </a:lvl8pPr>
+    <a:lvl9pPr marL="3657600" algn="l" defTabSz="914400" rtl="0" eaLnBrk="1" latinLnBrk="0" hangingPunct="1">
+      <a:defRPr sz="1200" kern="1200">
+        <a:solidFill>
+          <a:schemeClr val="tx1"/>
+        </a:solidFill>
+        <a:latin typeface="+mn-lt"/>
+        <a:ea typeface="+mn-ea"/>
+        <a:cs typeface="+mn-cs"/>
+      </a:defRPr>
+    </a:lvl9pPr>
+  </p:notesStyle>
+</p:notesMaster>
+</file>
+
+<file path=ppt/notesSlides/notesSlide1.xml><?xml version="1.0" encoding="utf-8"?>
+<p:notes xmlns:a="http://schemas.openxmlformats.org/drawingml/2006/main" xmlns:r="http://schemas.openxmlformats.org/officeDocument/2006/relationships" xmlns:p="http://schemas.openxmlformats.org/presentationml/2006/main">
+  <p:cSld>
+    <p:spTree>
+      <p:nvGrpSpPr>
+        <p:cNvPr id="1" name="">
+          <a:extLst>
+            <a:ext uri="{FF2B5EF4-FFF2-40B4-BE49-F238E27FC236}">
+              <a16:creationId xmlns:a16="http://schemas.microsoft.com/office/drawing/2014/main" id="{D64C392C-DEF9-3937-578F-2D4E9575760F}"/>
+            </a:ext>
+          </a:extLst>
+        </p:cNvPr>
+        <p:cNvGrpSpPr/>
+        <p:nvPr/>
+      </p:nvGrpSpPr>
+      <p:grpSpPr>
+        <a:xfrm>
+          <a:off x="0" y="0"/>
+          <a:ext cx="0" cy="0"/>
+          <a:chOff x="0" y="0"/>
+          <a:chExt cx="0" cy="0"/>
+        </a:xfrm>
+      </p:grpSpPr>
+      <p:sp>
+        <p:nvSpPr>
+          <p:cNvPr id="2" name="Slide Image Placeholder 1">
+            <a:extLst>
+              <a:ext uri="{FF2B5EF4-FFF2-40B4-BE49-F238E27FC236}">
+                <a16:creationId xmlns:a16="http://schemas.microsoft.com/office/drawing/2014/main" id="{D4518E2D-3791-C240-212E-88B65F37095D}"/>
+              </a:ext>
+            </a:extLst>
+          </p:cNvPr>
+          <p:cNvSpPr>
+            <a:spLocks noGrp="1" noRot="1" noChangeAspect="1"/>
+          </p:cNvSpPr>
+          <p:nvPr>
+            <p:ph type="sldImg"/>
+          </p:nvPr>
+        </p:nvSpPr>
+        <p:spPr/>
+      </p:sp>
+      <p:sp>
+        <p:nvSpPr>
+          <p:cNvPr id="3" name="Notes Placeholder 2">
+            <a:extLst>
+              <a:ext uri="{FF2B5EF4-FFF2-40B4-BE49-F238E27FC236}">
+                <a16:creationId xmlns:a16="http://schemas.microsoft.com/office/drawing/2014/main" id="{758D7FFD-E4B8-8CE8-5F6F-FA0FC731F385}"/>
+              </a:ext>
+            </a:extLst>
+          </p:cNvPr>
+          <p:cNvSpPr>
+            <a:spLocks noGrp="1"/>
+          </p:cNvSpPr>
+          <p:nvPr>
+            <p:ph type="body" idx="1"/>
+          </p:nvPr>
+        </p:nvSpPr>
+        <p:spPr/>
+        <p:txBody>
+          <a:bodyPr/>
+          <a:lstStyle/>
+          <a:p>
+            <a:endParaRPr lang="en-US" dirty="0"/>
+          </a:p>
+        </p:txBody>
+      </p:sp>
+      <p:sp>
+        <p:nvSpPr>
+          <p:cNvPr id="4" name="Slide Number Placeholder 3">
+            <a:extLst>
+              <a:ext uri="{FF2B5EF4-FFF2-40B4-BE49-F238E27FC236}">
+                <a16:creationId xmlns:a16="http://schemas.microsoft.com/office/drawing/2014/main" id="{220334D0-1DB0-C268-F778-3779D490BF54}"/>
+              </a:ext>
+            </a:extLst>
+          </p:cNvPr>
+          <p:cNvSpPr>
+            <a:spLocks noGrp="1"/>
+          </p:cNvSpPr>
+          <p:nvPr>
+            <p:ph type="sldNum" sz="quarter" idx="5"/>
+          </p:nvPr>
+        </p:nvSpPr>
+        <p:spPr/>
+        <p:txBody>
+          <a:bodyPr/>
+          <a:lstStyle/>
+          <a:p>
+            <a:fld id="{B79CD4AB-B2FE-47E5-80C6-6E4533D7ABD9}" type="slidenum">
+              <a:rPr lang="en-US" smtClean="0"/>
+              <a:t>1</a:t>
+            </a:fld>
+            <a:endParaRPr lang="en-US"/>
+          </a:p>
+        </p:txBody>
+      </p:sp>
+    </p:spTree>
+    <p:extLst>
+      <p:ext uri="{BB962C8B-B14F-4D97-AF65-F5344CB8AC3E}">
+        <p14:creationId xmlns:p14="http://schemas.microsoft.com/office/powerpoint/2010/main" val="297663664"/>
+      </p:ext>
+    </p:extLst>
+  </p:cSld>
+  <p:clrMapOvr>
+    <a:masterClrMapping/>
+  </p:clrMapOvr>
+</p:notes>
+</file>
+
 <file path=ppt/slideLayouts/slideLayout1.xml><?xml version="1.0" encoding="utf-8"?>
 <p:sldLayout xmlns:a="http://schemas.openxmlformats.org/drawingml/2006/main" xmlns:r="http://schemas.openxmlformats.org/officeDocument/2006/relationships" xmlns:p="http://schemas.openxmlformats.org/presentationml/2006/main" type="title" preserve="1">
   <p:cSld name="Title Slide">
@@ -260,7 +719,7 @@
           <a:p>
             <a:fld id="{E70DBF29-F4EA-4D85-8DA2-9C75BBC0B16A}" type="datetimeFigureOut">
               <a:rPr lang="en-US" smtClean="0"/>
-              <a:t>3/5/2025</a:t>
+              <a:t>3/6/2025</a:t>
             </a:fld>
             <a:endParaRPr lang="en-US"/>
           </a:p>
@@ -458,7 +917,7 @@
           <a:p>
             <a:fld id="{E70DBF29-F4EA-4D85-8DA2-9C75BBC0B16A}" type="datetimeFigureOut">
               <a:rPr lang="en-US" smtClean="0"/>
-              <a:t>3/5/2025</a:t>
+              <a:t>3/6/2025</a:t>
             </a:fld>
             <a:endParaRPr lang="en-US"/>
           </a:p>
@@ -666,7 +1125,7 @@
           <a:p>
             <a:fld id="{E70DBF29-F4EA-4D85-8DA2-9C75BBC0B16A}" type="datetimeFigureOut">
               <a:rPr lang="en-US" smtClean="0"/>
-              <a:t>3/5/2025</a:t>
+              <a:t>3/6/2025</a:t>
             </a:fld>
             <a:endParaRPr lang="en-US"/>
           </a:p>
@@ -864,7 +1323,7 @@
           <a:p>
             <a:fld id="{E70DBF29-F4EA-4D85-8DA2-9C75BBC0B16A}" type="datetimeFigureOut">
               <a:rPr lang="en-US" smtClean="0"/>
-              <a:t>3/5/2025</a:t>
+              <a:t>3/6/2025</a:t>
             </a:fld>
             <a:endParaRPr lang="en-US"/>
           </a:p>
@@ -1139,7 +1598,7 @@
           <a:p>
             <a:fld id="{E70DBF29-F4EA-4D85-8DA2-9C75BBC0B16A}" type="datetimeFigureOut">
               <a:rPr lang="en-US" smtClean="0"/>
-              <a:t>3/5/2025</a:t>
+              <a:t>3/6/2025</a:t>
             </a:fld>
             <a:endParaRPr lang="en-US"/>
           </a:p>
@@ -1404,7 +1863,7 @@
           <a:p>
             <a:fld id="{E70DBF29-F4EA-4D85-8DA2-9C75BBC0B16A}" type="datetimeFigureOut">
               <a:rPr lang="en-US" smtClean="0"/>
-              <a:t>3/5/2025</a:t>
+              <a:t>3/6/2025</a:t>
             </a:fld>
             <a:endParaRPr lang="en-US"/>
           </a:p>
@@ -1816,7 +2275,7 @@
           <a:p>
             <a:fld id="{E70DBF29-F4EA-4D85-8DA2-9C75BBC0B16A}" type="datetimeFigureOut">
               <a:rPr lang="en-US" smtClean="0"/>
-              <a:t>3/5/2025</a:t>
+              <a:t>3/6/2025</a:t>
             </a:fld>
             <a:endParaRPr lang="en-US"/>
           </a:p>
@@ -1957,7 +2416,7 @@
           <a:p>
             <a:fld id="{E70DBF29-F4EA-4D85-8DA2-9C75BBC0B16A}" type="datetimeFigureOut">
               <a:rPr lang="en-US" smtClean="0"/>
-              <a:t>3/5/2025</a:t>
+              <a:t>3/6/2025</a:t>
             </a:fld>
             <a:endParaRPr lang="en-US"/>
           </a:p>
@@ -2070,7 +2529,7 @@
           <a:p>
             <a:fld id="{E70DBF29-F4EA-4D85-8DA2-9C75BBC0B16A}" type="datetimeFigureOut">
               <a:rPr lang="en-US" smtClean="0"/>
-              <a:t>3/5/2025</a:t>
+              <a:t>3/6/2025</a:t>
             </a:fld>
             <a:endParaRPr lang="en-US"/>
           </a:p>
@@ -2381,7 +2840,7 @@
           <a:p>
             <a:fld id="{E70DBF29-F4EA-4D85-8DA2-9C75BBC0B16A}" type="datetimeFigureOut">
               <a:rPr lang="en-US" smtClean="0"/>
-              <a:t>3/5/2025</a:t>
+              <a:t>3/6/2025</a:t>
             </a:fld>
             <a:endParaRPr lang="en-US"/>
           </a:p>
@@ -2669,7 +3128,7 @@
           <a:p>
             <a:fld id="{E70DBF29-F4EA-4D85-8DA2-9C75BBC0B16A}" type="datetimeFigureOut">
               <a:rPr lang="en-US" smtClean="0"/>
-              <a:t>3/5/2025</a:t>
+              <a:t>3/6/2025</a:t>
             </a:fld>
             <a:endParaRPr lang="en-US"/>
           </a:p>
@@ -2910,7 +3369,7 @@
           <a:p>
             <a:fld id="{E70DBF29-F4EA-4D85-8DA2-9C75BBC0B16A}" type="datetimeFigureOut">
               <a:rPr lang="en-US" smtClean="0"/>
-              <a:t>3/5/2025</a:t>
+              <a:t>3/6/2025</a:t>
             </a:fld>
             <a:endParaRPr lang="en-US"/>
           </a:p>
@@ -3315,316 +3774,10 @@
   <p:cSld>
     <p:spTree>
       <p:nvGrpSpPr>
-        <p:cNvPr id="1" name=""/>
-        <p:cNvGrpSpPr/>
-        <p:nvPr/>
-      </p:nvGrpSpPr>
-      <p:grpSpPr>
-        <a:xfrm>
-          <a:off x="0" y="0"/>
-          <a:ext cx="0" cy="0"/>
-          <a:chOff x="0" y="0"/>
-          <a:chExt cx="0" cy="0"/>
-        </a:xfrm>
-      </p:grpSpPr>
-      <p:pic>
-        <p:nvPicPr>
-          <p:cNvPr id="8" name="Picture 7" descr="A cloud computing server and a black background&#10;&#10;Description automatically generated with medium confidence">
-            <a:extLst>
-              <a:ext uri="{FF2B5EF4-FFF2-40B4-BE49-F238E27FC236}">
-                <a16:creationId xmlns:a16="http://schemas.microsoft.com/office/drawing/2014/main" id="{EE661AAF-6C23-B3ED-2E97-AE33DEAE15FF}"/>
-              </a:ext>
-            </a:extLst>
-          </p:cNvPr>
-          <p:cNvPicPr>
-            <a:picLocks noChangeAspect="1"/>
-          </p:cNvPicPr>
-          <p:nvPr/>
-        </p:nvPicPr>
-        <p:blipFill>
-          <a:blip r:embed="rId2"/>
-          <a:stretch>
-            <a:fillRect/>
-          </a:stretch>
-        </p:blipFill>
-        <p:spPr>
-          <a:xfrm flipH="1">
-            <a:off x="5144798" y="216382"/>
-            <a:ext cx="1325802" cy="1257306"/>
-          </a:xfrm>
-          <a:prstGeom prst="rect">
-            <a:avLst/>
-          </a:prstGeom>
-        </p:spPr>
-      </p:pic>
-      <p:pic>
-        <p:nvPicPr>
-          <p:cNvPr id="9" name="Picture 8" descr="A computer generated image of a wifi router&#10;&#10;Description automatically generated">
-            <a:extLst>
-              <a:ext uri="{FF2B5EF4-FFF2-40B4-BE49-F238E27FC236}">
-                <a16:creationId xmlns:a16="http://schemas.microsoft.com/office/drawing/2014/main" id="{23714267-FEA6-E940-E796-D809C4726B9E}"/>
-              </a:ext>
-            </a:extLst>
-          </p:cNvPr>
-          <p:cNvPicPr>
-            <a:picLocks noChangeAspect="1"/>
-          </p:cNvPicPr>
-          <p:nvPr/>
-        </p:nvPicPr>
-        <p:blipFill>
-          <a:blip r:embed="rId3"/>
-          <a:stretch>
-            <a:fillRect/>
-          </a:stretch>
-        </p:blipFill>
-        <p:spPr>
-          <a:xfrm flipH="1">
-            <a:off x="3102125" y="971924"/>
-            <a:ext cx="1029970" cy="1003527"/>
-          </a:xfrm>
-          <a:prstGeom prst="rect">
-            <a:avLst/>
-          </a:prstGeom>
-        </p:spPr>
-      </p:pic>
-      <p:pic>
-        <p:nvPicPr>
-          <p:cNvPr id="14" name="Picture 13" descr="A white device with colorful buttons&#10;&#10;AI-generated content may be incorrect.">
-            <a:extLst>
-              <a:ext uri="{FF2B5EF4-FFF2-40B4-BE49-F238E27FC236}">
-                <a16:creationId xmlns:a16="http://schemas.microsoft.com/office/drawing/2014/main" id="{C0B3E0C0-7F2B-87E4-E295-DC0B15B1147C}"/>
-              </a:ext>
-            </a:extLst>
-          </p:cNvPr>
-          <p:cNvPicPr>
-            <a:picLocks noChangeAspect="1"/>
-          </p:cNvPicPr>
-          <p:nvPr/>
-        </p:nvPicPr>
-        <p:blipFill>
-          <a:blip r:embed="rId4">
-            <a:extLst>
-              <a:ext uri="{28A0092B-C50C-407E-A947-70E740481C1C}">
-                <a14:useLocalDpi xmlns:a14="http://schemas.microsoft.com/office/drawing/2010/main" val="0"/>
-              </a:ext>
-            </a:extLst>
-          </a:blip>
-          <a:stretch>
-            <a:fillRect/>
-          </a:stretch>
-        </p:blipFill>
-        <p:spPr>
-          <a:xfrm flipH="1">
-            <a:off x="1061663" y="1526348"/>
-            <a:ext cx="899758" cy="956394"/>
-          </a:xfrm>
-          <a:prstGeom prst="rect">
-            <a:avLst/>
-          </a:prstGeom>
-        </p:spPr>
-      </p:pic>
-      <p:pic>
-        <p:nvPicPr>
-          <p:cNvPr id="18" name="Picture 17" descr="A black device with a antenna&#10;&#10;AI-generated content may be incorrect.">
-            <a:extLst>
-              <a:ext uri="{FF2B5EF4-FFF2-40B4-BE49-F238E27FC236}">
-                <a16:creationId xmlns:a16="http://schemas.microsoft.com/office/drawing/2014/main" id="{63A700EA-8C32-CB2C-F4FF-552C11ECD23A}"/>
-              </a:ext>
-            </a:extLst>
-          </p:cNvPr>
-          <p:cNvPicPr>
-            <a:picLocks noChangeAspect="1"/>
-          </p:cNvPicPr>
-          <p:nvPr/>
-        </p:nvPicPr>
-        <p:blipFill>
-          <a:blip r:embed="rId5">
-            <a:extLst>
-              <a:ext uri="{28A0092B-C50C-407E-A947-70E740481C1C}">
-                <a14:useLocalDpi xmlns:a14="http://schemas.microsoft.com/office/drawing/2010/main" val="0"/>
-              </a:ext>
-            </a:extLst>
-          </a:blip>
-          <a:stretch>
-            <a:fillRect/>
-          </a:stretch>
-        </p:blipFill>
-        <p:spPr>
-          <a:xfrm flipH="1">
-            <a:off x="2212501" y="2156866"/>
-            <a:ext cx="1029970" cy="1051273"/>
-          </a:xfrm>
-          <a:prstGeom prst="rect">
-            <a:avLst/>
-          </a:prstGeom>
-        </p:spPr>
-      </p:pic>
-      <p:pic>
-        <p:nvPicPr>
-          <p:cNvPr id="22" name="Picture 21" descr="A computer and a diagram&#10;&#10;AI-generated content may be incorrect.">
-            <a:extLst>
-              <a:ext uri="{FF2B5EF4-FFF2-40B4-BE49-F238E27FC236}">
-                <a16:creationId xmlns:a16="http://schemas.microsoft.com/office/drawing/2014/main" id="{1EE7C314-67B9-2C6B-D4C5-2E8C89D9C9A1}"/>
-              </a:ext>
-            </a:extLst>
-          </p:cNvPr>
-          <p:cNvPicPr>
-            <a:picLocks noChangeAspect="1"/>
-          </p:cNvPicPr>
-          <p:nvPr/>
-        </p:nvPicPr>
-        <p:blipFill>
-          <a:blip r:embed="rId6">
-            <a:extLst>
-              <a:ext uri="{28A0092B-C50C-407E-A947-70E740481C1C}">
-                <a14:useLocalDpi xmlns:a14="http://schemas.microsoft.com/office/drawing/2010/main" val="0"/>
-              </a:ext>
-            </a:extLst>
-          </a:blip>
-          <a:stretch>
-            <a:fillRect/>
-          </a:stretch>
-        </p:blipFill>
-        <p:spPr>
-          <a:xfrm>
-            <a:off x="7028159" y="943703"/>
-            <a:ext cx="2063495" cy="2063495"/>
-          </a:xfrm>
-          <a:prstGeom prst="rect">
-            <a:avLst/>
-          </a:prstGeom>
-        </p:spPr>
-      </p:pic>
-      <p:pic>
-        <p:nvPicPr>
-          <p:cNvPr id="26" name="Picture 25" descr="A computer tower with colorful buttons&#10;&#10;AI-generated content may be incorrect.">
-            <a:extLst>
-              <a:ext uri="{FF2B5EF4-FFF2-40B4-BE49-F238E27FC236}">
-                <a16:creationId xmlns:a16="http://schemas.microsoft.com/office/drawing/2014/main" id="{AB315FE1-0889-7A81-9AF5-AF2233A3EBEF}"/>
-              </a:ext>
-            </a:extLst>
-          </p:cNvPr>
-          <p:cNvPicPr>
-            <a:picLocks noChangeAspect="1"/>
-          </p:cNvPicPr>
-          <p:nvPr/>
-        </p:nvPicPr>
-        <p:blipFill>
-          <a:blip r:embed="rId7">
-            <a:extLst>
-              <a:ext uri="{28A0092B-C50C-407E-A947-70E740481C1C}">
-                <a14:useLocalDpi xmlns:a14="http://schemas.microsoft.com/office/drawing/2010/main" val="0"/>
-              </a:ext>
-            </a:extLst>
-          </a:blip>
-          <a:stretch>
-            <a:fillRect/>
-          </a:stretch>
-        </p:blipFill>
-        <p:spPr>
-          <a:xfrm>
-            <a:off x="4588746" y="1347170"/>
-            <a:ext cx="2160634" cy="2160634"/>
-          </a:xfrm>
-          <a:prstGeom prst="rect">
-            <a:avLst/>
-          </a:prstGeom>
-        </p:spPr>
-      </p:pic>
-      <p:pic>
-        <p:nvPicPr>
-          <p:cNvPr id="32" name="Picture 31" descr="A white router with blue screen and blue screen&#10;&#10;AI-generated content may be incorrect.">
-            <a:extLst>
-              <a:ext uri="{FF2B5EF4-FFF2-40B4-BE49-F238E27FC236}">
-                <a16:creationId xmlns:a16="http://schemas.microsoft.com/office/drawing/2014/main" id="{F65CED83-3FA3-DF78-897B-DA5235C1BFB9}"/>
-              </a:ext>
-            </a:extLst>
-          </p:cNvPr>
-          <p:cNvPicPr>
-            <a:picLocks noChangeAspect="1"/>
-          </p:cNvPicPr>
-          <p:nvPr/>
-        </p:nvPicPr>
-        <p:blipFill>
-          <a:blip r:embed="rId8">
-            <a:extLst>
-              <a:ext uri="{28A0092B-C50C-407E-A947-70E740481C1C}">
-                <a14:useLocalDpi xmlns:a14="http://schemas.microsoft.com/office/drawing/2010/main" val="0"/>
-              </a:ext>
-            </a:extLst>
-          </a:blip>
-          <a:stretch>
-            <a:fillRect/>
-          </a:stretch>
-        </p:blipFill>
-        <p:spPr>
-          <a:xfrm>
-            <a:off x="3907267" y="3007198"/>
-            <a:ext cx="1900432" cy="1900432"/>
-          </a:xfrm>
-          <a:prstGeom prst="rect">
-            <a:avLst/>
-          </a:prstGeom>
-        </p:spPr>
-      </p:pic>
-      <p:pic>
-        <p:nvPicPr>
-          <p:cNvPr id="36" name="Picture 35" descr="A screen with buttons and a thermometer&#10;&#10;AI-generated content may be incorrect.">
-            <a:extLst>
-              <a:ext uri="{FF2B5EF4-FFF2-40B4-BE49-F238E27FC236}">
-                <a16:creationId xmlns:a16="http://schemas.microsoft.com/office/drawing/2014/main" id="{0FFC21E3-3586-830D-7498-1CE50FE6B387}"/>
-              </a:ext>
-            </a:extLst>
-          </p:cNvPr>
-          <p:cNvPicPr>
-            <a:picLocks noChangeAspect="1"/>
-          </p:cNvPicPr>
-          <p:nvPr/>
-        </p:nvPicPr>
-        <p:blipFill>
-          <a:blip r:embed="rId9">
-            <a:extLst>
-              <a:ext uri="{28A0092B-C50C-407E-A947-70E740481C1C}">
-                <a14:useLocalDpi xmlns:a14="http://schemas.microsoft.com/office/drawing/2010/main" val="0"/>
-              </a:ext>
-            </a:extLst>
-          </a:blip>
-          <a:stretch>
-            <a:fillRect/>
-          </a:stretch>
-        </p:blipFill>
-        <p:spPr>
-          <a:xfrm>
-            <a:off x="1961421" y="3811163"/>
-            <a:ext cx="1755332" cy="1755332"/>
-          </a:xfrm>
-          <a:prstGeom prst="rect">
-            <a:avLst/>
-          </a:prstGeom>
-        </p:spPr>
-      </p:pic>
-    </p:spTree>
-    <p:extLst>
-      <p:ext uri="{BB962C8B-B14F-4D97-AF65-F5344CB8AC3E}">
-        <p14:creationId xmlns:p14="http://schemas.microsoft.com/office/powerpoint/2010/main" val="3040794652"/>
-      </p:ext>
-    </p:extLst>
-  </p:cSld>
-  <p:clrMapOvr>
-    <a:masterClrMapping/>
-  </p:clrMapOvr>
-</p:sld>
-</file>
-
-<file path=ppt/slides/slide2.xml><?xml version="1.0" encoding="utf-8"?>
-<p:sld xmlns:a="http://schemas.openxmlformats.org/drawingml/2006/main" xmlns:r="http://schemas.openxmlformats.org/officeDocument/2006/relationships" xmlns:p="http://schemas.openxmlformats.org/presentationml/2006/main">
-  <p:cSld>
-    <p:spTree>
-      <p:nvGrpSpPr>
         <p:cNvPr id="1" name="">
           <a:extLst>
             <a:ext uri="{FF2B5EF4-FFF2-40B4-BE49-F238E27FC236}">
-              <a16:creationId xmlns:a16="http://schemas.microsoft.com/office/drawing/2014/main" id="{E874A87D-315C-FD74-32D5-32C28D335DC3}"/>
+              <a16:creationId xmlns:a16="http://schemas.microsoft.com/office/drawing/2014/main" id="{8BC0FF72-0D8F-A645-2605-C228C22EA100}"/>
             </a:ext>
           </a:extLst>
         </p:cNvPr>
@@ -3639,12 +3792,382 @@
           <a:chExt cx="0" cy="0"/>
         </a:xfrm>
       </p:grpSpPr>
+      <p:grpSp>
+        <p:nvGrpSpPr>
+          <p:cNvPr id="118" name="Group 117">
+            <a:extLst>
+              <a:ext uri="{FF2B5EF4-FFF2-40B4-BE49-F238E27FC236}">
+                <a16:creationId xmlns:a16="http://schemas.microsoft.com/office/drawing/2014/main" id="{390459B0-414D-B12E-31DE-503363E17BAC}"/>
+              </a:ext>
+            </a:extLst>
+          </p:cNvPr>
+          <p:cNvGrpSpPr/>
+          <p:nvPr/>
+        </p:nvGrpSpPr>
+        <p:grpSpPr>
+          <a:xfrm>
+            <a:off x="9522305" y="4039389"/>
+            <a:ext cx="2854294" cy="1673076"/>
+            <a:chOff x="10676881" y="4653395"/>
+            <a:chExt cx="2854294" cy="1673076"/>
+          </a:xfrm>
+          <a:scene3d>
+            <a:camera prst="isometricTopUp"/>
+            <a:lightRig rig="threePt" dir="t"/>
+          </a:scene3d>
+        </p:grpSpPr>
+        <p:pic>
+          <p:nvPicPr>
+            <p:cNvPr id="71" name="Picture 70" descr="A blue crosshairs on a black background&#10;&#10;AI-generated content may be incorrect.">
+              <a:extLst>
+                <a:ext uri="{FF2B5EF4-FFF2-40B4-BE49-F238E27FC236}">
+                  <a16:creationId xmlns:a16="http://schemas.microsoft.com/office/drawing/2014/main" id="{FEC8688F-5003-B1FF-3217-194FA8C2C281}"/>
+                </a:ext>
+              </a:extLst>
+            </p:cNvPr>
+            <p:cNvPicPr>
+              <a:picLocks noChangeAspect="1"/>
+            </p:cNvPicPr>
+            <p:nvPr/>
+          </p:nvPicPr>
+          <p:blipFill>
+            <a:blip r:embed="rId3">
+              <a:extLst>
+                <a:ext uri="{28A0092B-C50C-407E-A947-70E740481C1C}">
+                  <a14:useLocalDpi xmlns:a14="http://schemas.microsoft.com/office/drawing/2010/main" val="0"/>
+                </a:ext>
+              </a:extLst>
+            </a:blip>
+            <a:stretch>
+              <a:fillRect/>
+            </a:stretch>
+          </p:blipFill>
+          <p:spPr>
+            <a:xfrm>
+              <a:off x="10832349" y="5200555"/>
+              <a:ext cx="502920" cy="502920"/>
+            </a:xfrm>
+            <a:prstGeom prst="rect">
+              <a:avLst/>
+            </a:prstGeom>
+          </p:spPr>
+        </p:pic>
+        <p:pic>
+          <p:nvPicPr>
+            <p:cNvPr id="109" name="Picture 108" descr="A blue line with a black background&#10;&#10;AI-generated content may be incorrect.">
+              <a:extLst>
+                <a:ext uri="{FF2B5EF4-FFF2-40B4-BE49-F238E27FC236}">
+                  <a16:creationId xmlns:a16="http://schemas.microsoft.com/office/drawing/2014/main" id="{87D0133A-E046-1BAD-D87E-CBF4F0EF4D2D}"/>
+                </a:ext>
+              </a:extLst>
+            </p:cNvPr>
+            <p:cNvPicPr>
+              <a:picLocks noChangeAspect="1"/>
+            </p:cNvPicPr>
+            <p:nvPr/>
+          </p:nvPicPr>
+          <p:blipFill>
+            <a:blip r:embed="rId4">
+              <a:extLst>
+                <a:ext uri="{28A0092B-C50C-407E-A947-70E740481C1C}">
+                  <a14:useLocalDpi xmlns:a14="http://schemas.microsoft.com/office/drawing/2010/main" val="0"/>
+                </a:ext>
+              </a:extLst>
+            </a:blip>
+            <a:stretch>
+              <a:fillRect/>
+            </a:stretch>
+          </p:blipFill>
+          <p:spPr>
+            <a:xfrm>
+              <a:off x="10837385" y="4696278"/>
+              <a:ext cx="502920" cy="502920"/>
+            </a:xfrm>
+            <a:prstGeom prst="rect">
+              <a:avLst/>
+            </a:prstGeom>
+          </p:spPr>
+        </p:pic>
+        <p:sp>
+          <p:nvSpPr>
+            <p:cNvPr id="111" name="Rectangle 110">
+              <a:extLst>
+                <a:ext uri="{FF2B5EF4-FFF2-40B4-BE49-F238E27FC236}">
+                  <a16:creationId xmlns:a16="http://schemas.microsoft.com/office/drawing/2014/main" id="{70A8E484-8A81-B50C-6F77-9B7095B32B5F}"/>
+                </a:ext>
+              </a:extLst>
+            </p:cNvPr>
+            <p:cNvSpPr/>
+            <p:nvPr/>
+          </p:nvSpPr>
+          <p:spPr>
+            <a:xfrm>
+              <a:off x="10676881" y="4653395"/>
+              <a:ext cx="2854294" cy="1673076"/>
+            </a:xfrm>
+            <a:prstGeom prst="rect">
+              <a:avLst/>
+            </a:prstGeom>
+            <a:noFill/>
+            <a:ln>
+              <a:solidFill>
+                <a:srgbClr val="FF0000"/>
+              </a:solidFill>
+            </a:ln>
+          </p:spPr>
+          <p:style>
+            <a:lnRef idx="2">
+              <a:schemeClr val="accent1">
+                <a:shade val="15000"/>
+              </a:schemeClr>
+            </a:lnRef>
+            <a:fillRef idx="1">
+              <a:schemeClr val="accent1"/>
+            </a:fillRef>
+            <a:effectRef idx="0">
+              <a:schemeClr val="accent1"/>
+            </a:effectRef>
+            <a:fontRef idx="minor">
+              <a:schemeClr val="lt1"/>
+            </a:fontRef>
+          </p:style>
+          <p:txBody>
+            <a:bodyPr rtlCol="0" anchor="ctr"/>
+            <a:lstStyle/>
+            <a:p>
+              <a:pPr algn="ctr"/>
+              <a:endParaRPr lang="en-US" dirty="0"/>
+            </a:p>
+          </p:txBody>
+        </p:sp>
+        <p:sp>
+          <p:nvSpPr>
+            <p:cNvPr id="112" name="TextBox 111">
+              <a:extLst>
+                <a:ext uri="{FF2B5EF4-FFF2-40B4-BE49-F238E27FC236}">
+                  <a16:creationId xmlns:a16="http://schemas.microsoft.com/office/drawing/2014/main" id="{8210233F-A6CF-A725-AF89-8D83900839C1}"/>
+                </a:ext>
+              </a:extLst>
+            </p:cNvPr>
+            <p:cNvSpPr txBox="1"/>
+            <p:nvPr/>
+          </p:nvSpPr>
+          <p:spPr>
+            <a:xfrm>
+              <a:off x="11460740" y="4716906"/>
+              <a:ext cx="2020404" cy="461665"/>
+            </a:xfrm>
+            <a:prstGeom prst="rect">
+              <a:avLst/>
+            </a:prstGeom>
+            <a:noFill/>
+          </p:spPr>
+          <p:txBody>
+            <a:bodyPr wrap="square">
+              <a:spAutoFit/>
+            </a:bodyPr>
+            <a:lstStyle/>
+            <a:p>
+              <a:r>
+                <a:rPr lang="en-US" sz="2400" b="1" dirty="0">
+                  <a:solidFill>
+                    <a:srgbClr val="43507A"/>
+                  </a:solidFill>
+                  <a:latin typeface="Times New Roman" panose="02020603050405020304" pitchFamily="18" charset="0"/>
+                  <a:cs typeface="Times New Roman" panose="02020603050405020304" pitchFamily="18" charset="0"/>
+                </a:rPr>
+                <a:t>Measurement</a:t>
+              </a:r>
+            </a:p>
+          </p:txBody>
+        </p:sp>
+        <p:sp>
+          <p:nvSpPr>
+            <p:cNvPr id="114" name="TextBox 113">
+              <a:extLst>
+                <a:ext uri="{FF2B5EF4-FFF2-40B4-BE49-F238E27FC236}">
+                  <a16:creationId xmlns:a16="http://schemas.microsoft.com/office/drawing/2014/main" id="{3C0B4D9F-341A-9CE8-8C8A-55A04E3172AC}"/>
+                </a:ext>
+              </a:extLst>
+            </p:cNvPr>
+            <p:cNvSpPr txBox="1"/>
+            <p:nvPr/>
+          </p:nvSpPr>
+          <p:spPr>
+            <a:xfrm>
+              <a:off x="11487418" y="5218930"/>
+              <a:ext cx="2020404" cy="461665"/>
+            </a:xfrm>
+            <a:prstGeom prst="rect">
+              <a:avLst/>
+            </a:prstGeom>
+            <a:noFill/>
+          </p:spPr>
+          <p:txBody>
+            <a:bodyPr wrap="square">
+              <a:spAutoFit/>
+            </a:bodyPr>
+            <a:lstStyle/>
+            <a:p>
+              <a:r>
+                <a:rPr lang="en-US" sz="2400" b="1" dirty="0">
+                  <a:solidFill>
+                    <a:srgbClr val="43507A"/>
+                  </a:solidFill>
+                  <a:latin typeface="Times New Roman" panose="02020603050405020304" pitchFamily="18" charset="0"/>
+                  <a:cs typeface="Times New Roman" panose="02020603050405020304" pitchFamily="18" charset="0"/>
+                </a:rPr>
+                <a:t>Localization</a:t>
+              </a:r>
+            </a:p>
+          </p:txBody>
+        </p:sp>
+        <p:pic>
+          <p:nvPicPr>
+            <p:cNvPr id="116" name="Picture 115" descr="A blue brain with circuit board&#10;&#10;AI-generated content may be incorrect.">
+              <a:extLst>
+                <a:ext uri="{FF2B5EF4-FFF2-40B4-BE49-F238E27FC236}">
+                  <a16:creationId xmlns:a16="http://schemas.microsoft.com/office/drawing/2014/main" id="{BDFF0C67-9DA2-806F-9FCB-3CC0A03394D0}"/>
+                </a:ext>
+              </a:extLst>
+            </p:cNvPr>
+            <p:cNvPicPr>
+              <a:picLocks noChangeAspect="1"/>
+            </p:cNvPicPr>
+            <p:nvPr/>
+          </p:nvPicPr>
+          <p:blipFill>
+            <a:blip r:embed="rId5">
+              <a:extLst>
+                <a:ext uri="{28A0092B-C50C-407E-A947-70E740481C1C}">
+                  <a14:useLocalDpi xmlns:a14="http://schemas.microsoft.com/office/drawing/2010/main" val="0"/>
+                </a:ext>
+              </a:extLst>
+            </a:blip>
+            <a:stretch>
+              <a:fillRect/>
+            </a:stretch>
+          </p:blipFill>
+          <p:spPr>
+            <a:xfrm>
+              <a:off x="10832349" y="5747573"/>
+              <a:ext cx="457200" cy="457200"/>
+            </a:xfrm>
+            <a:prstGeom prst="rect">
+              <a:avLst/>
+            </a:prstGeom>
+          </p:spPr>
+        </p:pic>
+        <p:sp>
+          <p:nvSpPr>
+            <p:cNvPr id="117" name="TextBox 116">
+              <a:extLst>
+                <a:ext uri="{FF2B5EF4-FFF2-40B4-BE49-F238E27FC236}">
+                  <a16:creationId xmlns:a16="http://schemas.microsoft.com/office/drawing/2014/main" id="{802A26CC-5BE6-C5C2-F5E9-50E57864E23E}"/>
+                </a:ext>
+              </a:extLst>
+            </p:cNvPr>
+            <p:cNvSpPr txBox="1"/>
+            <p:nvPr/>
+          </p:nvSpPr>
+          <p:spPr>
+            <a:xfrm>
+              <a:off x="11495773" y="5734985"/>
+              <a:ext cx="2020404" cy="461665"/>
+            </a:xfrm>
+            <a:prstGeom prst="rect">
+              <a:avLst/>
+            </a:prstGeom>
+            <a:noFill/>
+          </p:spPr>
+          <p:txBody>
+            <a:bodyPr wrap="square">
+              <a:spAutoFit/>
+            </a:bodyPr>
+            <a:lstStyle/>
+            <a:p>
+              <a:r>
+                <a:rPr lang="en-US" sz="2400" b="1" dirty="0">
+                  <a:solidFill>
+                    <a:srgbClr val="43507A"/>
+                  </a:solidFill>
+                  <a:latin typeface="Times New Roman" panose="02020603050405020304" pitchFamily="18" charset="0"/>
+                  <a:cs typeface="Times New Roman" panose="02020603050405020304" pitchFamily="18" charset="0"/>
+                </a:rPr>
+                <a:t>Evaluation</a:t>
+              </a:r>
+            </a:p>
+          </p:txBody>
+        </p:sp>
+      </p:grpSp>
+      <p:sp>
+        <p:nvSpPr>
+          <p:cNvPr id="9" name="Rectangle 8">
+            <a:extLst>
+              <a:ext uri="{FF2B5EF4-FFF2-40B4-BE49-F238E27FC236}">
+                <a16:creationId xmlns:a16="http://schemas.microsoft.com/office/drawing/2014/main" id="{5C9E8967-0DCB-9417-E258-B409423CF093}"/>
+              </a:ext>
+            </a:extLst>
+          </p:cNvPr>
+          <p:cNvSpPr/>
+          <p:nvPr/>
+        </p:nvSpPr>
+        <p:spPr>
+          <a:xfrm>
+            <a:off x="3639905" y="5947230"/>
+            <a:ext cx="1693755" cy="508828"/>
+          </a:xfrm>
+          <a:prstGeom prst="rect">
+            <a:avLst/>
+          </a:prstGeom>
+          <a:solidFill>
+            <a:srgbClr val="B2B9CE"/>
+          </a:solidFill>
+          <a:ln>
+            <a:noFill/>
+          </a:ln>
+          <a:scene3d>
+            <a:camera prst="isometricTopUp"/>
+            <a:lightRig rig="threePt" dir="t"/>
+          </a:scene3d>
+        </p:spPr>
+        <p:style>
+          <a:lnRef idx="2">
+            <a:schemeClr val="accent1">
+              <a:shade val="15000"/>
+            </a:schemeClr>
+          </a:lnRef>
+          <a:fillRef idx="1">
+            <a:schemeClr val="accent1"/>
+          </a:fillRef>
+          <a:effectRef idx="0">
+            <a:schemeClr val="accent1"/>
+          </a:effectRef>
+          <a:fontRef idx="minor">
+            <a:schemeClr val="lt1"/>
+          </a:fontRef>
+        </p:style>
+        <p:txBody>
+          <a:bodyPr rtlCol="0" anchor="ctr"/>
+          <a:lstStyle/>
+          <a:p>
+            <a:pPr algn="ctr"/>
+            <a:r>
+              <a:rPr lang="en-US" sz="2400" b="1" dirty="0">
+                <a:latin typeface="Times New Roman" panose="02020603050405020304" pitchFamily="18" charset="0"/>
+                <a:cs typeface="Times New Roman" panose="02020603050405020304" pitchFamily="18" charset="0"/>
+              </a:rPr>
+              <a:t>Hardware</a:t>
+            </a:r>
+          </a:p>
+        </p:txBody>
+      </p:sp>
       <p:pic>
         <p:nvPicPr>
-          <p:cNvPr id="8" name="Picture 7" descr="A cloud computing server and a black background&#10;&#10;Description automatically generated with medium confidence">
-            <a:extLst>
-              <a:ext uri="{FF2B5EF4-FFF2-40B4-BE49-F238E27FC236}">
-                <a16:creationId xmlns:a16="http://schemas.microsoft.com/office/drawing/2014/main" id="{20409E19-4674-5DA8-25B9-78B4CD39BA74}"/>
+          <p:cNvPr id="11" name="Picture 10" descr="A computer chip on a green square&#10;&#10;AI-generated content may be incorrect.">
+            <a:extLst>
+              <a:ext uri="{FF2B5EF4-FFF2-40B4-BE49-F238E27FC236}">
+                <a16:creationId xmlns:a16="http://schemas.microsoft.com/office/drawing/2014/main" id="{3DDF9064-95E8-B1F0-6CB8-C176E4A54286}"/>
               </a:ext>
             </a:extLst>
           </p:cNvPr>
@@ -3654,15 +4177,1201 @@
           <p:nvPr/>
         </p:nvPicPr>
         <p:blipFill>
-          <a:blip r:embed="rId2"/>
+          <a:blip r:embed="rId6">
+            <a:extLst>
+              <a:ext uri="{28A0092B-C50C-407E-A947-70E740481C1C}">
+                <a14:useLocalDpi xmlns:a14="http://schemas.microsoft.com/office/drawing/2010/main" val="0"/>
+              </a:ext>
+            </a:extLst>
+          </a:blip>
           <a:stretch>
             <a:fillRect/>
           </a:stretch>
         </p:blipFill>
         <p:spPr>
-          <a:xfrm flipH="1">
-            <a:off x="7773935" y="785084"/>
-            <a:ext cx="964215" cy="914400"/>
+          <a:xfrm>
+            <a:off x="2622906" y="4876572"/>
+            <a:ext cx="1828800" cy="1828800"/>
+          </a:xfrm>
+          <a:prstGeom prst="rect">
+            <a:avLst/>
+          </a:prstGeom>
+        </p:spPr>
+      </p:pic>
+      <p:grpSp>
+        <p:nvGrpSpPr>
+          <p:cNvPr id="107" name="Group 106">
+            <a:extLst>
+              <a:ext uri="{FF2B5EF4-FFF2-40B4-BE49-F238E27FC236}">
+                <a16:creationId xmlns:a16="http://schemas.microsoft.com/office/drawing/2014/main" id="{8F027DBA-4613-8F7A-C740-79E5A6BF5F85}"/>
+              </a:ext>
+            </a:extLst>
+          </p:cNvPr>
+          <p:cNvGrpSpPr/>
+          <p:nvPr/>
+        </p:nvGrpSpPr>
+        <p:grpSpPr>
+          <a:xfrm>
+            <a:off x="6226085" y="5460360"/>
+            <a:ext cx="3269981" cy="771195"/>
+            <a:chOff x="9280206" y="5504868"/>
+            <a:chExt cx="3307385" cy="771195"/>
+          </a:xfrm>
+          <a:scene3d>
+            <a:camera prst="isometricTopUp"/>
+            <a:lightRig rig="threePt" dir="t"/>
+          </a:scene3d>
+        </p:grpSpPr>
+        <p:pic>
+          <p:nvPicPr>
+            <p:cNvPr id="92" name="Picture 91" descr="A blue and black symbol&#10;&#10;Description automatically generated">
+              <a:extLst>
+                <a:ext uri="{FF2B5EF4-FFF2-40B4-BE49-F238E27FC236}">
+                  <a16:creationId xmlns:a16="http://schemas.microsoft.com/office/drawing/2014/main" id="{83AEFB3C-4B25-1D43-F395-CA8467BB69DE}"/>
+                </a:ext>
+              </a:extLst>
+            </p:cNvPr>
+            <p:cNvPicPr>
+              <a:picLocks noChangeAspect="1"/>
+            </p:cNvPicPr>
+            <p:nvPr/>
+          </p:nvPicPr>
+          <p:blipFill>
+            <a:blip r:embed="rId7" cstate="print">
+              <a:extLst>
+                <a:ext uri="{28A0092B-C50C-407E-A947-70E740481C1C}">
+                  <a14:useLocalDpi xmlns:a14="http://schemas.microsoft.com/office/drawing/2010/main" val="0"/>
+                </a:ext>
+              </a:extLst>
+            </a:blip>
+            <a:stretch>
+              <a:fillRect/>
+            </a:stretch>
+          </p:blipFill>
+          <p:spPr>
+            <a:xfrm>
+              <a:off x="9559209" y="5661866"/>
+              <a:ext cx="457200" cy="457200"/>
+            </a:xfrm>
+            <a:prstGeom prst="rect">
+              <a:avLst/>
+            </a:prstGeom>
+          </p:spPr>
+        </p:pic>
+        <p:sp>
+          <p:nvSpPr>
+            <p:cNvPr id="101" name="Rectangle 100">
+              <a:extLst>
+                <a:ext uri="{FF2B5EF4-FFF2-40B4-BE49-F238E27FC236}">
+                  <a16:creationId xmlns:a16="http://schemas.microsoft.com/office/drawing/2014/main" id="{A1015D0A-1A61-7EFC-63B6-EC59C2EBFEC0}"/>
+                </a:ext>
+              </a:extLst>
+            </p:cNvPr>
+            <p:cNvSpPr/>
+            <p:nvPr/>
+          </p:nvSpPr>
+          <p:spPr>
+            <a:xfrm>
+              <a:off x="9280206" y="5504868"/>
+              <a:ext cx="3307385" cy="771195"/>
+            </a:xfrm>
+            <a:prstGeom prst="rect">
+              <a:avLst/>
+            </a:prstGeom>
+            <a:noFill/>
+            <a:ln>
+              <a:solidFill>
+                <a:srgbClr val="B2B9CE"/>
+              </a:solidFill>
+            </a:ln>
+          </p:spPr>
+          <p:style>
+            <a:lnRef idx="2">
+              <a:schemeClr val="accent1">
+                <a:shade val="15000"/>
+              </a:schemeClr>
+            </a:lnRef>
+            <a:fillRef idx="1">
+              <a:schemeClr val="accent1"/>
+            </a:fillRef>
+            <a:effectRef idx="0">
+              <a:schemeClr val="accent1"/>
+            </a:effectRef>
+            <a:fontRef idx="minor">
+              <a:schemeClr val="lt1"/>
+            </a:fontRef>
+          </p:style>
+          <p:txBody>
+            <a:bodyPr rtlCol="0" anchor="ctr"/>
+            <a:lstStyle/>
+            <a:p>
+              <a:pPr algn="ctr"/>
+              <a:endParaRPr lang="en-US"/>
+            </a:p>
+          </p:txBody>
+        </p:sp>
+        <p:sp>
+          <p:nvSpPr>
+            <p:cNvPr id="102" name="TextBox 101">
+              <a:extLst>
+                <a:ext uri="{FF2B5EF4-FFF2-40B4-BE49-F238E27FC236}">
+                  <a16:creationId xmlns:a16="http://schemas.microsoft.com/office/drawing/2014/main" id="{2BB8389A-9AA7-C0CE-E5FA-83E10F177561}"/>
+                </a:ext>
+              </a:extLst>
+            </p:cNvPr>
+            <p:cNvSpPr txBox="1"/>
+            <p:nvPr/>
+          </p:nvSpPr>
+          <p:spPr>
+            <a:xfrm>
+              <a:off x="10196784" y="5659633"/>
+              <a:ext cx="2124456" cy="461665"/>
+            </a:xfrm>
+            <a:prstGeom prst="rect">
+              <a:avLst/>
+            </a:prstGeom>
+            <a:noFill/>
+          </p:spPr>
+          <p:txBody>
+            <a:bodyPr wrap="square">
+              <a:spAutoFit/>
+            </a:bodyPr>
+            <a:lstStyle/>
+            <a:p>
+              <a:r>
+                <a:rPr lang="en-US" sz="2400" b="1" dirty="0">
+                  <a:solidFill>
+                    <a:srgbClr val="43507A"/>
+                  </a:solidFill>
+                  <a:latin typeface="Times New Roman" panose="02020603050405020304" pitchFamily="18" charset="0"/>
+                  <a:cs typeface="Times New Roman" panose="02020603050405020304" pitchFamily="18" charset="0"/>
+                </a:rPr>
+                <a:t>P</a:t>
+              </a:r>
+              <a:r>
+                <a:rPr lang="en-US" altLang="zh-CN" sz="2400" b="1" dirty="0">
+                  <a:solidFill>
+                    <a:srgbClr val="43507A"/>
+                  </a:solidFill>
+                  <a:latin typeface="Times New Roman" panose="02020603050405020304" pitchFamily="18" charset="0"/>
+                  <a:cs typeface="Times New Roman" panose="02020603050405020304" pitchFamily="18" charset="0"/>
+                </a:rPr>
+                <a:t>ower System</a:t>
+              </a:r>
+              <a:endParaRPr lang="en-US" sz="2400" b="1" dirty="0">
+                <a:solidFill>
+                  <a:srgbClr val="43507A"/>
+                </a:solidFill>
+                <a:latin typeface="Times New Roman" panose="02020603050405020304" pitchFamily="18" charset="0"/>
+                <a:cs typeface="Times New Roman" panose="02020603050405020304" pitchFamily="18" charset="0"/>
+              </a:endParaRPr>
+            </a:p>
+          </p:txBody>
+        </p:sp>
+      </p:grpSp>
+      <p:sp>
+        <p:nvSpPr>
+          <p:cNvPr id="63" name="Rectangle 62">
+            <a:extLst>
+              <a:ext uri="{FF2B5EF4-FFF2-40B4-BE49-F238E27FC236}">
+                <a16:creationId xmlns:a16="http://schemas.microsoft.com/office/drawing/2014/main" id="{1CE47094-C0C2-0D18-099E-FECDD99E4086}"/>
+              </a:ext>
+            </a:extLst>
+          </p:cNvPr>
+          <p:cNvSpPr/>
+          <p:nvPr/>
+        </p:nvSpPr>
+        <p:spPr>
+          <a:xfrm>
+            <a:off x="-1879432" y="3346572"/>
+            <a:ext cx="15950864" cy="390444"/>
+          </a:xfrm>
+          <a:prstGeom prst="rect">
+            <a:avLst/>
+          </a:prstGeom>
+          <a:solidFill>
+            <a:srgbClr val="B2B9CE"/>
+          </a:solidFill>
+          <a:ln>
+            <a:noFill/>
+          </a:ln>
+          <a:scene3d>
+            <a:camera prst="isometricTopUp"/>
+            <a:lightRig rig="threePt" dir="t"/>
+          </a:scene3d>
+        </p:spPr>
+        <p:style>
+          <a:lnRef idx="2">
+            <a:schemeClr val="accent1">
+              <a:shade val="15000"/>
+            </a:schemeClr>
+          </a:lnRef>
+          <a:fillRef idx="1">
+            <a:schemeClr val="accent1"/>
+          </a:fillRef>
+          <a:effectRef idx="0">
+            <a:schemeClr val="accent1"/>
+          </a:effectRef>
+          <a:fontRef idx="minor">
+            <a:schemeClr val="lt1"/>
+          </a:fontRef>
+        </p:style>
+        <p:txBody>
+          <a:bodyPr rtlCol="0" anchor="ctr"/>
+          <a:lstStyle/>
+          <a:p>
+            <a:pPr algn="ctr"/>
+            <a:endParaRPr lang="en-US"/>
+          </a:p>
+        </p:txBody>
+      </p:sp>
+      <p:pic>
+        <p:nvPicPr>
+          <p:cNvPr id="62" name="Picture 61" descr="A blue circle with a heartbeat line&#10;&#10;AI-generated content may be incorrect.">
+            <a:extLst>
+              <a:ext uri="{FF2B5EF4-FFF2-40B4-BE49-F238E27FC236}">
+                <a16:creationId xmlns:a16="http://schemas.microsoft.com/office/drawing/2014/main" id="{62157D95-5605-99E1-7389-EE256D7C2CDE}"/>
+              </a:ext>
+            </a:extLst>
+          </p:cNvPr>
+          <p:cNvPicPr>
+            <a:picLocks noChangeAspect="1"/>
+          </p:cNvPicPr>
+          <p:nvPr/>
+        </p:nvPicPr>
+        <p:blipFill>
+          <a:blip r:embed="rId8">
+            <a:extLst>
+              <a:ext uri="{28A0092B-C50C-407E-A947-70E740481C1C}">
+                <a14:useLocalDpi xmlns:a14="http://schemas.microsoft.com/office/drawing/2010/main" val="0"/>
+              </a:ext>
+            </a:extLst>
+          </a:blip>
+          <a:stretch>
+            <a:fillRect/>
+          </a:stretch>
+        </p:blipFill>
+        <p:spPr>
+          <a:xfrm>
+            <a:off x="2212369" y="296563"/>
+            <a:ext cx="962072" cy="962072"/>
+          </a:xfrm>
+          <a:prstGeom prst="rect">
+            <a:avLst/>
+          </a:prstGeom>
+          <a:scene3d>
+            <a:camera prst="isometricRightUp"/>
+            <a:lightRig rig="threePt" dir="t"/>
+          </a:scene3d>
+          <a:sp3d/>
+        </p:spPr>
+      </p:pic>
+      <p:pic>
+        <p:nvPicPr>
+          <p:cNvPr id="60" name="Picture 4" descr="DNESP32S3M">
+            <a:extLst>
+              <a:ext uri="{FF2B5EF4-FFF2-40B4-BE49-F238E27FC236}">
+                <a16:creationId xmlns:a16="http://schemas.microsoft.com/office/drawing/2014/main" id="{C06AFA8A-6C9D-320A-6555-223D7FA7E697}"/>
+              </a:ext>
+            </a:extLst>
+          </p:cNvPr>
+          <p:cNvPicPr>
+            <a:picLocks noChangeAspect="1" noChangeArrowheads="1"/>
+          </p:cNvPicPr>
+          <p:nvPr/>
+        </p:nvPicPr>
+        <p:blipFill>
+          <a:blip r:embed="rId9" cstate="print">
+            <a:extLst>
+              <a:ext uri="{28A0092B-C50C-407E-A947-70E740481C1C}">
+                <a14:useLocalDpi xmlns:a14="http://schemas.microsoft.com/office/drawing/2010/main" val="0"/>
+              </a:ext>
+            </a:extLst>
+          </a:blip>
+          <a:srcRect/>
+          <a:stretch>
+            <a:fillRect/>
+          </a:stretch>
+        </p:blipFill>
+        <p:spPr bwMode="auto">
+          <a:xfrm>
+            <a:off x="7087112" y="3664910"/>
+            <a:ext cx="2194920" cy="856247"/>
+          </a:xfrm>
+          <a:prstGeom prst="rect">
+            <a:avLst/>
+          </a:prstGeom>
+          <a:noFill/>
+          <a:scene3d>
+            <a:camera prst="isometricBottomDown"/>
+            <a:lightRig rig="threePt" dir="t"/>
+          </a:scene3d>
+          <a:extLst>
+            <a:ext uri="{909E8E84-426E-40DD-AFC4-6F175D3DCCD1}">
+              <a14:hiddenFill xmlns:a14="http://schemas.microsoft.com/office/drawing/2010/main">
+                <a:solidFill>
+                  <a:srgbClr val="FFFFFF"/>
+                </a:solidFill>
+              </a14:hiddenFill>
+            </a:ext>
+          </a:extLst>
+        </p:spPr>
+      </p:pic>
+      <p:sp>
+        <p:nvSpPr>
+          <p:cNvPr id="48" name="Rectangle 47">
+            <a:extLst>
+              <a:ext uri="{FF2B5EF4-FFF2-40B4-BE49-F238E27FC236}">
+                <a16:creationId xmlns:a16="http://schemas.microsoft.com/office/drawing/2014/main" id="{58CF97A9-5CBA-2513-4074-CEB5877C41C3}"/>
+              </a:ext>
+            </a:extLst>
+          </p:cNvPr>
+          <p:cNvSpPr/>
+          <p:nvPr/>
+        </p:nvSpPr>
+        <p:spPr>
+          <a:xfrm>
+            <a:off x="418019" y="2512146"/>
+            <a:ext cx="5730060" cy="586042"/>
+          </a:xfrm>
+          <a:prstGeom prst="rect">
+            <a:avLst/>
+          </a:prstGeom>
+          <a:solidFill>
+            <a:srgbClr val="B2B9CE"/>
+          </a:solidFill>
+          <a:ln>
+            <a:noFill/>
+          </a:ln>
+          <a:scene3d>
+            <a:camera prst="isometricTopUp"/>
+            <a:lightRig rig="threePt" dir="t"/>
+          </a:scene3d>
+        </p:spPr>
+        <p:style>
+          <a:lnRef idx="2">
+            <a:schemeClr val="accent1">
+              <a:shade val="15000"/>
+            </a:schemeClr>
+          </a:lnRef>
+          <a:fillRef idx="1">
+            <a:schemeClr val="accent1"/>
+          </a:fillRef>
+          <a:effectRef idx="0">
+            <a:schemeClr val="accent1"/>
+          </a:effectRef>
+          <a:fontRef idx="minor">
+            <a:schemeClr val="lt1"/>
+          </a:fontRef>
+        </p:style>
+        <p:txBody>
+          <a:bodyPr rtlCol="0" anchor="ctr"/>
+          <a:lstStyle/>
+          <a:p>
+            <a:pPr algn="ctr"/>
+            <a:r>
+              <a:rPr lang="en-US" sz="2400" b="1" dirty="0">
+                <a:latin typeface="Times New Roman" panose="02020603050405020304" pitchFamily="18" charset="0"/>
+                <a:cs typeface="Times New Roman" panose="02020603050405020304" pitchFamily="18" charset="0"/>
+              </a:rPr>
+              <a:t>I</a:t>
+            </a:r>
+            <a:r>
+              <a:rPr lang="en-US" altLang="zh-CN" sz="2400" b="1" dirty="0">
+                <a:latin typeface="Times New Roman" panose="02020603050405020304" pitchFamily="18" charset="0"/>
+                <a:cs typeface="Times New Roman" panose="02020603050405020304" pitchFamily="18" charset="0"/>
+              </a:rPr>
+              <a:t>oT-based Structural Health Monitoring</a:t>
+            </a:r>
+            <a:endParaRPr lang="en-US" sz="2400" b="1" dirty="0">
+              <a:latin typeface="Times New Roman" panose="02020603050405020304" pitchFamily="18" charset="0"/>
+              <a:cs typeface="Times New Roman" panose="02020603050405020304" pitchFamily="18" charset="0"/>
+            </a:endParaRPr>
+          </a:p>
+        </p:txBody>
+      </p:sp>
+      <p:sp>
+        <p:nvSpPr>
+          <p:cNvPr id="41" name="Rectangle 40">
+            <a:extLst>
+              <a:ext uri="{FF2B5EF4-FFF2-40B4-BE49-F238E27FC236}">
+                <a16:creationId xmlns:a16="http://schemas.microsoft.com/office/drawing/2014/main" id="{3DC107B1-E767-EED7-68A3-B897DB8CB500}"/>
+              </a:ext>
+            </a:extLst>
+          </p:cNvPr>
+          <p:cNvSpPr/>
+          <p:nvPr/>
+        </p:nvSpPr>
+        <p:spPr>
+          <a:xfrm>
+            <a:off x="4158024" y="771655"/>
+            <a:ext cx="2845206" cy="972388"/>
+          </a:xfrm>
+          <a:prstGeom prst="rect">
+            <a:avLst/>
+          </a:prstGeom>
+          <a:solidFill>
+            <a:srgbClr val="FFCCCC">
+              <a:alpha val="50196"/>
+            </a:srgbClr>
+          </a:solidFill>
+          <a:ln>
+            <a:noFill/>
+          </a:ln>
+          <a:scene3d>
+            <a:camera prst="isometricBottomDown"/>
+            <a:lightRig rig="threePt" dir="t"/>
+          </a:scene3d>
+        </p:spPr>
+        <p:style>
+          <a:lnRef idx="2">
+            <a:schemeClr val="accent1">
+              <a:shade val="15000"/>
+            </a:schemeClr>
+          </a:lnRef>
+          <a:fillRef idx="1">
+            <a:schemeClr val="accent1"/>
+          </a:fillRef>
+          <a:effectRef idx="0">
+            <a:schemeClr val="accent1"/>
+          </a:effectRef>
+          <a:fontRef idx="minor">
+            <a:schemeClr val="lt1"/>
+          </a:fontRef>
+        </p:style>
+        <p:txBody>
+          <a:bodyPr rtlCol="0" anchor="ctr"/>
+          <a:lstStyle/>
+          <a:p>
+            <a:pPr algn="ctr"/>
+            <a:endParaRPr lang="en-US" dirty="0"/>
+          </a:p>
+        </p:txBody>
+      </p:sp>
+      <p:sp>
+        <p:nvSpPr>
+          <p:cNvPr id="27" name="Rectangle 26">
+            <a:extLst>
+              <a:ext uri="{FF2B5EF4-FFF2-40B4-BE49-F238E27FC236}">
+                <a16:creationId xmlns:a16="http://schemas.microsoft.com/office/drawing/2014/main" id="{4C268633-BE15-D54E-7FEC-054AC0A5E1C4}"/>
+              </a:ext>
+            </a:extLst>
+          </p:cNvPr>
+          <p:cNvSpPr/>
+          <p:nvPr/>
+        </p:nvSpPr>
+        <p:spPr>
+          <a:xfrm>
+            <a:off x="-764480" y="3725146"/>
+            <a:ext cx="2845206" cy="972388"/>
+          </a:xfrm>
+          <a:prstGeom prst="rect">
+            <a:avLst/>
+          </a:prstGeom>
+          <a:solidFill>
+            <a:srgbClr val="D9F2D0"/>
+          </a:solidFill>
+          <a:ln>
+            <a:noFill/>
+          </a:ln>
+          <a:scene3d>
+            <a:camera prst="isometricBottomDown"/>
+            <a:lightRig rig="threePt" dir="t"/>
+          </a:scene3d>
+        </p:spPr>
+        <p:style>
+          <a:lnRef idx="2">
+            <a:schemeClr val="accent1">
+              <a:shade val="15000"/>
+            </a:schemeClr>
+          </a:lnRef>
+          <a:fillRef idx="1">
+            <a:schemeClr val="accent1"/>
+          </a:fillRef>
+          <a:effectRef idx="0">
+            <a:schemeClr val="accent1"/>
+          </a:effectRef>
+          <a:fontRef idx="minor">
+            <a:schemeClr val="lt1"/>
+          </a:fontRef>
+        </p:style>
+        <p:txBody>
+          <a:bodyPr rtlCol="0" anchor="ctr"/>
+          <a:lstStyle/>
+          <a:p>
+            <a:pPr algn="ctr"/>
+            <a:endParaRPr lang="en-US" dirty="0"/>
+          </a:p>
+        </p:txBody>
+      </p:sp>
+      <p:sp>
+        <p:nvSpPr>
+          <p:cNvPr id="72" name="TextBox 71">
+            <a:extLst>
+              <a:ext uri="{FF2B5EF4-FFF2-40B4-BE49-F238E27FC236}">
+                <a16:creationId xmlns:a16="http://schemas.microsoft.com/office/drawing/2014/main" id="{5E26308A-ECD1-DD13-A2B8-44088141A440}"/>
+              </a:ext>
+            </a:extLst>
+          </p:cNvPr>
+          <p:cNvSpPr txBox="1"/>
+          <p:nvPr/>
+        </p:nvSpPr>
+        <p:spPr>
+          <a:xfrm>
+            <a:off x="401888" y="3231888"/>
+            <a:ext cx="1210615" cy="461665"/>
+          </a:xfrm>
+          <a:prstGeom prst="rect">
+            <a:avLst/>
+          </a:prstGeom>
+          <a:noFill/>
+          <a:scene3d>
+            <a:camera prst="isometricBottomDown"/>
+            <a:lightRig rig="threePt" dir="t"/>
+          </a:scene3d>
+        </p:spPr>
+        <p:txBody>
+          <a:bodyPr wrap="square">
+            <a:spAutoFit/>
+          </a:bodyPr>
+          <a:lstStyle/>
+          <a:p>
+            <a:r>
+              <a:rPr lang="en-US" sz="2400" b="1" dirty="0">
+                <a:solidFill>
+                  <a:srgbClr val="43507A"/>
+                </a:solidFill>
+                <a:latin typeface="Times New Roman" panose="02020603050405020304" pitchFamily="18" charset="0"/>
+                <a:cs typeface="Times New Roman" panose="02020603050405020304" pitchFamily="18" charset="0"/>
+              </a:rPr>
+              <a:t>Server</a:t>
+            </a:r>
+          </a:p>
+        </p:txBody>
+      </p:sp>
+      <p:sp>
+        <p:nvSpPr>
+          <p:cNvPr id="73" name="TextBox 72">
+            <a:extLst>
+              <a:ext uri="{FF2B5EF4-FFF2-40B4-BE49-F238E27FC236}">
+                <a16:creationId xmlns:a16="http://schemas.microsoft.com/office/drawing/2014/main" id="{D80C55A7-3BC9-0641-17C3-E8411EAE9D4A}"/>
+              </a:ext>
+            </a:extLst>
+          </p:cNvPr>
+          <p:cNvSpPr txBox="1"/>
+          <p:nvPr/>
+        </p:nvSpPr>
+        <p:spPr>
+          <a:xfrm>
+            <a:off x="1747634" y="2363220"/>
+            <a:ext cx="1491273" cy="461665"/>
+          </a:xfrm>
+          <a:prstGeom prst="rect">
+            <a:avLst/>
+          </a:prstGeom>
+          <a:noFill/>
+          <a:scene3d>
+            <a:camera prst="isometricBottomDown"/>
+            <a:lightRig rig="threePt" dir="t"/>
+          </a:scene3d>
+        </p:spPr>
+        <p:txBody>
+          <a:bodyPr wrap="square">
+            <a:spAutoFit/>
+          </a:bodyPr>
+          <a:lstStyle/>
+          <a:p>
+            <a:r>
+              <a:rPr lang="en-US" sz="2400" b="1" dirty="0">
+                <a:solidFill>
+                  <a:srgbClr val="43507A"/>
+                </a:solidFill>
+                <a:latin typeface="Times New Roman" panose="02020603050405020304" pitchFamily="18" charset="0"/>
+                <a:cs typeface="Times New Roman" panose="02020603050405020304" pitchFamily="18" charset="0"/>
+              </a:rPr>
+              <a:t>Gateway</a:t>
+            </a:r>
+          </a:p>
+        </p:txBody>
+      </p:sp>
+      <p:sp>
+        <p:nvSpPr>
+          <p:cNvPr id="74" name="TextBox 73">
+            <a:extLst>
+              <a:ext uri="{FF2B5EF4-FFF2-40B4-BE49-F238E27FC236}">
+                <a16:creationId xmlns:a16="http://schemas.microsoft.com/office/drawing/2014/main" id="{45BE1EA8-05BC-2D37-C4F0-5BFD29C2DC4D}"/>
+              </a:ext>
+            </a:extLst>
+          </p:cNvPr>
+          <p:cNvSpPr txBox="1"/>
+          <p:nvPr/>
+        </p:nvSpPr>
+        <p:spPr>
+          <a:xfrm>
+            <a:off x="3233798" y="1470898"/>
+            <a:ext cx="1306049" cy="461665"/>
+          </a:xfrm>
+          <a:prstGeom prst="rect">
+            <a:avLst/>
+          </a:prstGeom>
+          <a:noFill/>
+          <a:scene3d>
+            <a:camera prst="isometricBottomDown"/>
+            <a:lightRig rig="threePt" dir="t"/>
+          </a:scene3d>
+        </p:spPr>
+        <p:txBody>
+          <a:bodyPr wrap="square">
+            <a:spAutoFit/>
+          </a:bodyPr>
+          <a:lstStyle/>
+          <a:p>
+            <a:r>
+              <a:rPr lang="en-US" sz="2400" b="1" dirty="0">
+                <a:solidFill>
+                  <a:srgbClr val="43507A"/>
+                </a:solidFill>
+                <a:latin typeface="Times New Roman" panose="02020603050405020304" pitchFamily="18" charset="0"/>
+                <a:cs typeface="Times New Roman" panose="02020603050405020304" pitchFamily="18" charset="0"/>
+              </a:rPr>
+              <a:t>Sensors</a:t>
+            </a:r>
+          </a:p>
+        </p:txBody>
+      </p:sp>
+      <p:sp>
+        <p:nvSpPr>
+          <p:cNvPr id="4" name="Rectangle 3">
+            <a:extLst>
+              <a:ext uri="{FF2B5EF4-FFF2-40B4-BE49-F238E27FC236}">
+                <a16:creationId xmlns:a16="http://schemas.microsoft.com/office/drawing/2014/main" id="{E6C8CD71-58C2-A93E-93DD-9E2B392EC2BC}"/>
+              </a:ext>
+            </a:extLst>
+          </p:cNvPr>
+          <p:cNvSpPr/>
+          <p:nvPr/>
+        </p:nvSpPr>
+        <p:spPr>
+          <a:xfrm>
+            <a:off x="0" y="6498000"/>
+            <a:ext cx="12192000" cy="360000"/>
+          </a:xfrm>
+          <a:prstGeom prst="rect">
+            <a:avLst/>
+          </a:prstGeom>
+          <a:solidFill>
+            <a:srgbClr val="43507A"/>
+          </a:solidFill>
+          <a:ln>
+            <a:noFill/>
+          </a:ln>
+        </p:spPr>
+        <p:style>
+          <a:lnRef idx="2">
+            <a:schemeClr val="accent1">
+              <a:shade val="15000"/>
+            </a:schemeClr>
+          </a:lnRef>
+          <a:fillRef idx="1">
+            <a:schemeClr val="accent1"/>
+          </a:fillRef>
+          <a:effectRef idx="0">
+            <a:schemeClr val="accent1"/>
+          </a:effectRef>
+          <a:fontRef idx="minor">
+            <a:schemeClr val="lt1"/>
+          </a:fontRef>
+        </p:style>
+        <p:txBody>
+          <a:bodyPr rtlCol="0" anchor="ctr"/>
+          <a:lstStyle/>
+          <a:p>
+            <a:pPr algn="l"/>
+            <a:r>
+              <a:rPr lang="en-US" sz="1800" b="1" dirty="0">
+                <a:solidFill>
+                  <a:srgbClr val="FFFFFF"/>
+                </a:solidFill>
+                <a:cs typeface="Arial"/>
+              </a:rPr>
+              <a:t>SHUAIWEN CUI</a:t>
+            </a:r>
+          </a:p>
+        </p:txBody>
+      </p:sp>
+      <p:sp>
+        <p:nvSpPr>
+          <p:cNvPr id="5" name="Rectangle 4">
+            <a:extLst>
+              <a:ext uri="{FF2B5EF4-FFF2-40B4-BE49-F238E27FC236}">
+                <a16:creationId xmlns:a16="http://schemas.microsoft.com/office/drawing/2014/main" id="{4BDA2501-C684-B78A-AD77-7EFD863B7284}"/>
+              </a:ext>
+            </a:extLst>
+          </p:cNvPr>
+          <p:cNvSpPr/>
+          <p:nvPr/>
+        </p:nvSpPr>
+        <p:spPr>
+          <a:xfrm>
+            <a:off x="0" y="6498000"/>
+            <a:ext cx="3975140" cy="360000"/>
+          </a:xfrm>
+          <a:prstGeom prst="rect">
+            <a:avLst/>
+          </a:prstGeom>
+          <a:solidFill>
+            <a:srgbClr val="2F3E6A"/>
+          </a:solidFill>
+          <a:ln>
+            <a:noFill/>
+          </a:ln>
+        </p:spPr>
+        <p:style>
+          <a:lnRef idx="2">
+            <a:schemeClr val="accent1">
+              <a:shade val="15000"/>
+            </a:schemeClr>
+          </a:lnRef>
+          <a:fillRef idx="1">
+            <a:schemeClr val="accent1"/>
+          </a:fillRef>
+          <a:effectRef idx="0">
+            <a:schemeClr val="accent1"/>
+          </a:effectRef>
+          <a:fontRef idx="minor">
+            <a:schemeClr val="lt1"/>
+          </a:fontRef>
+        </p:style>
+        <p:txBody>
+          <a:bodyPr rtlCol="0" anchor="ctr"/>
+          <a:lstStyle/>
+          <a:p>
+            <a:pPr algn="ctr"/>
+            <a:endParaRPr lang="en-CN" dirty="0"/>
+          </a:p>
+        </p:txBody>
+      </p:sp>
+      <p:pic>
+        <p:nvPicPr>
+          <p:cNvPr id="6" name="Picture 5" descr="A black and white logo&#10;&#10;Description automatically generated">
+            <a:extLst>
+              <a:ext uri="{FF2B5EF4-FFF2-40B4-BE49-F238E27FC236}">
+                <a16:creationId xmlns:a16="http://schemas.microsoft.com/office/drawing/2014/main" id="{560B5C22-35A4-0761-FB13-6A74E9588961}"/>
+              </a:ext>
+            </a:extLst>
+          </p:cNvPr>
+          <p:cNvPicPr>
+            <a:picLocks noChangeAspect="1"/>
+          </p:cNvPicPr>
+          <p:nvPr/>
+        </p:nvPicPr>
+        <p:blipFill rotWithShape="1">
+          <a:blip r:embed="rId10"/>
+          <a:srcRect r="68118" b="1521"/>
+          <a:stretch/>
+        </p:blipFill>
+        <p:spPr>
+          <a:xfrm>
+            <a:off x="86840" y="6521384"/>
+            <a:ext cx="258268" cy="313231"/>
+          </a:xfrm>
+          <a:prstGeom prst="rect">
+            <a:avLst/>
+          </a:prstGeom>
+        </p:spPr>
+      </p:pic>
+      <p:sp>
+        <p:nvSpPr>
+          <p:cNvPr id="8" name="Right Triangle 7">
+            <a:extLst>
+              <a:ext uri="{FF2B5EF4-FFF2-40B4-BE49-F238E27FC236}">
+                <a16:creationId xmlns:a16="http://schemas.microsoft.com/office/drawing/2014/main" id="{A26F0797-E056-BF6C-4310-EC9B9EFA7B3A}"/>
+              </a:ext>
+            </a:extLst>
+          </p:cNvPr>
+          <p:cNvSpPr/>
+          <p:nvPr/>
+        </p:nvSpPr>
+        <p:spPr>
+          <a:xfrm rot="16200000">
+            <a:off x="3614192" y="6498000"/>
+            <a:ext cx="360948" cy="360948"/>
+          </a:xfrm>
+          <a:prstGeom prst="rtTriangle">
+            <a:avLst/>
+          </a:prstGeom>
+          <a:solidFill>
+            <a:srgbClr val="43507A"/>
+          </a:solidFill>
+          <a:ln>
+            <a:noFill/>
+          </a:ln>
+        </p:spPr>
+        <p:style>
+          <a:lnRef idx="2">
+            <a:schemeClr val="accent1">
+              <a:shade val="15000"/>
+            </a:schemeClr>
+          </a:lnRef>
+          <a:fillRef idx="1">
+            <a:schemeClr val="accent1"/>
+          </a:fillRef>
+          <a:effectRef idx="0">
+            <a:schemeClr val="accent1"/>
+          </a:effectRef>
+          <a:fontRef idx="minor">
+            <a:schemeClr val="lt1"/>
+          </a:fontRef>
+        </p:style>
+        <p:txBody>
+          <a:bodyPr rtlCol="0" anchor="ctr"/>
+          <a:lstStyle/>
+          <a:p>
+            <a:pPr algn="ctr"/>
+            <a:endParaRPr lang="en-CN" dirty="0"/>
+          </a:p>
+        </p:txBody>
+      </p:sp>
+      <p:sp>
+        <p:nvSpPr>
+          <p:cNvPr id="15" name="Rectangle 14">
+            <a:extLst>
+              <a:ext uri="{FF2B5EF4-FFF2-40B4-BE49-F238E27FC236}">
+                <a16:creationId xmlns:a16="http://schemas.microsoft.com/office/drawing/2014/main" id="{F5257C81-642D-EADF-AA09-36D0E397BDB2}"/>
+              </a:ext>
+            </a:extLst>
+          </p:cNvPr>
+          <p:cNvSpPr/>
+          <p:nvPr/>
+        </p:nvSpPr>
+        <p:spPr>
+          <a:xfrm>
+            <a:off x="0" y="0"/>
+            <a:ext cx="12192000" cy="360000"/>
+          </a:xfrm>
+          <a:prstGeom prst="rect">
+            <a:avLst/>
+          </a:prstGeom>
+          <a:solidFill>
+            <a:srgbClr val="43507A"/>
+          </a:solidFill>
+          <a:ln>
+            <a:noFill/>
+          </a:ln>
+        </p:spPr>
+        <p:style>
+          <a:lnRef idx="2">
+            <a:schemeClr val="accent1">
+              <a:shade val="15000"/>
+            </a:schemeClr>
+          </a:lnRef>
+          <a:fillRef idx="1">
+            <a:schemeClr val="accent1"/>
+          </a:fillRef>
+          <a:effectRef idx="0">
+            <a:schemeClr val="accent1"/>
+          </a:effectRef>
+          <a:fontRef idx="minor">
+            <a:schemeClr val="lt1"/>
+          </a:fontRef>
+        </p:style>
+        <p:txBody>
+          <a:bodyPr rtlCol="0" anchor="ctr"/>
+          <a:lstStyle/>
+          <a:p>
+            <a:pPr algn="l"/>
+            <a:endParaRPr lang="en-US" sz="1800" b="1" dirty="0">
+              <a:solidFill>
+                <a:srgbClr val="FFFFFF"/>
+              </a:solidFill>
+              <a:cs typeface="Arial"/>
+            </a:endParaRPr>
+          </a:p>
+        </p:txBody>
+      </p:sp>
+      <p:sp>
+        <p:nvSpPr>
+          <p:cNvPr id="16" name="Rectangle 15">
+            <a:extLst>
+              <a:ext uri="{FF2B5EF4-FFF2-40B4-BE49-F238E27FC236}">
+                <a16:creationId xmlns:a16="http://schemas.microsoft.com/office/drawing/2014/main" id="{F1C8F9D5-183E-8C15-6E73-E13FEC52A854}"/>
+              </a:ext>
+            </a:extLst>
+          </p:cNvPr>
+          <p:cNvSpPr/>
+          <p:nvPr/>
+        </p:nvSpPr>
+        <p:spPr>
+          <a:xfrm>
+            <a:off x="10521950" y="0"/>
+            <a:ext cx="1670051" cy="360000"/>
+          </a:xfrm>
+          <a:prstGeom prst="rect">
+            <a:avLst/>
+          </a:prstGeom>
+          <a:solidFill>
+            <a:srgbClr val="2F3E6A"/>
+          </a:solidFill>
+          <a:ln>
+            <a:noFill/>
+          </a:ln>
+        </p:spPr>
+        <p:style>
+          <a:lnRef idx="2">
+            <a:schemeClr val="accent1">
+              <a:shade val="15000"/>
+            </a:schemeClr>
+          </a:lnRef>
+          <a:fillRef idx="1">
+            <a:schemeClr val="accent1"/>
+          </a:fillRef>
+          <a:effectRef idx="0">
+            <a:schemeClr val="accent1"/>
+          </a:effectRef>
+          <a:fontRef idx="minor">
+            <a:schemeClr val="lt1"/>
+          </a:fontRef>
+        </p:style>
+        <p:txBody>
+          <a:bodyPr rtlCol="0" anchor="ctr"/>
+          <a:lstStyle/>
+          <a:p>
+            <a:pPr algn="ctr"/>
+            <a:endParaRPr lang="en-CN" dirty="0"/>
+          </a:p>
+        </p:txBody>
+      </p:sp>
+      <p:sp>
+        <p:nvSpPr>
+          <p:cNvPr id="17" name="Right Triangle 16">
+            <a:extLst>
+              <a:ext uri="{FF2B5EF4-FFF2-40B4-BE49-F238E27FC236}">
+                <a16:creationId xmlns:a16="http://schemas.microsoft.com/office/drawing/2014/main" id="{120E9C97-65CF-0014-9611-6A10CED9FBEB}"/>
+              </a:ext>
+            </a:extLst>
+          </p:cNvPr>
+          <p:cNvSpPr/>
+          <p:nvPr/>
+        </p:nvSpPr>
+        <p:spPr>
+          <a:xfrm rot="5400000">
+            <a:off x="10521949" y="0"/>
+            <a:ext cx="360948" cy="360948"/>
+          </a:xfrm>
+          <a:prstGeom prst="rtTriangle">
+            <a:avLst/>
+          </a:prstGeom>
+          <a:solidFill>
+            <a:srgbClr val="43507A"/>
+          </a:solidFill>
+          <a:ln>
+            <a:noFill/>
+          </a:ln>
+        </p:spPr>
+        <p:style>
+          <a:lnRef idx="2">
+            <a:schemeClr val="accent1">
+              <a:shade val="15000"/>
+            </a:schemeClr>
+          </a:lnRef>
+          <a:fillRef idx="1">
+            <a:schemeClr val="accent1"/>
+          </a:fillRef>
+          <a:effectRef idx="0">
+            <a:schemeClr val="accent1"/>
+          </a:effectRef>
+          <a:fontRef idx="minor">
+            <a:schemeClr val="lt1"/>
+          </a:fontRef>
+        </p:style>
+        <p:txBody>
+          <a:bodyPr rtlCol="0" anchor="ctr"/>
+          <a:lstStyle/>
+          <a:p>
+            <a:pPr algn="ctr"/>
+            <a:endParaRPr lang="en-CN" dirty="0"/>
+          </a:p>
+        </p:txBody>
+      </p:sp>
+      <p:pic>
+        <p:nvPicPr>
+          <p:cNvPr id="2" name="Picture 1" descr="A black and white logo&#10;&#10;Description automatically generated">
+            <a:extLst>
+              <a:ext uri="{FF2B5EF4-FFF2-40B4-BE49-F238E27FC236}">
+                <a16:creationId xmlns:a16="http://schemas.microsoft.com/office/drawing/2014/main" id="{8715EF97-2221-5354-88AD-0D5D7F5A6914}"/>
+              </a:ext>
+            </a:extLst>
+          </p:cNvPr>
+          <p:cNvPicPr>
+            <a:picLocks noChangeAspect="1"/>
+          </p:cNvPicPr>
+          <p:nvPr/>
+        </p:nvPicPr>
+        <p:blipFill>
+          <a:blip r:embed="rId10"/>
+          <a:stretch>
+            <a:fillRect/>
+          </a:stretch>
+        </p:blipFill>
+        <p:spPr>
+          <a:xfrm>
+            <a:off x="11132407" y="22881"/>
+            <a:ext cx="810082" cy="318069"/>
+          </a:xfrm>
+          <a:prstGeom prst="rect">
+            <a:avLst/>
+          </a:prstGeom>
+        </p:spPr>
+      </p:pic>
+      <p:sp>
+        <p:nvSpPr>
+          <p:cNvPr id="68" name="TextBox 67">
+            <a:extLst>
+              <a:ext uri="{FF2B5EF4-FFF2-40B4-BE49-F238E27FC236}">
+                <a16:creationId xmlns:a16="http://schemas.microsoft.com/office/drawing/2014/main" id="{E7E751FA-55DB-5381-9102-981E160D7AD3}"/>
+              </a:ext>
+            </a:extLst>
+          </p:cNvPr>
+          <p:cNvSpPr txBox="1"/>
+          <p:nvPr/>
+        </p:nvSpPr>
+        <p:spPr>
+          <a:xfrm>
+            <a:off x="52797" y="2396"/>
+            <a:ext cx="11048240" cy="338554"/>
+          </a:xfrm>
+          <a:prstGeom prst="rect">
+            <a:avLst/>
+          </a:prstGeom>
+          <a:noFill/>
+        </p:spPr>
+        <p:txBody>
+          <a:bodyPr wrap="square">
+            <a:spAutoFit/>
+          </a:bodyPr>
+          <a:lstStyle/>
+          <a:p>
+            <a:r>
+              <a:rPr lang="en-US" sz="1600" b="1" dirty="0">
+                <a:solidFill>
+                  <a:srgbClr val="FFFFFF"/>
+                </a:solidFill>
+                <a:latin typeface="Times New Roman" panose="02020603050405020304" pitchFamily="18" charset="0"/>
+                <a:cs typeface="Times New Roman" panose="02020603050405020304" pitchFamily="18" charset="0"/>
+              </a:rPr>
+              <a:t>Distributed Edge Intelligence Enabling Framework for Internet-of-Things-based Structural Health Monitoring - </a:t>
+            </a:r>
+            <a:r>
+              <a:rPr lang="en-US" sz="1600" b="1" dirty="0" err="1">
+                <a:solidFill>
+                  <a:srgbClr val="FFD700"/>
+                </a:solidFill>
+                <a:latin typeface="Times New Roman" panose="02020603050405020304" pitchFamily="18" charset="0"/>
+                <a:cs typeface="Times New Roman" panose="02020603050405020304" pitchFamily="18" charset="0"/>
+              </a:rPr>
+              <a:t>TinySHM</a:t>
+            </a:r>
+            <a:endParaRPr lang="en-US" sz="1600" b="1" dirty="0">
+              <a:solidFill>
+                <a:srgbClr val="FFD700"/>
+              </a:solidFill>
+              <a:latin typeface="Times New Roman" panose="02020603050405020304" pitchFamily="18" charset="0"/>
+              <a:cs typeface="Times New Roman" panose="02020603050405020304" pitchFamily="18" charset="0"/>
+            </a:endParaRPr>
+          </a:p>
+        </p:txBody>
+      </p:sp>
+      <p:sp>
+        <p:nvSpPr>
+          <p:cNvPr id="69" name="TextBox 68">
+            <a:extLst>
+              <a:ext uri="{FF2B5EF4-FFF2-40B4-BE49-F238E27FC236}">
+                <a16:creationId xmlns:a16="http://schemas.microsoft.com/office/drawing/2014/main" id="{EC32C7A7-AE9E-912D-0C42-9BFB4F55FB89}"/>
+              </a:ext>
+            </a:extLst>
+          </p:cNvPr>
+          <p:cNvSpPr txBox="1"/>
+          <p:nvPr/>
+        </p:nvSpPr>
+        <p:spPr>
+          <a:xfrm>
+            <a:off x="7347762" y="6538359"/>
+            <a:ext cx="4824400" cy="276999"/>
+          </a:xfrm>
+          <a:prstGeom prst="rect">
+            <a:avLst/>
+          </a:prstGeom>
+          <a:noFill/>
+        </p:spPr>
+        <p:txBody>
+          <a:bodyPr wrap="square">
+            <a:spAutoFit/>
+          </a:bodyPr>
+          <a:lstStyle/>
+          <a:p>
+            <a:r>
+              <a:rPr lang="en-US" sz="1200" b="1" dirty="0">
+                <a:solidFill>
+                  <a:srgbClr val="FFFFFF"/>
+                </a:solidFill>
+                <a:latin typeface="Times New Roman" panose="02020603050405020304" pitchFamily="18" charset="0"/>
+                <a:cs typeface="Times New Roman" panose="02020603050405020304" pitchFamily="18" charset="0"/>
+              </a:rPr>
+              <a:t>S</a:t>
+            </a:r>
+            <a:r>
+              <a:rPr lang="en-US" altLang="zh-CN" sz="1200" b="1" dirty="0">
+                <a:solidFill>
+                  <a:srgbClr val="FFFFFF"/>
+                </a:solidFill>
+                <a:latin typeface="Times New Roman" panose="02020603050405020304" pitchFamily="18" charset="0"/>
+                <a:cs typeface="Times New Roman" panose="02020603050405020304" pitchFamily="18" charset="0"/>
+              </a:rPr>
+              <a:t>chool of Civil and Environmental Engineering          </a:t>
+            </a:r>
+            <a:r>
+              <a:rPr lang="en-US" sz="1200" b="1" dirty="0">
+                <a:solidFill>
+                  <a:srgbClr val="FFFFFF"/>
+                </a:solidFill>
+                <a:latin typeface="Times New Roman" panose="02020603050405020304" pitchFamily="18" charset="0"/>
+                <a:cs typeface="Times New Roman" panose="02020603050405020304" pitchFamily="18" charset="0"/>
+              </a:rPr>
+              <a:t>SHUAIWEN CUI</a:t>
+            </a:r>
+          </a:p>
+        </p:txBody>
+      </p:sp>
+      <p:pic>
+        <p:nvPicPr>
+          <p:cNvPr id="13" name="Picture 12" descr="A bridge with a black railing&#10;&#10;AI-generated content may be incorrect.">
+            <a:extLst>
+              <a:ext uri="{FF2B5EF4-FFF2-40B4-BE49-F238E27FC236}">
+                <a16:creationId xmlns:a16="http://schemas.microsoft.com/office/drawing/2014/main" id="{BEAD101C-F426-3664-6774-4F12F7A163BD}"/>
+              </a:ext>
+            </a:extLst>
+          </p:cNvPr>
+          <p:cNvPicPr>
+            <a:picLocks noChangeAspect="1"/>
+          </p:cNvPicPr>
+          <p:nvPr/>
+        </p:nvPicPr>
+        <p:blipFill>
+          <a:blip r:embed="rId11">
+            <a:extLst>
+              <a:ext uri="{28A0092B-C50C-407E-A947-70E740481C1C}">
+                <a14:useLocalDpi xmlns:a14="http://schemas.microsoft.com/office/drawing/2010/main" val="0"/>
+              </a:ext>
+            </a:extLst>
+          </a:blip>
+          <a:stretch>
+            <a:fillRect/>
+          </a:stretch>
+        </p:blipFill>
+        <p:spPr>
+          <a:xfrm>
+            <a:off x="309892" y="363043"/>
+            <a:ext cx="2188257" cy="2188257"/>
           </a:xfrm>
           <a:prstGeom prst="rect">
             <a:avLst/>
@@ -3671,10 +5380,10 @@
       </p:pic>
       <p:pic>
         <p:nvPicPr>
-          <p:cNvPr id="14" name="Picture 13" descr="A white device with colorful buttons&#10;&#10;AI-generated content may be incorrect.">
-            <a:extLst>
-              <a:ext uri="{FF2B5EF4-FFF2-40B4-BE49-F238E27FC236}">
-                <a16:creationId xmlns:a16="http://schemas.microsoft.com/office/drawing/2014/main" id="{F750BC2C-74D7-642D-CA88-B8F84D2BD761}"/>
+          <p:cNvPr id="30" name="Picture 29" descr="A white device with colorful buttons&#10;&#10;AI-generated content may be incorrect.">
+            <a:extLst>
+              <a:ext uri="{FF2B5EF4-FFF2-40B4-BE49-F238E27FC236}">
+                <a16:creationId xmlns:a16="http://schemas.microsoft.com/office/drawing/2014/main" id="{C79C1DC9-D53B-6570-46B2-AB6C15577141}"/>
               </a:ext>
             </a:extLst>
           </p:cNvPr>
@@ -3684,7 +5393,7 @@
           <p:nvPr/>
         </p:nvPicPr>
         <p:blipFill>
-          <a:blip r:embed="rId3">
+          <a:blip r:embed="rId12">
             <a:extLst>
               <a:ext uri="{28A0092B-C50C-407E-A947-70E740481C1C}">
                 <a14:useLocalDpi xmlns:a14="http://schemas.microsoft.com/office/drawing/2010/main" val="0"/>
@@ -3697,8 +5406,613 @@
         </p:blipFill>
         <p:spPr>
           <a:xfrm flipH="1">
-            <a:off x="2825719" y="3057703"/>
+            <a:off x="3849544" y="838390"/>
             <a:ext cx="860251" cy="914400"/>
+          </a:xfrm>
+          <a:prstGeom prst="rect">
+            <a:avLst/>
+          </a:prstGeom>
+        </p:spPr>
+      </p:pic>
+      <p:sp>
+        <p:nvSpPr>
+          <p:cNvPr id="42" name="TextBox 41">
+            <a:extLst>
+              <a:ext uri="{FF2B5EF4-FFF2-40B4-BE49-F238E27FC236}">
+                <a16:creationId xmlns:a16="http://schemas.microsoft.com/office/drawing/2014/main" id="{816F146B-057A-7533-7376-D03897AE3D36}"/>
+              </a:ext>
+            </a:extLst>
+          </p:cNvPr>
+          <p:cNvSpPr txBox="1"/>
+          <p:nvPr/>
+        </p:nvSpPr>
+        <p:spPr>
+          <a:xfrm>
+            <a:off x="-430042" y="-165929"/>
+            <a:ext cx="5328707" cy="461665"/>
+          </a:xfrm>
+          <a:prstGeom prst="rect">
+            <a:avLst/>
+          </a:prstGeom>
+          <a:noFill/>
+          <a:scene3d>
+            <a:camera prst="isometricTopUp"/>
+            <a:lightRig rig="threePt" dir="t"/>
+          </a:scene3d>
+        </p:spPr>
+        <p:txBody>
+          <a:bodyPr wrap="square">
+            <a:spAutoFit/>
+          </a:bodyPr>
+          <a:lstStyle/>
+          <a:p>
+            <a:r>
+              <a:rPr lang="en-US" sz="2400" b="1" dirty="0">
+                <a:solidFill>
+                  <a:srgbClr val="43507A"/>
+                </a:solidFill>
+                <a:latin typeface="Times New Roman" panose="02020603050405020304" pitchFamily="18" charset="0"/>
+                <a:cs typeface="Times New Roman" panose="02020603050405020304" pitchFamily="18" charset="0"/>
+              </a:rPr>
+              <a:t>Structures</a:t>
+            </a:r>
+          </a:p>
+        </p:txBody>
+      </p:sp>
+      <p:sp>
+        <p:nvSpPr>
+          <p:cNvPr id="65" name="Arrow: Bent 64">
+            <a:extLst>
+              <a:ext uri="{FF2B5EF4-FFF2-40B4-BE49-F238E27FC236}">
+                <a16:creationId xmlns:a16="http://schemas.microsoft.com/office/drawing/2014/main" id="{FD45B1AC-3C8D-1FB0-FA33-F07DAD12CF0B}"/>
+              </a:ext>
+            </a:extLst>
+          </p:cNvPr>
+          <p:cNvSpPr/>
+          <p:nvPr/>
+        </p:nvSpPr>
+        <p:spPr>
+          <a:xfrm>
+            <a:off x="3193442" y="716142"/>
+            <a:ext cx="397158" cy="423933"/>
+          </a:xfrm>
+          <a:prstGeom prst="bentArrow">
+            <a:avLst/>
+          </a:prstGeom>
+          <a:solidFill>
+            <a:srgbClr val="43507A">
+              <a:alpha val="50196"/>
+            </a:srgbClr>
+          </a:solidFill>
+          <a:ln>
+            <a:noFill/>
+          </a:ln>
+          <a:scene3d>
+            <a:camera prst="isometricBottomDown"/>
+            <a:lightRig rig="threePt" dir="t"/>
+          </a:scene3d>
+        </p:spPr>
+        <p:style>
+          <a:lnRef idx="2">
+            <a:schemeClr val="accent1">
+              <a:shade val="15000"/>
+            </a:schemeClr>
+          </a:lnRef>
+          <a:fillRef idx="1">
+            <a:schemeClr val="accent1"/>
+          </a:fillRef>
+          <a:effectRef idx="0">
+            <a:schemeClr val="accent1"/>
+          </a:effectRef>
+          <a:fontRef idx="minor">
+            <a:schemeClr val="lt1"/>
+          </a:fontRef>
+        </p:style>
+        <p:txBody>
+          <a:bodyPr rtlCol="0" anchor="ctr"/>
+          <a:lstStyle/>
+          <a:p>
+            <a:pPr algn="ctr"/>
+            <a:endParaRPr lang="en-US">
+              <a:solidFill>
+                <a:schemeClr val="tx1"/>
+              </a:solidFill>
+            </a:endParaRPr>
+          </a:p>
+        </p:txBody>
+      </p:sp>
+      <p:sp>
+        <p:nvSpPr>
+          <p:cNvPr id="66" name="Arrow: Right 65">
+            <a:extLst>
+              <a:ext uri="{FF2B5EF4-FFF2-40B4-BE49-F238E27FC236}">
+                <a16:creationId xmlns:a16="http://schemas.microsoft.com/office/drawing/2014/main" id="{C8B746BC-ADB5-B33F-DEB5-F1C3D23CF29B}"/>
+              </a:ext>
+            </a:extLst>
+          </p:cNvPr>
+          <p:cNvSpPr/>
+          <p:nvPr/>
+        </p:nvSpPr>
+        <p:spPr>
+          <a:xfrm rot="10800000">
+            <a:off x="3076317" y="1862576"/>
+            <a:ext cx="598152" cy="218941"/>
+          </a:xfrm>
+          <a:prstGeom prst="rightArrow">
+            <a:avLst>
+              <a:gd name="adj1" fmla="val 50000"/>
+              <a:gd name="adj2" fmla="val 64706"/>
+            </a:avLst>
+          </a:prstGeom>
+          <a:solidFill>
+            <a:srgbClr val="B2B9CE"/>
+          </a:solidFill>
+          <a:ln>
+            <a:noFill/>
+          </a:ln>
+          <a:scene3d>
+            <a:camera prst="isometricTopUp"/>
+            <a:lightRig rig="threePt" dir="t"/>
+          </a:scene3d>
+        </p:spPr>
+        <p:style>
+          <a:lnRef idx="2">
+            <a:schemeClr val="accent1">
+              <a:shade val="15000"/>
+            </a:schemeClr>
+          </a:lnRef>
+          <a:fillRef idx="1">
+            <a:schemeClr val="accent1"/>
+          </a:fillRef>
+          <a:effectRef idx="0">
+            <a:schemeClr val="accent1"/>
+          </a:effectRef>
+          <a:fontRef idx="minor">
+            <a:schemeClr val="lt1"/>
+          </a:fontRef>
+        </p:style>
+        <p:txBody>
+          <a:bodyPr rtlCol="0" anchor="ctr"/>
+          <a:lstStyle/>
+          <a:p>
+            <a:pPr algn="ctr"/>
+            <a:endParaRPr lang="en-US"/>
+          </a:p>
+        </p:txBody>
+      </p:sp>
+      <p:sp>
+        <p:nvSpPr>
+          <p:cNvPr id="67" name="Arrow: Right 66">
+            <a:extLst>
+              <a:ext uri="{FF2B5EF4-FFF2-40B4-BE49-F238E27FC236}">
+                <a16:creationId xmlns:a16="http://schemas.microsoft.com/office/drawing/2014/main" id="{91F8AAC9-796A-AF58-8516-CA817BC94B0B}"/>
+              </a:ext>
+            </a:extLst>
+          </p:cNvPr>
+          <p:cNvSpPr/>
+          <p:nvPr/>
+        </p:nvSpPr>
+        <p:spPr>
+          <a:xfrm rot="10800000">
+            <a:off x="1644117" y="2701086"/>
+            <a:ext cx="598152" cy="218941"/>
+          </a:xfrm>
+          <a:prstGeom prst="rightArrow">
+            <a:avLst>
+              <a:gd name="adj1" fmla="val 50000"/>
+              <a:gd name="adj2" fmla="val 64706"/>
+            </a:avLst>
+          </a:prstGeom>
+          <a:solidFill>
+            <a:srgbClr val="B2B9CE"/>
+          </a:solidFill>
+          <a:ln>
+            <a:noFill/>
+          </a:ln>
+          <a:scene3d>
+            <a:camera prst="isometricTopUp"/>
+            <a:lightRig rig="threePt" dir="t"/>
+          </a:scene3d>
+        </p:spPr>
+        <p:style>
+          <a:lnRef idx="2">
+            <a:schemeClr val="accent1">
+              <a:shade val="15000"/>
+            </a:schemeClr>
+          </a:lnRef>
+          <a:fillRef idx="1">
+            <a:schemeClr val="accent1"/>
+          </a:fillRef>
+          <a:effectRef idx="0">
+            <a:schemeClr val="accent1"/>
+          </a:effectRef>
+          <a:fontRef idx="minor">
+            <a:schemeClr val="lt1"/>
+          </a:fontRef>
+        </p:style>
+        <p:txBody>
+          <a:bodyPr rtlCol="0" anchor="ctr"/>
+          <a:lstStyle/>
+          <a:p>
+            <a:pPr algn="ctr"/>
+            <a:endParaRPr lang="en-US"/>
+          </a:p>
+        </p:txBody>
+      </p:sp>
+      <p:pic>
+        <p:nvPicPr>
+          <p:cNvPr id="25" name="Picture 24" descr="A white router with blue screen and blue screen&#10;&#10;AI-generated content may be incorrect.">
+            <a:extLst>
+              <a:ext uri="{FF2B5EF4-FFF2-40B4-BE49-F238E27FC236}">
+                <a16:creationId xmlns:a16="http://schemas.microsoft.com/office/drawing/2014/main" id="{8F45E66F-A8A2-E0BF-12A8-FB3827292123}"/>
+              </a:ext>
+            </a:extLst>
+          </p:cNvPr>
+          <p:cNvPicPr>
+            <a:picLocks noChangeAspect="1"/>
+          </p:cNvPicPr>
+          <p:nvPr/>
+        </p:nvPicPr>
+        <p:blipFill>
+          <a:blip r:embed="rId13">
+            <a:extLst>
+              <a:ext uri="{28A0092B-C50C-407E-A947-70E740481C1C}">
+                <a14:useLocalDpi xmlns:a14="http://schemas.microsoft.com/office/drawing/2010/main" val="0"/>
+              </a:ext>
+            </a:extLst>
+          </a:blip>
+          <a:stretch>
+            <a:fillRect/>
+          </a:stretch>
+        </p:blipFill>
+        <p:spPr>
+          <a:xfrm>
+            <a:off x="2262019" y="1670382"/>
+            <a:ext cx="914400" cy="914400"/>
+          </a:xfrm>
+          <a:prstGeom prst="rect">
+            <a:avLst/>
+          </a:prstGeom>
+        </p:spPr>
+      </p:pic>
+      <p:sp>
+        <p:nvSpPr>
+          <p:cNvPr id="75" name="Rectangle 74">
+            <a:extLst>
+              <a:ext uri="{FF2B5EF4-FFF2-40B4-BE49-F238E27FC236}">
+                <a16:creationId xmlns:a16="http://schemas.microsoft.com/office/drawing/2014/main" id="{29EEB15F-C6FD-29F0-C399-AD213EB75659}"/>
+              </a:ext>
+            </a:extLst>
+          </p:cNvPr>
+          <p:cNvSpPr/>
+          <p:nvPr/>
+        </p:nvSpPr>
+        <p:spPr>
+          <a:xfrm>
+            <a:off x="4867910" y="2018839"/>
+            <a:ext cx="1210614" cy="508828"/>
+          </a:xfrm>
+          <a:prstGeom prst="rect">
+            <a:avLst/>
+          </a:prstGeom>
+          <a:solidFill>
+            <a:srgbClr val="B2B9CE"/>
+          </a:solidFill>
+          <a:ln>
+            <a:noFill/>
+          </a:ln>
+          <a:scene3d>
+            <a:camera prst="isometricTopUp"/>
+            <a:lightRig rig="threePt" dir="t"/>
+          </a:scene3d>
+        </p:spPr>
+        <p:style>
+          <a:lnRef idx="2">
+            <a:schemeClr val="accent1">
+              <a:shade val="15000"/>
+            </a:schemeClr>
+          </a:lnRef>
+          <a:fillRef idx="1">
+            <a:schemeClr val="accent1"/>
+          </a:fillRef>
+          <a:effectRef idx="0">
+            <a:schemeClr val="accent1"/>
+          </a:effectRef>
+          <a:fontRef idx="minor">
+            <a:schemeClr val="lt1"/>
+          </a:fontRef>
+        </p:style>
+        <p:txBody>
+          <a:bodyPr rtlCol="0" anchor="ctr"/>
+          <a:lstStyle/>
+          <a:p>
+            <a:pPr algn="ctr"/>
+            <a:r>
+              <a:rPr lang="en-US" sz="2400" b="1" dirty="0">
+                <a:latin typeface="Times New Roman" panose="02020603050405020304" pitchFamily="18" charset="0"/>
+                <a:cs typeface="Times New Roman" panose="02020603050405020304" pitchFamily="18" charset="0"/>
+              </a:rPr>
+              <a:t>Edge</a:t>
+            </a:r>
+          </a:p>
+        </p:txBody>
+      </p:sp>
+      <p:sp>
+        <p:nvSpPr>
+          <p:cNvPr id="77" name="Rectangle 76">
+            <a:extLst>
+              <a:ext uri="{FF2B5EF4-FFF2-40B4-BE49-F238E27FC236}">
+                <a16:creationId xmlns:a16="http://schemas.microsoft.com/office/drawing/2014/main" id="{4A5C2C66-1D43-D666-220D-C118C0497BED}"/>
+              </a:ext>
+            </a:extLst>
+          </p:cNvPr>
+          <p:cNvSpPr/>
+          <p:nvPr/>
+        </p:nvSpPr>
+        <p:spPr>
+          <a:xfrm>
+            <a:off x="1734892" y="3863548"/>
+            <a:ext cx="1210614" cy="508828"/>
+          </a:xfrm>
+          <a:prstGeom prst="rect">
+            <a:avLst/>
+          </a:prstGeom>
+          <a:solidFill>
+            <a:srgbClr val="B2B9CE"/>
+          </a:solidFill>
+          <a:ln>
+            <a:noFill/>
+          </a:ln>
+          <a:scene3d>
+            <a:camera prst="isometricTopUp"/>
+            <a:lightRig rig="threePt" dir="t"/>
+          </a:scene3d>
+        </p:spPr>
+        <p:style>
+          <a:lnRef idx="2">
+            <a:schemeClr val="accent1">
+              <a:shade val="15000"/>
+            </a:schemeClr>
+          </a:lnRef>
+          <a:fillRef idx="1">
+            <a:schemeClr val="accent1"/>
+          </a:fillRef>
+          <a:effectRef idx="0">
+            <a:schemeClr val="accent1"/>
+          </a:effectRef>
+          <a:fontRef idx="minor">
+            <a:schemeClr val="lt1"/>
+          </a:fontRef>
+        </p:style>
+        <p:txBody>
+          <a:bodyPr rtlCol="0" anchor="ctr"/>
+          <a:lstStyle/>
+          <a:p>
+            <a:pPr algn="ctr"/>
+            <a:r>
+              <a:rPr lang="en-US" sz="2400" b="1" dirty="0">
+                <a:latin typeface="Times New Roman" panose="02020603050405020304" pitchFamily="18" charset="0"/>
+                <a:cs typeface="Times New Roman" panose="02020603050405020304" pitchFamily="18" charset="0"/>
+              </a:rPr>
+              <a:t>Cloud</a:t>
+            </a:r>
+          </a:p>
+        </p:txBody>
+      </p:sp>
+      <p:pic>
+        <p:nvPicPr>
+          <p:cNvPr id="79" name="Picture 78" descr="A cloud computing server and a black background&#10;&#10;AI-generated content may be incorrect.">
+            <a:extLst>
+              <a:ext uri="{FF2B5EF4-FFF2-40B4-BE49-F238E27FC236}">
+                <a16:creationId xmlns:a16="http://schemas.microsoft.com/office/drawing/2014/main" id="{DC29E8A1-60F1-8495-C990-33567E44159E}"/>
+              </a:ext>
+            </a:extLst>
+          </p:cNvPr>
+          <p:cNvPicPr>
+            <a:picLocks noChangeAspect="1"/>
+          </p:cNvPicPr>
+          <p:nvPr/>
+        </p:nvPicPr>
+        <p:blipFill>
+          <a:blip r:embed="rId14">
+            <a:extLst>
+              <a:ext uri="{28A0092B-C50C-407E-A947-70E740481C1C}">
+                <a14:useLocalDpi xmlns:a14="http://schemas.microsoft.com/office/drawing/2010/main" val="0"/>
+              </a:ext>
+            </a:extLst>
+          </a:blip>
+          <a:stretch>
+            <a:fillRect/>
+          </a:stretch>
+        </p:blipFill>
+        <p:spPr>
+          <a:xfrm flipH="1">
+            <a:off x="894781" y="2565242"/>
+            <a:ext cx="914400" cy="914400"/>
+          </a:xfrm>
+          <a:prstGeom prst="rect">
+            <a:avLst/>
+          </a:prstGeom>
+        </p:spPr>
+      </p:pic>
+      <p:sp>
+        <p:nvSpPr>
+          <p:cNvPr id="28" name="Rectangle 27">
+            <a:extLst>
+              <a:ext uri="{FF2B5EF4-FFF2-40B4-BE49-F238E27FC236}">
+                <a16:creationId xmlns:a16="http://schemas.microsoft.com/office/drawing/2014/main" id="{6A3E1EBD-AB38-16AB-C80C-DE6507945E2C}"/>
+              </a:ext>
+            </a:extLst>
+          </p:cNvPr>
+          <p:cNvSpPr/>
+          <p:nvPr/>
+        </p:nvSpPr>
+        <p:spPr>
+          <a:xfrm>
+            <a:off x="49054" y="5255988"/>
+            <a:ext cx="1945476" cy="972388"/>
+          </a:xfrm>
+          <a:prstGeom prst="rect">
+            <a:avLst/>
+          </a:prstGeom>
+          <a:solidFill>
+            <a:srgbClr val="FFCCCC">
+              <a:alpha val="50196"/>
+            </a:srgbClr>
+          </a:solidFill>
+          <a:ln>
+            <a:noFill/>
+          </a:ln>
+          <a:scene3d>
+            <a:camera prst="isometricTopUp"/>
+            <a:lightRig rig="threePt" dir="t"/>
+          </a:scene3d>
+        </p:spPr>
+        <p:style>
+          <a:lnRef idx="2">
+            <a:schemeClr val="accent1">
+              <a:shade val="15000"/>
+            </a:schemeClr>
+          </a:lnRef>
+          <a:fillRef idx="1">
+            <a:schemeClr val="accent1"/>
+          </a:fillRef>
+          <a:effectRef idx="0">
+            <a:schemeClr val="accent1"/>
+          </a:effectRef>
+          <a:fontRef idx="minor">
+            <a:schemeClr val="lt1"/>
+          </a:fontRef>
+        </p:style>
+        <p:txBody>
+          <a:bodyPr rtlCol="0" anchor="ctr"/>
+          <a:lstStyle/>
+          <a:p>
+            <a:pPr algn="ctr"/>
+            <a:endParaRPr lang="en-US" dirty="0"/>
+          </a:p>
+        </p:txBody>
+      </p:sp>
+      <p:sp>
+        <p:nvSpPr>
+          <p:cNvPr id="31" name="TextBox 30">
+            <a:extLst>
+              <a:ext uri="{FF2B5EF4-FFF2-40B4-BE49-F238E27FC236}">
+                <a16:creationId xmlns:a16="http://schemas.microsoft.com/office/drawing/2014/main" id="{3653ADD4-13EE-96E3-51AA-D4AA6F6826DA}"/>
+              </a:ext>
+            </a:extLst>
+          </p:cNvPr>
+          <p:cNvSpPr txBox="1"/>
+          <p:nvPr/>
+        </p:nvSpPr>
+        <p:spPr>
+          <a:xfrm>
+            <a:off x="-151563" y="3882762"/>
+            <a:ext cx="1545319" cy="461665"/>
+          </a:xfrm>
+          <a:prstGeom prst="rect">
+            <a:avLst/>
+          </a:prstGeom>
+          <a:noFill/>
+          <a:scene3d>
+            <a:camera prst="isometricBottomDown"/>
+            <a:lightRig rig="threePt" dir="t"/>
+          </a:scene3d>
+        </p:spPr>
+        <p:txBody>
+          <a:bodyPr wrap="square">
+            <a:spAutoFit/>
+          </a:bodyPr>
+          <a:lstStyle/>
+          <a:p>
+            <a:r>
+              <a:rPr lang="en-US" sz="2400" b="1" dirty="0">
+                <a:solidFill>
+                  <a:srgbClr val="43507A"/>
+                </a:solidFill>
+                <a:latin typeface="Times New Roman" panose="02020603050405020304" pitchFamily="18" charset="0"/>
+                <a:cs typeface="Times New Roman" panose="02020603050405020304" pitchFamily="18" charset="0"/>
+              </a:rPr>
+              <a:t>Resources</a:t>
+            </a:r>
+          </a:p>
+        </p:txBody>
+      </p:sp>
+      <p:sp>
+        <p:nvSpPr>
+          <p:cNvPr id="32" name="TextBox 31">
+            <a:extLst>
+              <a:ext uri="{FF2B5EF4-FFF2-40B4-BE49-F238E27FC236}">
+                <a16:creationId xmlns:a16="http://schemas.microsoft.com/office/drawing/2014/main" id="{F20EDD1A-CF69-CA76-5E9F-6F02D2F9B00F}"/>
+              </a:ext>
+            </a:extLst>
+          </p:cNvPr>
+          <p:cNvSpPr txBox="1"/>
+          <p:nvPr/>
+        </p:nvSpPr>
+        <p:spPr>
+          <a:xfrm>
+            <a:off x="117813" y="5391688"/>
+            <a:ext cx="2124456" cy="461665"/>
+          </a:xfrm>
+          <a:prstGeom prst="rect">
+            <a:avLst/>
+          </a:prstGeom>
+          <a:noFill/>
+          <a:scene3d>
+            <a:camera prst="isometricTopUp"/>
+            <a:lightRig rig="threePt" dir="t"/>
+          </a:scene3d>
+        </p:spPr>
+        <p:txBody>
+          <a:bodyPr wrap="square">
+            <a:spAutoFit/>
+          </a:bodyPr>
+          <a:lstStyle/>
+          <a:p>
+            <a:r>
+              <a:rPr lang="en-US" sz="2400" b="1" dirty="0">
+                <a:solidFill>
+                  <a:srgbClr val="43507A"/>
+                </a:solidFill>
+                <a:latin typeface="Times New Roman" panose="02020603050405020304" pitchFamily="18" charset="0"/>
+                <a:cs typeface="Times New Roman" panose="02020603050405020304" pitchFamily="18" charset="0"/>
+              </a:rPr>
+              <a:t>Power</a:t>
+            </a:r>
+          </a:p>
+        </p:txBody>
+      </p:sp>
+      <p:pic>
+        <p:nvPicPr>
+          <p:cNvPr id="18" name="Picture 17" descr="A computer chip with a blue square and a blue square with a blue square with a white square with a gold letter on it&#10;&#10;AI-generated content may be incorrect.">
+            <a:extLst>
+              <a:ext uri="{FF2B5EF4-FFF2-40B4-BE49-F238E27FC236}">
+                <a16:creationId xmlns:a16="http://schemas.microsoft.com/office/drawing/2014/main" id="{FCFE7834-2C4B-1D3A-40FF-21FA96695438}"/>
+              </a:ext>
+            </a:extLst>
+          </p:cNvPr>
+          <p:cNvPicPr>
+            <a:picLocks noChangeAspect="1"/>
+          </p:cNvPicPr>
+          <p:nvPr/>
+        </p:nvPicPr>
+        <p:blipFill>
+          <a:blip r:embed="rId15">
+            <a:extLst>
+              <a:ext uri="{28A0092B-C50C-407E-A947-70E740481C1C}">
+                <a14:useLocalDpi xmlns:a14="http://schemas.microsoft.com/office/drawing/2010/main" val="0"/>
+              </a:ext>
+            </a:extLst>
+          </a:blip>
+          <a:stretch>
+            <a:fillRect/>
+          </a:stretch>
+        </p:blipFill>
+        <p:spPr>
+          <a:xfrm>
+            <a:off x="890515" y="3949136"/>
+            <a:ext cx="914400" cy="914400"/>
           </a:xfrm>
           <a:prstGeom prst="rect">
             <a:avLst/>
@@ -3707,10 +6021,10 @@
       </p:pic>
       <p:pic>
         <p:nvPicPr>
-          <p:cNvPr id="22" name="Picture 21" descr="A computer and a diagram&#10;&#10;AI-generated content may be incorrect.">
-            <a:extLst>
-              <a:ext uri="{FF2B5EF4-FFF2-40B4-BE49-F238E27FC236}">
-                <a16:creationId xmlns:a16="http://schemas.microsoft.com/office/drawing/2014/main" id="{708E396B-92B0-CAA9-BD6B-4805F19555FE}"/>
+          <p:cNvPr id="90" name="Picture 89" descr="A computer chip with a black background&#10;&#10;AI-generated content may be incorrect.">
+            <a:extLst>
+              <a:ext uri="{FF2B5EF4-FFF2-40B4-BE49-F238E27FC236}">
+                <a16:creationId xmlns:a16="http://schemas.microsoft.com/office/drawing/2014/main" id="{FA3E8739-F757-F0A0-948C-8C6663C467C8}"/>
               </a:ext>
             </a:extLst>
           </p:cNvPr>
@@ -3720,7 +6034,7 @@
           <p:nvPr/>
         </p:nvPicPr>
         <p:blipFill>
-          <a:blip r:embed="rId4">
+          <a:blip r:embed="rId16">
             <a:extLst>
               <a:ext uri="{28A0092B-C50C-407E-A947-70E740481C1C}">
                 <a14:useLocalDpi xmlns:a14="http://schemas.microsoft.com/office/drawing/2010/main" val="0"/>
@@ -3732,9 +6046,435 @@
           </a:stretch>
         </p:blipFill>
         <p:spPr>
-          <a:xfrm flipH="1">
-            <a:off x="9486559" y="651603"/>
-            <a:ext cx="964215" cy="914400"/>
+          <a:xfrm>
+            <a:off x="5690879" y="1044915"/>
+            <a:ext cx="914400" cy="914400"/>
+          </a:xfrm>
+          <a:prstGeom prst="rect">
+            <a:avLst/>
+          </a:prstGeom>
+        </p:spPr>
+      </p:pic>
+      <p:sp>
+        <p:nvSpPr>
+          <p:cNvPr id="35" name="TextBox 34">
+            <a:extLst>
+              <a:ext uri="{FF2B5EF4-FFF2-40B4-BE49-F238E27FC236}">
+                <a16:creationId xmlns:a16="http://schemas.microsoft.com/office/drawing/2014/main" id="{27405174-DDA6-956C-1AC5-E3920CA5F27C}"/>
+              </a:ext>
+            </a:extLst>
+          </p:cNvPr>
+          <p:cNvSpPr txBox="1"/>
+          <p:nvPr/>
+        </p:nvSpPr>
+        <p:spPr>
+          <a:xfrm>
+            <a:off x="4533205" y="825679"/>
+            <a:ext cx="1545319" cy="461665"/>
+          </a:xfrm>
+          <a:prstGeom prst="rect">
+            <a:avLst/>
+          </a:prstGeom>
+          <a:noFill/>
+          <a:scene3d>
+            <a:camera prst="isometricBottomDown"/>
+            <a:lightRig rig="threePt" dir="t"/>
+          </a:scene3d>
+        </p:spPr>
+        <p:txBody>
+          <a:bodyPr wrap="square">
+            <a:spAutoFit/>
+          </a:bodyPr>
+          <a:lstStyle/>
+          <a:p>
+            <a:r>
+              <a:rPr lang="en-US" sz="2400" b="1" dirty="0">
+                <a:solidFill>
+                  <a:srgbClr val="43507A"/>
+                </a:solidFill>
+                <a:latin typeface="Times New Roman" panose="02020603050405020304" pitchFamily="18" charset="0"/>
+                <a:cs typeface="Times New Roman" panose="02020603050405020304" pitchFamily="18" charset="0"/>
+              </a:rPr>
+              <a:t>Resources</a:t>
+            </a:r>
+          </a:p>
+        </p:txBody>
+      </p:sp>
+      <p:sp>
+        <p:nvSpPr>
+          <p:cNvPr id="39" name="Rectangle 38">
+            <a:extLst>
+              <a:ext uri="{FF2B5EF4-FFF2-40B4-BE49-F238E27FC236}">
+                <a16:creationId xmlns:a16="http://schemas.microsoft.com/office/drawing/2014/main" id="{FC9298A8-528F-2586-DD63-C98F9E40193F}"/>
+              </a:ext>
+            </a:extLst>
+          </p:cNvPr>
+          <p:cNvSpPr/>
+          <p:nvPr/>
+        </p:nvSpPr>
+        <p:spPr>
+          <a:xfrm>
+            <a:off x="1610671" y="4347023"/>
+            <a:ext cx="1945476" cy="972388"/>
+          </a:xfrm>
+          <a:prstGeom prst="rect">
+            <a:avLst/>
+          </a:prstGeom>
+          <a:solidFill>
+            <a:srgbClr val="FFCCCC">
+              <a:alpha val="50196"/>
+            </a:srgbClr>
+          </a:solidFill>
+          <a:ln>
+            <a:noFill/>
+          </a:ln>
+          <a:scene3d>
+            <a:camera prst="isometricTopUp"/>
+            <a:lightRig rig="threePt" dir="t"/>
+          </a:scene3d>
+        </p:spPr>
+        <p:style>
+          <a:lnRef idx="2">
+            <a:schemeClr val="accent1">
+              <a:shade val="15000"/>
+            </a:schemeClr>
+          </a:lnRef>
+          <a:fillRef idx="1">
+            <a:schemeClr val="accent1"/>
+          </a:fillRef>
+          <a:effectRef idx="0">
+            <a:schemeClr val="accent1"/>
+          </a:effectRef>
+          <a:fontRef idx="minor">
+            <a:schemeClr val="lt1"/>
+          </a:fontRef>
+        </p:style>
+        <p:txBody>
+          <a:bodyPr rtlCol="0" anchor="ctr"/>
+          <a:lstStyle/>
+          <a:p>
+            <a:pPr algn="ctr"/>
+            <a:endParaRPr lang="en-US" dirty="0"/>
+          </a:p>
+        </p:txBody>
+      </p:sp>
+      <p:sp>
+        <p:nvSpPr>
+          <p:cNvPr id="40" name="TextBox 39">
+            <a:extLst>
+              <a:ext uri="{FF2B5EF4-FFF2-40B4-BE49-F238E27FC236}">
+                <a16:creationId xmlns:a16="http://schemas.microsoft.com/office/drawing/2014/main" id="{2EEEBADD-A45C-1A15-2139-922DA3AB5045}"/>
+              </a:ext>
+            </a:extLst>
+          </p:cNvPr>
+          <p:cNvSpPr txBox="1"/>
+          <p:nvPr/>
+        </p:nvSpPr>
+        <p:spPr>
+          <a:xfrm>
+            <a:off x="1650672" y="4513025"/>
+            <a:ext cx="2124456" cy="461665"/>
+          </a:xfrm>
+          <a:prstGeom prst="rect">
+            <a:avLst/>
+          </a:prstGeom>
+          <a:noFill/>
+          <a:scene3d>
+            <a:camera prst="isometricTopUp"/>
+            <a:lightRig rig="threePt" dir="t"/>
+          </a:scene3d>
+        </p:spPr>
+        <p:txBody>
+          <a:bodyPr wrap="square">
+            <a:spAutoFit/>
+          </a:bodyPr>
+          <a:lstStyle/>
+          <a:p>
+            <a:r>
+              <a:rPr lang="en-US" sz="2400" b="1" dirty="0">
+                <a:solidFill>
+                  <a:srgbClr val="43507A"/>
+                </a:solidFill>
+                <a:latin typeface="Times New Roman" panose="02020603050405020304" pitchFamily="18" charset="0"/>
+                <a:cs typeface="Times New Roman" panose="02020603050405020304" pitchFamily="18" charset="0"/>
+              </a:rPr>
+              <a:t>Latency</a:t>
+            </a:r>
+          </a:p>
+        </p:txBody>
+      </p:sp>
+      <p:pic>
+        <p:nvPicPr>
+          <p:cNvPr id="23" name="Picture 22" descr="A blue battery with a white top&#10;&#10;AI-generated content may be incorrect.">
+            <a:extLst>
+              <a:ext uri="{FF2B5EF4-FFF2-40B4-BE49-F238E27FC236}">
+                <a16:creationId xmlns:a16="http://schemas.microsoft.com/office/drawing/2014/main" id="{A543B5C9-9B2D-560C-D020-481680462DE4}"/>
+              </a:ext>
+            </a:extLst>
+          </p:cNvPr>
+          <p:cNvPicPr>
+            <a:picLocks noChangeAspect="1"/>
+          </p:cNvPicPr>
+          <p:nvPr/>
+        </p:nvPicPr>
+        <p:blipFill>
+          <a:blip r:embed="rId17">
+            <a:extLst>
+              <a:ext uri="{28A0092B-C50C-407E-A947-70E740481C1C}">
+                <a14:useLocalDpi xmlns:a14="http://schemas.microsoft.com/office/drawing/2010/main" val="0"/>
+              </a:ext>
+            </a:extLst>
+          </a:blip>
+          <a:stretch>
+            <a:fillRect/>
+          </a:stretch>
+        </p:blipFill>
+        <p:spPr>
+          <a:xfrm>
+            <a:off x="992571" y="4903626"/>
+            <a:ext cx="822960" cy="822960"/>
+          </a:xfrm>
+          <a:prstGeom prst="rect">
+            <a:avLst/>
+          </a:prstGeom>
+        </p:spPr>
+      </p:pic>
+      <p:sp>
+        <p:nvSpPr>
+          <p:cNvPr id="43" name="Rectangle 42">
+            <a:extLst>
+              <a:ext uri="{FF2B5EF4-FFF2-40B4-BE49-F238E27FC236}">
+                <a16:creationId xmlns:a16="http://schemas.microsoft.com/office/drawing/2014/main" id="{F13F6952-6EAB-BE39-8B23-F793CBCC2FD1}"/>
+              </a:ext>
+            </a:extLst>
+          </p:cNvPr>
+          <p:cNvSpPr/>
+          <p:nvPr/>
+        </p:nvSpPr>
+        <p:spPr>
+          <a:xfrm>
+            <a:off x="5863963" y="1834261"/>
+            <a:ext cx="1945476" cy="972388"/>
+          </a:xfrm>
+          <a:prstGeom prst="rect">
+            <a:avLst/>
+          </a:prstGeom>
+          <a:solidFill>
+            <a:srgbClr val="D9F2D0">
+              <a:alpha val="50196"/>
+            </a:srgbClr>
+          </a:solidFill>
+          <a:ln>
+            <a:noFill/>
+          </a:ln>
+          <a:scene3d>
+            <a:camera prst="isometricTopUp"/>
+            <a:lightRig rig="threePt" dir="t"/>
+          </a:scene3d>
+        </p:spPr>
+        <p:style>
+          <a:lnRef idx="2">
+            <a:schemeClr val="accent1">
+              <a:shade val="15000"/>
+            </a:schemeClr>
+          </a:lnRef>
+          <a:fillRef idx="1">
+            <a:schemeClr val="accent1"/>
+          </a:fillRef>
+          <a:effectRef idx="0">
+            <a:schemeClr val="accent1"/>
+          </a:effectRef>
+          <a:fontRef idx="minor">
+            <a:schemeClr val="lt1"/>
+          </a:fontRef>
+        </p:style>
+        <p:txBody>
+          <a:bodyPr rtlCol="0" anchor="ctr"/>
+          <a:lstStyle/>
+          <a:p>
+            <a:pPr algn="ctr"/>
+            <a:endParaRPr lang="en-US" dirty="0"/>
+          </a:p>
+        </p:txBody>
+      </p:sp>
+      <p:sp>
+        <p:nvSpPr>
+          <p:cNvPr id="44" name="TextBox 43">
+            <a:extLst>
+              <a:ext uri="{FF2B5EF4-FFF2-40B4-BE49-F238E27FC236}">
+                <a16:creationId xmlns:a16="http://schemas.microsoft.com/office/drawing/2014/main" id="{56F4D9F6-55E2-80E1-CF50-5B07ABEC7836}"/>
+              </a:ext>
+            </a:extLst>
+          </p:cNvPr>
+          <p:cNvSpPr txBox="1"/>
+          <p:nvPr/>
+        </p:nvSpPr>
+        <p:spPr>
+          <a:xfrm>
+            <a:off x="6406482" y="1728533"/>
+            <a:ext cx="2124456" cy="461665"/>
+          </a:xfrm>
+          <a:prstGeom prst="rect">
+            <a:avLst/>
+          </a:prstGeom>
+          <a:noFill/>
+          <a:scene3d>
+            <a:camera prst="isometricTopUp"/>
+            <a:lightRig rig="threePt" dir="t"/>
+          </a:scene3d>
+        </p:spPr>
+        <p:txBody>
+          <a:bodyPr wrap="square">
+            <a:spAutoFit/>
+          </a:bodyPr>
+          <a:lstStyle/>
+          <a:p>
+            <a:r>
+              <a:rPr lang="en-US" sz="2400" b="1" dirty="0">
+                <a:solidFill>
+                  <a:srgbClr val="43507A"/>
+                </a:solidFill>
+                <a:latin typeface="Times New Roman" panose="02020603050405020304" pitchFamily="18" charset="0"/>
+                <a:cs typeface="Times New Roman" panose="02020603050405020304" pitchFamily="18" charset="0"/>
+              </a:rPr>
+              <a:t>Power</a:t>
+            </a:r>
+          </a:p>
+        </p:txBody>
+      </p:sp>
+      <p:sp>
+        <p:nvSpPr>
+          <p:cNvPr id="45" name="Rectangle 44">
+            <a:extLst>
+              <a:ext uri="{FF2B5EF4-FFF2-40B4-BE49-F238E27FC236}">
+                <a16:creationId xmlns:a16="http://schemas.microsoft.com/office/drawing/2014/main" id="{C900D13A-97AC-5B47-93AD-97F1D2E9A448}"/>
+              </a:ext>
+            </a:extLst>
+          </p:cNvPr>
+          <p:cNvSpPr/>
+          <p:nvPr/>
+        </p:nvSpPr>
+        <p:spPr>
+          <a:xfrm>
+            <a:off x="7317254" y="974224"/>
+            <a:ext cx="1945476" cy="972388"/>
+          </a:xfrm>
+          <a:prstGeom prst="rect">
+            <a:avLst/>
+          </a:prstGeom>
+          <a:solidFill>
+            <a:srgbClr val="D9F2D0">
+              <a:alpha val="50196"/>
+            </a:srgbClr>
+          </a:solidFill>
+          <a:ln>
+            <a:noFill/>
+          </a:ln>
+          <a:scene3d>
+            <a:camera prst="isometricTopUp"/>
+            <a:lightRig rig="threePt" dir="t"/>
+          </a:scene3d>
+        </p:spPr>
+        <p:style>
+          <a:lnRef idx="2">
+            <a:schemeClr val="accent1">
+              <a:shade val="15000"/>
+            </a:schemeClr>
+          </a:lnRef>
+          <a:fillRef idx="1">
+            <a:schemeClr val="accent1"/>
+          </a:fillRef>
+          <a:effectRef idx="0">
+            <a:schemeClr val="accent1"/>
+          </a:effectRef>
+          <a:fontRef idx="minor">
+            <a:schemeClr val="lt1"/>
+          </a:fontRef>
+        </p:style>
+        <p:txBody>
+          <a:bodyPr rtlCol="0" anchor="ctr"/>
+          <a:lstStyle/>
+          <a:p>
+            <a:pPr algn="ctr"/>
+            <a:endParaRPr lang="en-US" dirty="0"/>
+          </a:p>
+        </p:txBody>
+      </p:sp>
+      <p:sp>
+        <p:nvSpPr>
+          <p:cNvPr id="46" name="TextBox 45">
+            <a:extLst>
+              <a:ext uri="{FF2B5EF4-FFF2-40B4-BE49-F238E27FC236}">
+                <a16:creationId xmlns:a16="http://schemas.microsoft.com/office/drawing/2014/main" id="{4AC4094C-2157-ECEE-21CE-9427576C8725}"/>
+              </a:ext>
+            </a:extLst>
+          </p:cNvPr>
+          <p:cNvSpPr txBox="1"/>
+          <p:nvPr/>
+        </p:nvSpPr>
+        <p:spPr>
+          <a:xfrm>
+            <a:off x="7695754" y="954618"/>
+            <a:ext cx="2124456" cy="461665"/>
+          </a:xfrm>
+          <a:prstGeom prst="rect">
+            <a:avLst/>
+          </a:prstGeom>
+          <a:noFill/>
+          <a:scene3d>
+            <a:camera prst="isometricTopUp"/>
+            <a:lightRig rig="threePt" dir="t"/>
+          </a:scene3d>
+        </p:spPr>
+        <p:txBody>
+          <a:bodyPr wrap="square">
+            <a:spAutoFit/>
+          </a:bodyPr>
+          <a:lstStyle/>
+          <a:p>
+            <a:r>
+              <a:rPr lang="en-US" sz="2400" b="1" dirty="0">
+                <a:solidFill>
+                  <a:srgbClr val="43507A"/>
+                </a:solidFill>
+                <a:latin typeface="Times New Roman" panose="02020603050405020304" pitchFamily="18" charset="0"/>
+                <a:cs typeface="Times New Roman" panose="02020603050405020304" pitchFamily="18" charset="0"/>
+              </a:rPr>
+              <a:t>Latency</a:t>
+            </a:r>
+          </a:p>
+        </p:txBody>
+      </p:sp>
+      <p:pic>
+        <p:nvPicPr>
+          <p:cNvPr id="26" name="Picture 25" descr="A yellow lightning bolt on a black background&#10;&#10;AI-generated content may be incorrect.">
+            <a:extLst>
+              <a:ext uri="{FF2B5EF4-FFF2-40B4-BE49-F238E27FC236}">
+                <a16:creationId xmlns:a16="http://schemas.microsoft.com/office/drawing/2014/main" id="{BD1EDCAD-458E-EB3F-3315-B22D2C193569}"/>
+              </a:ext>
+            </a:extLst>
+          </p:cNvPr>
+          <p:cNvPicPr>
+            <a:picLocks noChangeAspect="1"/>
+          </p:cNvPicPr>
+          <p:nvPr/>
+        </p:nvPicPr>
+        <p:blipFill>
+          <a:blip r:embed="rId18">
+            <a:extLst>
+              <a:ext uri="{28A0092B-C50C-407E-A947-70E740481C1C}">
+                <a14:useLocalDpi xmlns:a14="http://schemas.microsoft.com/office/drawing/2010/main" val="0"/>
+              </a:ext>
+            </a:extLst>
+          </a:blip>
+          <a:stretch>
+            <a:fillRect/>
+          </a:stretch>
+        </p:blipFill>
+        <p:spPr>
+          <a:xfrm>
+            <a:off x="7460550" y="914261"/>
+            <a:ext cx="914400" cy="914400"/>
           </a:xfrm>
           <a:prstGeom prst="rect">
             <a:avLst/>
@@ -3743,10 +6483,10 @@
       </p:pic>
       <p:pic>
         <p:nvPicPr>
-          <p:cNvPr id="32" name="Picture 31" descr="A white router with blue screen and blue screen&#10;&#10;AI-generated content may be incorrect.">
-            <a:extLst>
-              <a:ext uri="{FF2B5EF4-FFF2-40B4-BE49-F238E27FC236}">
-                <a16:creationId xmlns:a16="http://schemas.microsoft.com/office/drawing/2014/main" id="{B8FDA151-6BC9-25CF-3A59-A47221B2BF4B}"/>
+          <p:cNvPr id="81" name="Picture 80" descr="A blue battery with a white bolt and lightning bolt&#10;&#10;AI-generated content may be incorrect.">
+            <a:extLst>
+              <a:ext uri="{FF2B5EF4-FFF2-40B4-BE49-F238E27FC236}">
+                <a16:creationId xmlns:a16="http://schemas.microsoft.com/office/drawing/2014/main" id="{9E2413DC-6CDF-E4F4-E637-63A7CFA607B0}"/>
               </a:ext>
             </a:extLst>
           </p:cNvPr>
@@ -3756,7 +6496,7 @@
           <p:nvPr/>
         </p:nvPicPr>
         <p:blipFill>
-          <a:blip r:embed="rId5">
+          <a:blip r:embed="rId19">
             <a:extLst>
               <a:ext uri="{28A0092B-C50C-407E-A947-70E740481C1C}">
                 <a14:useLocalDpi xmlns:a14="http://schemas.microsoft.com/office/drawing/2010/main" val="0"/>
@@ -3769,7 +6509,7 @@
         </p:blipFill>
         <p:spPr>
           <a:xfrm>
-            <a:off x="5294903" y="2087480"/>
+            <a:off x="5989180" y="1864095"/>
             <a:ext cx="914400" cy="914400"/>
           </a:xfrm>
           <a:prstGeom prst="rect">
@@ -3779,10 +6519,10 @@
       </p:pic>
       <p:pic>
         <p:nvPicPr>
-          <p:cNvPr id="10" name="图片 115" descr="图片包含 游戏机, 桌子&#10;&#10;描述已自动生成">
-            <a:extLst>
-              <a:ext uri="{FF2B5EF4-FFF2-40B4-BE49-F238E27FC236}">
-                <a16:creationId xmlns:a16="http://schemas.microsoft.com/office/drawing/2014/main" id="{963B267D-FC25-E8EB-96BD-5A4BB5BA897A}"/>
+          <p:cNvPr id="84" name="Picture 83" descr="A sand clock with yellow liquid&#10;&#10;AI-generated content may be incorrect.">
+            <a:extLst>
+              <a:ext uri="{FF2B5EF4-FFF2-40B4-BE49-F238E27FC236}">
+                <a16:creationId xmlns:a16="http://schemas.microsoft.com/office/drawing/2014/main" id="{0C506D50-5A1C-A7A0-F9CF-899FA0A647FC}"/>
               </a:ext>
             </a:extLst>
           </p:cNvPr>
@@ -3792,15 +6532,21 @@
           <p:nvPr/>
         </p:nvPicPr>
         <p:blipFill>
-          <a:blip r:embed="rId6"/>
+          <a:blip r:embed="rId20">
+            <a:extLst>
+              <a:ext uri="{28A0092B-C50C-407E-A947-70E740481C1C}">
+                <a14:useLocalDpi xmlns:a14="http://schemas.microsoft.com/office/drawing/2010/main" val="0"/>
+              </a:ext>
+            </a:extLst>
+          </a:blip>
           <a:stretch>
             <a:fillRect/>
           </a:stretch>
         </p:blipFill>
         <p:spPr>
           <a:xfrm>
-            <a:off x="6209303" y="594584"/>
-            <a:ext cx="1190428" cy="1190428"/>
+            <a:off x="2669695" y="3829929"/>
+            <a:ext cx="914400" cy="914400"/>
           </a:xfrm>
           <a:prstGeom prst="rect">
             <a:avLst/>
@@ -3809,10 +6555,10 @@
       </p:pic>
       <p:pic>
         <p:nvPicPr>
-          <p:cNvPr id="13" name="Picture 12" descr="A computer chip on a green square&#10;&#10;AI-generated content may be incorrect.">
-            <a:extLst>
-              <a:ext uri="{FF2B5EF4-FFF2-40B4-BE49-F238E27FC236}">
-                <a16:creationId xmlns:a16="http://schemas.microsoft.com/office/drawing/2014/main" id="{4FB56108-D0FC-1380-8F61-334A113F9A6D}"/>
+          <p:cNvPr id="59" name="Picture 58" descr="A blue arrows on a black background&#10;&#10;AI-generated content may be incorrect.">
+            <a:extLst>
+              <a:ext uri="{FF2B5EF4-FFF2-40B4-BE49-F238E27FC236}">
+                <a16:creationId xmlns:a16="http://schemas.microsoft.com/office/drawing/2014/main" id="{4F917671-4686-ABBD-5A3A-A30E2B41708E}"/>
               </a:ext>
             </a:extLst>
           </p:cNvPr>
@@ -3822,7 +6568,7 @@
           <p:nvPr/>
         </p:nvPicPr>
         <p:blipFill>
-          <a:blip r:embed="rId7">
+          <a:blip r:embed="rId21">
             <a:extLst>
               <a:ext uri="{28A0092B-C50C-407E-A947-70E740481C1C}">
                 <a14:useLocalDpi xmlns:a14="http://schemas.microsoft.com/office/drawing/2010/main" val="0"/>
@@ -3835,18 +6581,1706 @@
         </p:blipFill>
         <p:spPr>
           <a:xfrm>
-            <a:off x="5197139" y="3304348"/>
-            <a:ext cx="2845206" cy="2845206"/>
+            <a:off x="3744658" y="2792016"/>
+            <a:ext cx="1273733" cy="1273733"/>
+          </a:xfrm>
+          <a:prstGeom prst="rect">
+            <a:avLst/>
+          </a:prstGeom>
+          <a:scene3d>
+            <a:camera prst="isometricTopUp"/>
+            <a:lightRig rig="threePt" dir="t"/>
+          </a:scene3d>
+        </p:spPr>
+      </p:pic>
+      <p:grpSp>
+        <p:nvGrpSpPr>
+          <p:cNvPr id="103" name="Group 102">
+            <a:extLst>
+              <a:ext uri="{FF2B5EF4-FFF2-40B4-BE49-F238E27FC236}">
+                <a16:creationId xmlns:a16="http://schemas.microsoft.com/office/drawing/2014/main" id="{4B238ED8-F286-02D8-3B9A-C40D0F5E72A5}"/>
+              </a:ext>
+            </a:extLst>
+          </p:cNvPr>
+          <p:cNvGrpSpPr/>
+          <p:nvPr/>
+        </p:nvGrpSpPr>
+        <p:grpSpPr>
+          <a:xfrm>
+            <a:off x="3862436" y="4120386"/>
+            <a:ext cx="3269981" cy="771195"/>
+            <a:chOff x="9280206" y="2159209"/>
+            <a:chExt cx="3307385" cy="771195"/>
+          </a:xfrm>
+          <a:scene3d>
+            <a:camera prst="isometricTopUp"/>
+            <a:lightRig rig="threePt" dir="t"/>
+          </a:scene3d>
+        </p:grpSpPr>
+        <p:sp>
+          <p:nvSpPr>
+            <p:cNvPr id="93" name="Rectangle 92">
+              <a:extLst>
+                <a:ext uri="{FF2B5EF4-FFF2-40B4-BE49-F238E27FC236}">
+                  <a16:creationId xmlns:a16="http://schemas.microsoft.com/office/drawing/2014/main" id="{FEA7CDD0-04E0-79A8-83D5-D53076378EE5}"/>
+                </a:ext>
+              </a:extLst>
+            </p:cNvPr>
+            <p:cNvSpPr/>
+            <p:nvPr/>
+          </p:nvSpPr>
+          <p:spPr>
+            <a:xfrm>
+              <a:off x="9280206" y="2159209"/>
+              <a:ext cx="3307385" cy="771195"/>
+            </a:xfrm>
+            <a:prstGeom prst="rect">
+              <a:avLst/>
+            </a:prstGeom>
+            <a:noFill/>
+            <a:ln>
+              <a:solidFill>
+                <a:srgbClr val="B2B9CE"/>
+              </a:solidFill>
+            </a:ln>
+          </p:spPr>
+          <p:style>
+            <a:lnRef idx="2">
+              <a:schemeClr val="accent1">
+                <a:shade val="15000"/>
+              </a:schemeClr>
+            </a:lnRef>
+            <a:fillRef idx="1">
+              <a:schemeClr val="accent1"/>
+            </a:fillRef>
+            <a:effectRef idx="0">
+              <a:schemeClr val="accent1"/>
+            </a:effectRef>
+            <a:fontRef idx="minor">
+              <a:schemeClr val="lt1"/>
+            </a:fontRef>
+          </p:style>
+          <p:txBody>
+            <a:bodyPr rtlCol="0" anchor="ctr"/>
+            <a:lstStyle/>
+            <a:p>
+              <a:pPr algn="ctr"/>
+              <a:endParaRPr lang="en-US" dirty="0"/>
+            </a:p>
+          </p:txBody>
+        </p:sp>
+        <p:pic>
+          <p:nvPicPr>
+            <p:cNvPr id="86" name="Picture 85" descr="A blue square with black lines and a square in center&#10;&#10;Description automatically generated">
+              <a:extLst>
+                <a:ext uri="{FF2B5EF4-FFF2-40B4-BE49-F238E27FC236}">
+                  <a16:creationId xmlns:a16="http://schemas.microsoft.com/office/drawing/2014/main" id="{8180D92C-EFB9-BAE6-0123-A0A92547B479}"/>
+                </a:ext>
+              </a:extLst>
+            </p:cNvPr>
+            <p:cNvPicPr>
+              <a:picLocks noChangeAspect="1"/>
+            </p:cNvPicPr>
+            <p:nvPr/>
+          </p:nvPicPr>
+          <p:blipFill>
+            <a:blip r:embed="rId22" cstate="print">
+              <a:extLst>
+                <a:ext uri="{28A0092B-C50C-407E-A947-70E740481C1C}">
+                  <a14:useLocalDpi xmlns:a14="http://schemas.microsoft.com/office/drawing/2010/main" val="0"/>
+                </a:ext>
+              </a:extLst>
+            </a:blip>
+            <a:stretch>
+              <a:fillRect/>
+            </a:stretch>
+          </p:blipFill>
+          <p:spPr>
+            <a:xfrm>
+              <a:off x="9559209" y="2316206"/>
+              <a:ext cx="457200" cy="457200"/>
+            </a:xfrm>
+            <a:prstGeom prst="rect">
+              <a:avLst/>
+            </a:prstGeom>
+          </p:spPr>
+        </p:pic>
+        <p:sp>
+          <p:nvSpPr>
+            <p:cNvPr id="94" name="TextBox 93">
+              <a:extLst>
+                <a:ext uri="{FF2B5EF4-FFF2-40B4-BE49-F238E27FC236}">
+                  <a16:creationId xmlns:a16="http://schemas.microsoft.com/office/drawing/2014/main" id="{F7FB2258-63DE-EED6-0372-82DBFF556196}"/>
+                </a:ext>
+              </a:extLst>
+            </p:cNvPr>
+            <p:cNvSpPr txBox="1"/>
+            <p:nvPr/>
+          </p:nvSpPr>
+          <p:spPr>
+            <a:xfrm>
+              <a:off x="10196784" y="2313974"/>
+              <a:ext cx="2124456" cy="461665"/>
+            </a:xfrm>
+            <a:prstGeom prst="rect">
+              <a:avLst/>
+            </a:prstGeom>
+            <a:noFill/>
+          </p:spPr>
+          <p:txBody>
+            <a:bodyPr wrap="square">
+              <a:spAutoFit/>
+            </a:bodyPr>
+            <a:lstStyle/>
+            <a:p>
+              <a:r>
+                <a:rPr lang="en-US" sz="2400" b="1" dirty="0">
+                  <a:solidFill>
+                    <a:srgbClr val="43507A"/>
+                  </a:solidFill>
+                  <a:latin typeface="Times New Roman" panose="02020603050405020304" pitchFamily="18" charset="0"/>
+                  <a:cs typeface="Times New Roman" panose="02020603050405020304" pitchFamily="18" charset="0"/>
+                </a:rPr>
+                <a:t>M</a:t>
+              </a:r>
+              <a:r>
+                <a:rPr lang="en-US" altLang="zh-CN" sz="2400" b="1" dirty="0">
+                  <a:solidFill>
+                    <a:srgbClr val="43507A"/>
+                  </a:solidFill>
+                  <a:latin typeface="Times New Roman" panose="02020603050405020304" pitchFamily="18" charset="0"/>
+                  <a:cs typeface="Times New Roman" panose="02020603050405020304" pitchFamily="18" charset="0"/>
+                </a:rPr>
+                <a:t>ain Control</a:t>
+              </a:r>
+              <a:endParaRPr lang="en-US" sz="2400" b="1" dirty="0">
+                <a:solidFill>
+                  <a:srgbClr val="43507A"/>
+                </a:solidFill>
+                <a:latin typeface="Times New Roman" panose="02020603050405020304" pitchFamily="18" charset="0"/>
+                <a:cs typeface="Times New Roman" panose="02020603050405020304" pitchFamily="18" charset="0"/>
+              </a:endParaRPr>
+            </a:p>
+          </p:txBody>
+        </p:sp>
+      </p:grpSp>
+      <p:grpSp>
+        <p:nvGrpSpPr>
+          <p:cNvPr id="104" name="Group 103">
+            <a:extLst>
+              <a:ext uri="{FF2B5EF4-FFF2-40B4-BE49-F238E27FC236}">
+                <a16:creationId xmlns:a16="http://schemas.microsoft.com/office/drawing/2014/main" id="{E4A010C0-07BF-6B9E-D6AF-E274D71D67CA}"/>
+              </a:ext>
+            </a:extLst>
+          </p:cNvPr>
+          <p:cNvGrpSpPr/>
+          <p:nvPr/>
+        </p:nvGrpSpPr>
+        <p:grpSpPr>
+          <a:xfrm>
+            <a:off x="4454495" y="4454846"/>
+            <a:ext cx="3269981" cy="771195"/>
+            <a:chOff x="9280206" y="2995343"/>
+            <a:chExt cx="3307385" cy="771195"/>
+          </a:xfrm>
+          <a:scene3d>
+            <a:camera prst="isometricTopUp"/>
+            <a:lightRig rig="threePt" dir="t"/>
+          </a:scene3d>
+        </p:grpSpPr>
+        <p:pic>
+          <p:nvPicPr>
+            <p:cNvPr id="87" name="Picture 86" descr="A blue line with a black background&#10;&#10;Description automatically generated">
+              <a:extLst>
+                <a:ext uri="{FF2B5EF4-FFF2-40B4-BE49-F238E27FC236}">
+                  <a16:creationId xmlns:a16="http://schemas.microsoft.com/office/drawing/2014/main" id="{129EAC0C-4918-341A-776B-48F7701A0ABF}"/>
+                </a:ext>
+              </a:extLst>
+            </p:cNvPr>
+            <p:cNvPicPr>
+              <a:picLocks noChangeAspect="1"/>
+            </p:cNvPicPr>
+            <p:nvPr/>
+          </p:nvPicPr>
+          <p:blipFill>
+            <a:blip r:embed="rId23" cstate="print">
+              <a:extLst>
+                <a:ext uri="{28A0092B-C50C-407E-A947-70E740481C1C}">
+                  <a14:useLocalDpi xmlns:a14="http://schemas.microsoft.com/office/drawing/2010/main" val="0"/>
+                </a:ext>
+              </a:extLst>
+            </a:blip>
+            <a:stretch>
+              <a:fillRect/>
+            </a:stretch>
+          </p:blipFill>
+          <p:spPr>
+            <a:xfrm>
+              <a:off x="9559209" y="3155886"/>
+              <a:ext cx="457200" cy="457200"/>
+            </a:xfrm>
+            <a:prstGeom prst="rect">
+              <a:avLst/>
+            </a:prstGeom>
+          </p:spPr>
+        </p:pic>
+        <p:sp>
+          <p:nvSpPr>
+            <p:cNvPr id="95" name="Rectangle 94">
+              <a:extLst>
+                <a:ext uri="{FF2B5EF4-FFF2-40B4-BE49-F238E27FC236}">
+                  <a16:creationId xmlns:a16="http://schemas.microsoft.com/office/drawing/2014/main" id="{C2EE7A56-14B6-82A6-2589-92BDFFC81E6C}"/>
+                </a:ext>
+              </a:extLst>
+            </p:cNvPr>
+            <p:cNvSpPr/>
+            <p:nvPr/>
+          </p:nvSpPr>
+          <p:spPr>
+            <a:xfrm>
+              <a:off x="9280206" y="2995343"/>
+              <a:ext cx="3307385" cy="771195"/>
+            </a:xfrm>
+            <a:prstGeom prst="rect">
+              <a:avLst/>
+            </a:prstGeom>
+            <a:noFill/>
+            <a:ln>
+              <a:solidFill>
+                <a:srgbClr val="B2B9CE"/>
+              </a:solidFill>
+            </a:ln>
+          </p:spPr>
+          <p:style>
+            <a:lnRef idx="2">
+              <a:schemeClr val="accent1">
+                <a:shade val="15000"/>
+              </a:schemeClr>
+            </a:lnRef>
+            <a:fillRef idx="1">
+              <a:schemeClr val="accent1"/>
+            </a:fillRef>
+            <a:effectRef idx="0">
+              <a:schemeClr val="accent1"/>
+            </a:effectRef>
+            <a:fontRef idx="minor">
+              <a:schemeClr val="lt1"/>
+            </a:fontRef>
+          </p:style>
+          <p:txBody>
+            <a:bodyPr rtlCol="0" anchor="ctr"/>
+            <a:lstStyle/>
+            <a:p>
+              <a:pPr algn="ctr"/>
+              <a:endParaRPr lang="en-US" dirty="0"/>
+            </a:p>
+          </p:txBody>
+        </p:sp>
+        <p:sp>
+          <p:nvSpPr>
+            <p:cNvPr id="96" name="TextBox 95">
+              <a:extLst>
+                <a:ext uri="{FF2B5EF4-FFF2-40B4-BE49-F238E27FC236}">
+                  <a16:creationId xmlns:a16="http://schemas.microsoft.com/office/drawing/2014/main" id="{E1540D56-A520-B86D-F1A8-4C2E106AC5FE}"/>
+                </a:ext>
+              </a:extLst>
+            </p:cNvPr>
+            <p:cNvSpPr txBox="1"/>
+            <p:nvPr/>
+          </p:nvSpPr>
+          <p:spPr>
+            <a:xfrm>
+              <a:off x="10196784" y="3150108"/>
+              <a:ext cx="2124456" cy="461665"/>
+            </a:xfrm>
+            <a:prstGeom prst="rect">
+              <a:avLst/>
+            </a:prstGeom>
+            <a:noFill/>
+          </p:spPr>
+          <p:txBody>
+            <a:bodyPr wrap="square">
+              <a:spAutoFit/>
+            </a:bodyPr>
+            <a:lstStyle/>
+            <a:p>
+              <a:r>
+                <a:rPr lang="en-US" sz="2400" b="1" dirty="0">
+                  <a:solidFill>
+                    <a:srgbClr val="43507A"/>
+                  </a:solidFill>
+                  <a:latin typeface="Times New Roman" panose="02020603050405020304" pitchFamily="18" charset="0"/>
+                  <a:cs typeface="Times New Roman" panose="02020603050405020304" pitchFamily="18" charset="0"/>
+                </a:rPr>
+                <a:t>P</a:t>
+              </a:r>
+              <a:r>
+                <a:rPr lang="en-US" altLang="zh-CN" sz="2400" b="1" dirty="0">
+                  <a:solidFill>
+                    <a:srgbClr val="43507A"/>
+                  </a:solidFill>
+                  <a:latin typeface="Times New Roman" panose="02020603050405020304" pitchFamily="18" charset="0"/>
+                  <a:cs typeface="Times New Roman" panose="02020603050405020304" pitchFamily="18" charset="0"/>
+                </a:rPr>
+                <a:t>erception</a:t>
+              </a:r>
+              <a:endParaRPr lang="en-US" sz="2400" b="1" dirty="0">
+                <a:solidFill>
+                  <a:srgbClr val="43507A"/>
+                </a:solidFill>
+                <a:latin typeface="Times New Roman" panose="02020603050405020304" pitchFamily="18" charset="0"/>
+                <a:cs typeface="Times New Roman" panose="02020603050405020304" pitchFamily="18" charset="0"/>
+              </a:endParaRPr>
+            </a:p>
+          </p:txBody>
+        </p:sp>
+      </p:grpSp>
+      <p:grpSp>
+        <p:nvGrpSpPr>
+          <p:cNvPr id="105" name="Group 104">
+            <a:extLst>
+              <a:ext uri="{FF2B5EF4-FFF2-40B4-BE49-F238E27FC236}">
+                <a16:creationId xmlns:a16="http://schemas.microsoft.com/office/drawing/2014/main" id="{ABB9FCBC-B345-0E83-EE9E-CC2842400C8E}"/>
+              </a:ext>
+            </a:extLst>
+          </p:cNvPr>
+          <p:cNvGrpSpPr/>
+          <p:nvPr/>
+        </p:nvGrpSpPr>
+        <p:grpSpPr>
+          <a:xfrm>
+            <a:off x="5046554" y="4786577"/>
+            <a:ext cx="3269981" cy="771195"/>
+            <a:chOff x="9280206" y="3828725"/>
+            <a:chExt cx="3307385" cy="771195"/>
+          </a:xfrm>
+          <a:scene3d>
+            <a:camera prst="isometricTopUp"/>
+            <a:lightRig rig="threePt" dir="t"/>
+          </a:scene3d>
+        </p:grpSpPr>
+        <p:pic>
+          <p:nvPicPr>
+            <p:cNvPr id="88" name="Picture 87" descr="A blue circle with dots&#10;&#10;Description automatically generated with medium confidence">
+              <a:extLst>
+                <a:ext uri="{FF2B5EF4-FFF2-40B4-BE49-F238E27FC236}">
+                  <a16:creationId xmlns:a16="http://schemas.microsoft.com/office/drawing/2014/main" id="{C4D57980-DAAC-626E-2FFD-7B784EB79536}"/>
+                </a:ext>
+              </a:extLst>
+            </p:cNvPr>
+            <p:cNvPicPr>
+              <a:picLocks noChangeAspect="1"/>
+            </p:cNvPicPr>
+            <p:nvPr/>
+          </p:nvPicPr>
+          <p:blipFill>
+            <a:blip r:embed="rId24" cstate="print">
+              <a:extLst>
+                <a:ext uri="{28A0092B-C50C-407E-A947-70E740481C1C}">
+                  <a14:useLocalDpi xmlns:a14="http://schemas.microsoft.com/office/drawing/2010/main" val="0"/>
+                </a:ext>
+              </a:extLst>
+            </a:blip>
+            <a:stretch>
+              <a:fillRect/>
+            </a:stretch>
+          </p:blipFill>
+          <p:spPr>
+            <a:xfrm>
+              <a:off x="9559209" y="3988891"/>
+              <a:ext cx="457200" cy="457200"/>
+            </a:xfrm>
+            <a:prstGeom prst="rect">
+              <a:avLst/>
+            </a:prstGeom>
+          </p:spPr>
+        </p:pic>
+        <p:sp>
+          <p:nvSpPr>
+            <p:cNvPr id="97" name="Rectangle 96">
+              <a:extLst>
+                <a:ext uri="{FF2B5EF4-FFF2-40B4-BE49-F238E27FC236}">
+                  <a16:creationId xmlns:a16="http://schemas.microsoft.com/office/drawing/2014/main" id="{4419F871-E9F3-AF21-3ADC-63C4A98D6B8C}"/>
+                </a:ext>
+              </a:extLst>
+            </p:cNvPr>
+            <p:cNvSpPr/>
+            <p:nvPr/>
+          </p:nvSpPr>
+          <p:spPr>
+            <a:xfrm>
+              <a:off x="9280206" y="3828725"/>
+              <a:ext cx="3307385" cy="771195"/>
+            </a:xfrm>
+            <a:prstGeom prst="rect">
+              <a:avLst/>
+            </a:prstGeom>
+            <a:noFill/>
+            <a:ln>
+              <a:solidFill>
+                <a:srgbClr val="B2B9CE"/>
+              </a:solidFill>
+            </a:ln>
+          </p:spPr>
+          <p:style>
+            <a:lnRef idx="2">
+              <a:schemeClr val="accent1">
+                <a:shade val="15000"/>
+              </a:schemeClr>
+            </a:lnRef>
+            <a:fillRef idx="1">
+              <a:schemeClr val="accent1"/>
+            </a:fillRef>
+            <a:effectRef idx="0">
+              <a:schemeClr val="accent1"/>
+            </a:effectRef>
+            <a:fontRef idx="minor">
+              <a:schemeClr val="lt1"/>
+            </a:fontRef>
+          </p:style>
+          <p:txBody>
+            <a:bodyPr rtlCol="0" anchor="ctr"/>
+            <a:lstStyle/>
+            <a:p>
+              <a:pPr algn="ctr"/>
+              <a:endParaRPr lang="en-US"/>
+            </a:p>
+          </p:txBody>
+        </p:sp>
+        <p:sp>
+          <p:nvSpPr>
+            <p:cNvPr id="98" name="TextBox 97">
+              <a:extLst>
+                <a:ext uri="{FF2B5EF4-FFF2-40B4-BE49-F238E27FC236}">
+                  <a16:creationId xmlns:a16="http://schemas.microsoft.com/office/drawing/2014/main" id="{40C886AC-ABB0-609C-7DF3-79F66316E1BF}"/>
+                </a:ext>
+              </a:extLst>
+            </p:cNvPr>
+            <p:cNvSpPr txBox="1"/>
+            <p:nvPr/>
+          </p:nvSpPr>
+          <p:spPr>
+            <a:xfrm>
+              <a:off x="10196784" y="3983490"/>
+              <a:ext cx="2344502" cy="461665"/>
+            </a:xfrm>
+            <a:prstGeom prst="rect">
+              <a:avLst/>
+            </a:prstGeom>
+            <a:noFill/>
+          </p:spPr>
+          <p:txBody>
+            <a:bodyPr wrap="square">
+              <a:spAutoFit/>
+            </a:bodyPr>
+            <a:lstStyle/>
+            <a:p>
+              <a:r>
+                <a:rPr lang="en-US" sz="2400" b="1" dirty="0">
+                  <a:solidFill>
+                    <a:srgbClr val="43507A"/>
+                  </a:solidFill>
+                  <a:latin typeface="Times New Roman" panose="02020603050405020304" pitchFamily="18" charset="0"/>
+                  <a:cs typeface="Times New Roman" panose="02020603050405020304" pitchFamily="18" charset="0"/>
+                </a:rPr>
+                <a:t>C</a:t>
+              </a:r>
+              <a:r>
+                <a:rPr lang="en-US" altLang="zh-CN" sz="2400" b="1" dirty="0">
+                  <a:solidFill>
+                    <a:srgbClr val="43507A"/>
+                  </a:solidFill>
+                  <a:latin typeface="Times New Roman" panose="02020603050405020304" pitchFamily="18" charset="0"/>
+                  <a:cs typeface="Times New Roman" panose="02020603050405020304" pitchFamily="18" charset="0"/>
+                </a:rPr>
+                <a:t>ommunication</a:t>
+              </a:r>
+              <a:endParaRPr lang="en-US" sz="2400" b="1" dirty="0">
+                <a:solidFill>
+                  <a:srgbClr val="43507A"/>
+                </a:solidFill>
+                <a:latin typeface="Times New Roman" panose="02020603050405020304" pitchFamily="18" charset="0"/>
+                <a:cs typeface="Times New Roman" panose="02020603050405020304" pitchFamily="18" charset="0"/>
+              </a:endParaRPr>
+            </a:p>
+          </p:txBody>
+        </p:sp>
+      </p:grpSp>
+      <p:grpSp>
+        <p:nvGrpSpPr>
+          <p:cNvPr id="106" name="Group 105">
+            <a:extLst>
+              <a:ext uri="{FF2B5EF4-FFF2-40B4-BE49-F238E27FC236}">
+                <a16:creationId xmlns:a16="http://schemas.microsoft.com/office/drawing/2014/main" id="{E7293290-D841-04F9-9FAC-DD6E57D37BFE}"/>
+              </a:ext>
+            </a:extLst>
+          </p:cNvPr>
+          <p:cNvGrpSpPr/>
+          <p:nvPr/>
+        </p:nvGrpSpPr>
+        <p:grpSpPr>
+          <a:xfrm>
+            <a:off x="5633096" y="5126942"/>
+            <a:ext cx="3269981" cy="771195"/>
+            <a:chOff x="9280206" y="4662136"/>
+            <a:chExt cx="3307385" cy="771195"/>
+          </a:xfrm>
+          <a:scene3d>
+            <a:camera prst="isometricTopUp"/>
+            <a:lightRig rig="threePt" dir="t"/>
+          </a:scene3d>
+        </p:grpSpPr>
+        <p:pic>
+          <p:nvPicPr>
+            <p:cNvPr id="89" name="Picture 88" descr="A blue and black computer screen&#10;&#10;Description automatically generated">
+              <a:extLst>
+                <a:ext uri="{FF2B5EF4-FFF2-40B4-BE49-F238E27FC236}">
+                  <a16:creationId xmlns:a16="http://schemas.microsoft.com/office/drawing/2014/main" id="{672949EE-DD87-6BF8-3206-116DF0C313B4}"/>
+                </a:ext>
+              </a:extLst>
+            </p:cNvPr>
+            <p:cNvPicPr>
+              <a:picLocks noChangeAspect="1"/>
+            </p:cNvPicPr>
+            <p:nvPr/>
+          </p:nvPicPr>
+          <p:blipFill>
+            <a:blip r:embed="rId25" cstate="print">
+              <a:extLst>
+                <a:ext uri="{28A0092B-C50C-407E-A947-70E740481C1C}">
+                  <a14:useLocalDpi xmlns:a14="http://schemas.microsoft.com/office/drawing/2010/main" val="0"/>
+                </a:ext>
+              </a:extLst>
+            </a:blip>
+            <a:stretch>
+              <a:fillRect/>
+            </a:stretch>
+          </p:blipFill>
+          <p:spPr>
+            <a:xfrm>
+              <a:off x="9559209" y="4812827"/>
+              <a:ext cx="457200" cy="457200"/>
+            </a:xfrm>
+            <a:prstGeom prst="rect">
+              <a:avLst/>
+            </a:prstGeom>
+          </p:spPr>
+        </p:pic>
+        <p:sp>
+          <p:nvSpPr>
+            <p:cNvPr id="99" name="Rectangle 98">
+              <a:extLst>
+                <a:ext uri="{FF2B5EF4-FFF2-40B4-BE49-F238E27FC236}">
+                  <a16:creationId xmlns:a16="http://schemas.microsoft.com/office/drawing/2014/main" id="{ACD56800-4A73-7F6B-0AE4-C8A7B1B7497E}"/>
+                </a:ext>
+              </a:extLst>
+            </p:cNvPr>
+            <p:cNvSpPr/>
+            <p:nvPr/>
+          </p:nvSpPr>
+          <p:spPr>
+            <a:xfrm>
+              <a:off x="9280206" y="4662136"/>
+              <a:ext cx="3307385" cy="771195"/>
+            </a:xfrm>
+            <a:prstGeom prst="rect">
+              <a:avLst/>
+            </a:prstGeom>
+            <a:noFill/>
+            <a:ln>
+              <a:solidFill>
+                <a:srgbClr val="B2B9CE"/>
+              </a:solidFill>
+            </a:ln>
+          </p:spPr>
+          <p:style>
+            <a:lnRef idx="2">
+              <a:schemeClr val="accent1">
+                <a:shade val="15000"/>
+              </a:schemeClr>
+            </a:lnRef>
+            <a:fillRef idx="1">
+              <a:schemeClr val="accent1"/>
+            </a:fillRef>
+            <a:effectRef idx="0">
+              <a:schemeClr val="accent1"/>
+            </a:effectRef>
+            <a:fontRef idx="minor">
+              <a:schemeClr val="lt1"/>
+            </a:fontRef>
+          </p:style>
+          <p:txBody>
+            <a:bodyPr rtlCol="0" anchor="ctr"/>
+            <a:lstStyle/>
+            <a:p>
+              <a:pPr algn="ctr"/>
+              <a:endParaRPr lang="en-US"/>
+            </a:p>
+          </p:txBody>
+        </p:sp>
+        <p:sp>
+          <p:nvSpPr>
+            <p:cNvPr id="100" name="TextBox 99">
+              <a:extLst>
+                <a:ext uri="{FF2B5EF4-FFF2-40B4-BE49-F238E27FC236}">
+                  <a16:creationId xmlns:a16="http://schemas.microsoft.com/office/drawing/2014/main" id="{04412392-5790-128C-42FC-88D24758B1F4}"/>
+                </a:ext>
+              </a:extLst>
+            </p:cNvPr>
+            <p:cNvSpPr txBox="1"/>
+            <p:nvPr/>
+          </p:nvSpPr>
+          <p:spPr>
+            <a:xfrm>
+              <a:off x="10196784" y="4816901"/>
+              <a:ext cx="2124456" cy="461665"/>
+            </a:xfrm>
+            <a:prstGeom prst="rect">
+              <a:avLst/>
+            </a:prstGeom>
+            <a:noFill/>
+          </p:spPr>
+          <p:txBody>
+            <a:bodyPr wrap="square">
+              <a:spAutoFit/>
+            </a:bodyPr>
+            <a:lstStyle/>
+            <a:p>
+              <a:r>
+                <a:rPr lang="en-US" sz="2400" b="1" dirty="0">
+                  <a:solidFill>
+                    <a:srgbClr val="43507A"/>
+                  </a:solidFill>
+                  <a:latin typeface="Times New Roman" panose="02020603050405020304" pitchFamily="18" charset="0"/>
+                  <a:cs typeface="Times New Roman" panose="02020603050405020304" pitchFamily="18" charset="0"/>
+                </a:rPr>
+                <a:t>Interaction</a:t>
+              </a:r>
+            </a:p>
+          </p:txBody>
+        </p:sp>
+      </p:grpSp>
+      <p:sp>
+        <p:nvSpPr>
+          <p:cNvPr id="14" name="Rectangle 13">
+            <a:extLst>
+              <a:ext uri="{FF2B5EF4-FFF2-40B4-BE49-F238E27FC236}">
+                <a16:creationId xmlns:a16="http://schemas.microsoft.com/office/drawing/2014/main" id="{8AE1E96C-3EB8-2B4C-DDA6-CE3E40F3FDAF}"/>
+              </a:ext>
+            </a:extLst>
+          </p:cNvPr>
+          <p:cNvSpPr/>
+          <p:nvPr/>
+        </p:nvSpPr>
+        <p:spPr>
+          <a:xfrm>
+            <a:off x="9974705" y="1606115"/>
+            <a:ext cx="1693755" cy="508828"/>
+          </a:xfrm>
+          <a:prstGeom prst="rect">
+            <a:avLst/>
+          </a:prstGeom>
+          <a:solidFill>
+            <a:srgbClr val="B2B9CE"/>
+          </a:solidFill>
+          <a:ln>
+            <a:noFill/>
+          </a:ln>
+          <a:scene3d>
+            <a:camera prst="isometricBottomDown"/>
+            <a:lightRig rig="threePt" dir="t"/>
+          </a:scene3d>
+        </p:spPr>
+        <p:style>
+          <a:lnRef idx="2">
+            <a:schemeClr val="accent1">
+              <a:shade val="15000"/>
+            </a:schemeClr>
+          </a:lnRef>
+          <a:fillRef idx="1">
+            <a:schemeClr val="accent1"/>
+          </a:fillRef>
+          <a:effectRef idx="0">
+            <a:schemeClr val="accent1"/>
+          </a:effectRef>
+          <a:fontRef idx="minor">
+            <a:schemeClr val="lt1"/>
+          </a:fontRef>
+        </p:style>
+        <p:txBody>
+          <a:bodyPr rtlCol="0" anchor="ctr"/>
+          <a:lstStyle/>
+          <a:p>
+            <a:pPr algn="ctr"/>
+            <a:r>
+              <a:rPr lang="en-US" sz="2400" b="1" dirty="0">
+                <a:latin typeface="Times New Roman" panose="02020603050405020304" pitchFamily="18" charset="0"/>
+                <a:cs typeface="Times New Roman" panose="02020603050405020304" pitchFamily="18" charset="0"/>
+              </a:rPr>
+              <a:t>Software</a:t>
+            </a:r>
+          </a:p>
+        </p:txBody>
+      </p:sp>
+      <p:pic>
+        <p:nvPicPr>
+          <p:cNvPr id="12" name="Picture 11" descr="A cellphone with a globe around it&#10;&#10;AI-generated content may be incorrect.">
+            <a:extLst>
+              <a:ext uri="{FF2B5EF4-FFF2-40B4-BE49-F238E27FC236}">
+                <a16:creationId xmlns:a16="http://schemas.microsoft.com/office/drawing/2014/main" id="{1BAC6FE7-0681-435F-AFAE-B28EBAED3952}"/>
+              </a:ext>
+            </a:extLst>
+          </p:cNvPr>
+          <p:cNvPicPr>
+            <a:picLocks noChangeAspect="1"/>
+          </p:cNvPicPr>
+          <p:nvPr/>
+        </p:nvPicPr>
+        <p:blipFill>
+          <a:blip r:embed="rId26">
+            <a:extLst>
+              <a:ext uri="{28A0092B-C50C-407E-A947-70E740481C1C}">
+                <a14:useLocalDpi xmlns:a14="http://schemas.microsoft.com/office/drawing/2010/main" val="0"/>
+              </a:ext>
+            </a:extLst>
+          </a:blip>
+          <a:stretch>
+            <a:fillRect/>
+          </a:stretch>
+        </p:blipFill>
+        <p:spPr>
+          <a:xfrm>
+            <a:off x="10475721" y="161723"/>
+            <a:ext cx="1828800" cy="1828800"/>
           </a:xfrm>
           <a:prstGeom prst="rect">
             <a:avLst/>
           </a:prstGeom>
         </p:spPr>
       </p:pic>
+      <p:grpSp>
+        <p:nvGrpSpPr>
+          <p:cNvPr id="56" name="Group 55">
+            <a:extLst>
+              <a:ext uri="{FF2B5EF4-FFF2-40B4-BE49-F238E27FC236}">
+                <a16:creationId xmlns:a16="http://schemas.microsoft.com/office/drawing/2014/main" id="{E7B9BABB-D670-7F1E-FCFF-D7A913E4F20C}"/>
+              </a:ext>
+            </a:extLst>
+          </p:cNvPr>
+          <p:cNvGrpSpPr/>
+          <p:nvPr/>
+        </p:nvGrpSpPr>
+        <p:grpSpPr>
+          <a:xfrm>
+            <a:off x="7305703" y="3249394"/>
+            <a:ext cx="3623835" cy="771195"/>
+            <a:chOff x="10656369" y="5530839"/>
+            <a:chExt cx="3623835" cy="771195"/>
+          </a:xfrm>
+          <a:scene3d>
+            <a:camera prst="isometricBottomDown"/>
+            <a:lightRig rig="threePt" dir="t"/>
+          </a:scene3d>
+        </p:grpSpPr>
+        <p:sp>
+          <p:nvSpPr>
+            <p:cNvPr id="20" name="Rectangle 19">
+              <a:extLst>
+                <a:ext uri="{FF2B5EF4-FFF2-40B4-BE49-F238E27FC236}">
+                  <a16:creationId xmlns:a16="http://schemas.microsoft.com/office/drawing/2014/main" id="{A48D91C9-2A61-A895-C68B-915BA5E175E2}"/>
+                </a:ext>
+              </a:extLst>
+            </p:cNvPr>
+            <p:cNvSpPr/>
+            <p:nvPr/>
+          </p:nvSpPr>
+          <p:spPr>
+            <a:xfrm>
+              <a:off x="10656369" y="5530839"/>
+              <a:ext cx="3623835" cy="771195"/>
+            </a:xfrm>
+            <a:prstGeom prst="rect">
+              <a:avLst/>
+            </a:prstGeom>
+            <a:noFill/>
+            <a:ln>
+              <a:solidFill>
+                <a:srgbClr val="B2B9CE"/>
+              </a:solidFill>
+            </a:ln>
+          </p:spPr>
+          <p:style>
+            <a:lnRef idx="2">
+              <a:schemeClr val="accent1">
+                <a:shade val="15000"/>
+              </a:schemeClr>
+            </a:lnRef>
+            <a:fillRef idx="1">
+              <a:schemeClr val="accent1"/>
+            </a:fillRef>
+            <a:effectRef idx="0">
+              <a:schemeClr val="accent1"/>
+            </a:effectRef>
+            <a:fontRef idx="minor">
+              <a:schemeClr val="lt1"/>
+            </a:fontRef>
+          </p:style>
+          <p:txBody>
+            <a:bodyPr rtlCol="0" anchor="ctr"/>
+            <a:lstStyle/>
+            <a:p>
+              <a:pPr algn="ctr"/>
+              <a:endParaRPr lang="en-US" dirty="0"/>
+            </a:p>
+          </p:txBody>
+        </p:sp>
+        <p:sp>
+          <p:nvSpPr>
+            <p:cNvPr id="22" name="TextBox 21">
+              <a:extLst>
+                <a:ext uri="{FF2B5EF4-FFF2-40B4-BE49-F238E27FC236}">
+                  <a16:creationId xmlns:a16="http://schemas.microsoft.com/office/drawing/2014/main" id="{96AD999F-6C7C-C3D7-E4BE-56A0A59B4DD4}"/>
+                </a:ext>
+              </a:extLst>
+            </p:cNvPr>
+            <p:cNvSpPr txBox="1"/>
+            <p:nvPr/>
+          </p:nvSpPr>
+          <p:spPr>
+            <a:xfrm>
+              <a:off x="11562580" y="5685604"/>
+              <a:ext cx="2542525" cy="461665"/>
+            </a:xfrm>
+            <a:prstGeom prst="rect">
+              <a:avLst/>
+            </a:prstGeom>
+            <a:noFill/>
+          </p:spPr>
+          <p:txBody>
+            <a:bodyPr wrap="square">
+              <a:spAutoFit/>
+            </a:bodyPr>
+            <a:lstStyle/>
+            <a:p>
+              <a:r>
+                <a:rPr lang="en-US" sz="2400" b="1" dirty="0">
+                  <a:solidFill>
+                    <a:srgbClr val="43507A"/>
+                  </a:solidFill>
+                  <a:latin typeface="Times New Roman" panose="02020603050405020304" pitchFamily="18" charset="0"/>
+                  <a:cs typeface="Times New Roman" panose="02020603050405020304" pitchFamily="18" charset="0"/>
+                </a:rPr>
+                <a:t>Hardware Layer</a:t>
+              </a:r>
+            </a:p>
+          </p:txBody>
+        </p:sp>
+        <p:pic>
+          <p:nvPicPr>
+            <p:cNvPr id="24" name="Picture 23" descr="A blue circuit board with a square and square buttons&#10;&#10;Description automatically generated with medium confidence">
+              <a:extLst>
+                <a:ext uri="{FF2B5EF4-FFF2-40B4-BE49-F238E27FC236}">
+                  <a16:creationId xmlns:a16="http://schemas.microsoft.com/office/drawing/2014/main" id="{FBDE37B1-98EE-B56D-033A-9240F3650450}"/>
+                </a:ext>
+              </a:extLst>
+            </p:cNvPr>
+            <p:cNvPicPr>
+              <a:picLocks noChangeAspect="1"/>
+            </p:cNvPicPr>
+            <p:nvPr/>
+          </p:nvPicPr>
+          <p:blipFill>
+            <a:blip r:embed="rId27" cstate="print">
+              <a:extLst>
+                <a:ext uri="{28A0092B-C50C-407E-A947-70E740481C1C}">
+                  <a14:useLocalDpi xmlns:a14="http://schemas.microsoft.com/office/drawing/2010/main" val="0"/>
+                </a:ext>
+              </a:extLst>
+            </a:blip>
+            <a:stretch>
+              <a:fillRect/>
+            </a:stretch>
+          </p:blipFill>
+          <p:spPr>
+            <a:xfrm>
+              <a:off x="10953353" y="5694038"/>
+              <a:ext cx="457200" cy="457200"/>
+            </a:xfrm>
+            <a:prstGeom prst="rect">
+              <a:avLst/>
+            </a:prstGeom>
+          </p:spPr>
+        </p:pic>
+      </p:grpSp>
+      <p:grpSp>
+        <p:nvGrpSpPr>
+          <p:cNvPr id="57" name="Group 56">
+            <a:extLst>
+              <a:ext uri="{FF2B5EF4-FFF2-40B4-BE49-F238E27FC236}">
+                <a16:creationId xmlns:a16="http://schemas.microsoft.com/office/drawing/2014/main" id="{99552C13-5CBA-1A15-A31C-687990C710E0}"/>
+              </a:ext>
+            </a:extLst>
+          </p:cNvPr>
+          <p:cNvGrpSpPr/>
+          <p:nvPr/>
+        </p:nvGrpSpPr>
+        <p:grpSpPr>
+          <a:xfrm>
+            <a:off x="7954947" y="2861602"/>
+            <a:ext cx="3623835" cy="771195"/>
+            <a:chOff x="10656369" y="4691197"/>
+            <a:chExt cx="3623835" cy="771195"/>
+          </a:xfrm>
+          <a:scene3d>
+            <a:camera prst="isometricBottomDown"/>
+            <a:lightRig rig="threePt" dir="t"/>
+          </a:scene3d>
+        </p:grpSpPr>
+        <p:sp>
+          <p:nvSpPr>
+            <p:cNvPr id="29" name="Rectangle 28">
+              <a:extLst>
+                <a:ext uri="{FF2B5EF4-FFF2-40B4-BE49-F238E27FC236}">
+                  <a16:creationId xmlns:a16="http://schemas.microsoft.com/office/drawing/2014/main" id="{B1AB98CD-747A-59CE-3CD5-B8D8658608F3}"/>
+                </a:ext>
+              </a:extLst>
+            </p:cNvPr>
+            <p:cNvSpPr/>
+            <p:nvPr/>
+          </p:nvSpPr>
+          <p:spPr>
+            <a:xfrm>
+              <a:off x="10656369" y="4691197"/>
+              <a:ext cx="3623835" cy="771195"/>
+            </a:xfrm>
+            <a:prstGeom prst="rect">
+              <a:avLst/>
+            </a:prstGeom>
+            <a:noFill/>
+            <a:ln>
+              <a:solidFill>
+                <a:srgbClr val="B2B9CE"/>
+              </a:solidFill>
+            </a:ln>
+          </p:spPr>
+          <p:style>
+            <a:lnRef idx="2">
+              <a:schemeClr val="accent1">
+                <a:shade val="15000"/>
+              </a:schemeClr>
+            </a:lnRef>
+            <a:fillRef idx="1">
+              <a:schemeClr val="accent1"/>
+            </a:fillRef>
+            <a:effectRef idx="0">
+              <a:schemeClr val="accent1"/>
+            </a:effectRef>
+            <a:fontRef idx="minor">
+              <a:schemeClr val="lt1"/>
+            </a:fontRef>
+          </p:style>
+          <p:txBody>
+            <a:bodyPr rtlCol="0" anchor="ctr"/>
+            <a:lstStyle/>
+            <a:p>
+              <a:pPr algn="ctr"/>
+              <a:endParaRPr lang="en-US" dirty="0"/>
+            </a:p>
+          </p:txBody>
+        </p:sp>
+        <p:sp>
+          <p:nvSpPr>
+            <p:cNvPr id="33" name="TextBox 32">
+              <a:extLst>
+                <a:ext uri="{FF2B5EF4-FFF2-40B4-BE49-F238E27FC236}">
+                  <a16:creationId xmlns:a16="http://schemas.microsoft.com/office/drawing/2014/main" id="{A0CE48A0-1A97-A4A9-A46F-D10068B44AA4}"/>
+                </a:ext>
+              </a:extLst>
+            </p:cNvPr>
+            <p:cNvSpPr txBox="1"/>
+            <p:nvPr/>
+          </p:nvSpPr>
+          <p:spPr>
+            <a:xfrm>
+              <a:off x="11562580" y="4845962"/>
+              <a:ext cx="2542525" cy="461665"/>
+            </a:xfrm>
+            <a:prstGeom prst="rect">
+              <a:avLst/>
+            </a:prstGeom>
+            <a:noFill/>
+          </p:spPr>
+          <p:txBody>
+            <a:bodyPr wrap="square">
+              <a:spAutoFit/>
+            </a:bodyPr>
+            <a:lstStyle/>
+            <a:p>
+              <a:r>
+                <a:rPr lang="en-US" sz="2400" b="1" dirty="0">
+                  <a:solidFill>
+                    <a:srgbClr val="43507A"/>
+                  </a:solidFill>
+                  <a:latin typeface="Times New Roman" panose="02020603050405020304" pitchFamily="18" charset="0"/>
+                  <a:cs typeface="Times New Roman" panose="02020603050405020304" pitchFamily="18" charset="0"/>
+                </a:rPr>
+                <a:t>Driver Layer</a:t>
+              </a:r>
+            </a:p>
+          </p:txBody>
+        </p:sp>
+        <p:pic>
+          <p:nvPicPr>
+            <p:cNvPr id="37" name="Picture 36" descr="A blue square with black text&#10;&#10;AI-generated content may be incorrect.">
+              <a:extLst>
+                <a:ext uri="{FF2B5EF4-FFF2-40B4-BE49-F238E27FC236}">
+                  <a16:creationId xmlns:a16="http://schemas.microsoft.com/office/drawing/2014/main" id="{C54E54BC-4B66-DE2D-2296-96A44122FB5C}"/>
+                </a:ext>
+              </a:extLst>
+            </p:cNvPr>
+            <p:cNvPicPr>
+              <a:picLocks noChangeAspect="1"/>
+            </p:cNvPicPr>
+            <p:nvPr/>
+          </p:nvPicPr>
+          <p:blipFill>
+            <a:blip r:embed="rId28">
+              <a:extLst>
+                <a:ext uri="{28A0092B-C50C-407E-A947-70E740481C1C}">
+                  <a14:useLocalDpi xmlns:a14="http://schemas.microsoft.com/office/drawing/2010/main" val="0"/>
+                </a:ext>
+              </a:extLst>
+            </a:blip>
+            <a:stretch>
+              <a:fillRect/>
+            </a:stretch>
+          </p:blipFill>
+          <p:spPr>
+            <a:xfrm>
+              <a:off x="10953353" y="4851990"/>
+              <a:ext cx="457200" cy="457200"/>
+            </a:xfrm>
+            <a:prstGeom prst="rect">
+              <a:avLst/>
+            </a:prstGeom>
+          </p:spPr>
+        </p:pic>
+      </p:grpSp>
+      <p:grpSp>
+        <p:nvGrpSpPr>
+          <p:cNvPr id="58" name="Group 57">
+            <a:extLst>
+              <a:ext uri="{FF2B5EF4-FFF2-40B4-BE49-F238E27FC236}">
+                <a16:creationId xmlns:a16="http://schemas.microsoft.com/office/drawing/2014/main" id="{C15E0978-F1B6-077E-0FF1-60E1CCBB9B26}"/>
+              </a:ext>
+            </a:extLst>
+          </p:cNvPr>
+          <p:cNvGrpSpPr/>
+          <p:nvPr/>
+        </p:nvGrpSpPr>
+        <p:grpSpPr>
+          <a:xfrm>
+            <a:off x="8561615" y="2511163"/>
+            <a:ext cx="3623835" cy="771195"/>
+            <a:chOff x="10656369" y="3820521"/>
+            <a:chExt cx="3623835" cy="771195"/>
+          </a:xfrm>
+          <a:scene3d>
+            <a:camera prst="isometricBottomDown"/>
+            <a:lightRig rig="threePt" dir="t"/>
+          </a:scene3d>
+        </p:grpSpPr>
+        <p:sp>
+          <p:nvSpPr>
+            <p:cNvPr id="38" name="Rectangle 37">
+              <a:extLst>
+                <a:ext uri="{FF2B5EF4-FFF2-40B4-BE49-F238E27FC236}">
+                  <a16:creationId xmlns:a16="http://schemas.microsoft.com/office/drawing/2014/main" id="{63201F4E-F21F-665D-E662-2A4D0B90B09C}"/>
+                </a:ext>
+              </a:extLst>
+            </p:cNvPr>
+            <p:cNvSpPr/>
+            <p:nvPr/>
+          </p:nvSpPr>
+          <p:spPr>
+            <a:xfrm>
+              <a:off x="10656369" y="3820521"/>
+              <a:ext cx="3623835" cy="771195"/>
+            </a:xfrm>
+            <a:prstGeom prst="rect">
+              <a:avLst/>
+            </a:prstGeom>
+            <a:noFill/>
+            <a:ln>
+              <a:solidFill>
+                <a:srgbClr val="FF0000"/>
+              </a:solidFill>
+            </a:ln>
+          </p:spPr>
+          <p:style>
+            <a:lnRef idx="2">
+              <a:schemeClr val="accent1">
+                <a:shade val="15000"/>
+              </a:schemeClr>
+            </a:lnRef>
+            <a:fillRef idx="1">
+              <a:schemeClr val="accent1"/>
+            </a:fillRef>
+            <a:effectRef idx="0">
+              <a:schemeClr val="accent1"/>
+            </a:effectRef>
+            <a:fontRef idx="minor">
+              <a:schemeClr val="lt1"/>
+            </a:fontRef>
+          </p:style>
+          <p:txBody>
+            <a:bodyPr rtlCol="0" anchor="ctr"/>
+            <a:lstStyle/>
+            <a:p>
+              <a:pPr algn="ctr"/>
+              <a:endParaRPr lang="en-US" dirty="0"/>
+            </a:p>
+          </p:txBody>
+        </p:sp>
+        <p:sp>
+          <p:nvSpPr>
+            <p:cNvPr id="47" name="TextBox 46">
+              <a:extLst>
+                <a:ext uri="{FF2B5EF4-FFF2-40B4-BE49-F238E27FC236}">
+                  <a16:creationId xmlns:a16="http://schemas.microsoft.com/office/drawing/2014/main" id="{C1B0448E-04E6-37FB-0845-CD1F158881FE}"/>
+                </a:ext>
+              </a:extLst>
+            </p:cNvPr>
+            <p:cNvSpPr txBox="1"/>
+            <p:nvPr/>
+          </p:nvSpPr>
+          <p:spPr>
+            <a:xfrm>
+              <a:off x="11562580" y="3975286"/>
+              <a:ext cx="2717624" cy="461665"/>
+            </a:xfrm>
+            <a:prstGeom prst="rect">
+              <a:avLst/>
+            </a:prstGeom>
+            <a:noFill/>
+          </p:spPr>
+          <p:txBody>
+            <a:bodyPr wrap="square">
+              <a:spAutoFit/>
+            </a:bodyPr>
+            <a:lstStyle/>
+            <a:p>
+              <a:r>
+                <a:rPr lang="en-US" sz="2400" b="1" dirty="0">
+                  <a:solidFill>
+                    <a:srgbClr val="43507A"/>
+                  </a:solidFill>
+                  <a:latin typeface="Times New Roman" panose="02020603050405020304" pitchFamily="18" charset="0"/>
+                  <a:cs typeface="Times New Roman" panose="02020603050405020304" pitchFamily="18" charset="0"/>
+                </a:rPr>
+                <a:t>Middleware Layer</a:t>
+              </a:r>
+            </a:p>
+          </p:txBody>
+        </p:sp>
+        <p:pic>
+          <p:nvPicPr>
+            <p:cNvPr id="51" name="Picture 50" descr="A blue brain with circuit board&#10;&#10;AI-generated content may be incorrect.">
+              <a:extLst>
+                <a:ext uri="{FF2B5EF4-FFF2-40B4-BE49-F238E27FC236}">
+                  <a16:creationId xmlns:a16="http://schemas.microsoft.com/office/drawing/2014/main" id="{45A795C1-D71F-ED21-34B3-A9CFD8F29B23}"/>
+                </a:ext>
+              </a:extLst>
+            </p:cNvPr>
+            <p:cNvPicPr>
+              <a:picLocks noChangeAspect="1"/>
+            </p:cNvPicPr>
+            <p:nvPr/>
+          </p:nvPicPr>
+          <p:blipFill>
+            <a:blip r:embed="rId5">
+              <a:extLst>
+                <a:ext uri="{28A0092B-C50C-407E-A947-70E740481C1C}">
+                  <a14:useLocalDpi xmlns:a14="http://schemas.microsoft.com/office/drawing/2010/main" val="0"/>
+                </a:ext>
+              </a:extLst>
+            </a:blip>
+            <a:stretch>
+              <a:fillRect/>
+            </a:stretch>
+          </p:blipFill>
+          <p:spPr>
+            <a:xfrm>
+              <a:off x="10953353" y="3999568"/>
+              <a:ext cx="457200" cy="457200"/>
+            </a:xfrm>
+            <a:prstGeom prst="rect">
+              <a:avLst/>
+            </a:prstGeom>
+          </p:spPr>
+        </p:pic>
+      </p:grpSp>
+      <p:grpSp>
+        <p:nvGrpSpPr>
+          <p:cNvPr id="61" name="Group 60">
+            <a:extLst>
+              <a:ext uri="{FF2B5EF4-FFF2-40B4-BE49-F238E27FC236}">
+                <a16:creationId xmlns:a16="http://schemas.microsoft.com/office/drawing/2014/main" id="{549C33FD-43AC-B62B-2FA2-BBC433216C73}"/>
+              </a:ext>
+            </a:extLst>
+          </p:cNvPr>
+          <p:cNvGrpSpPr/>
+          <p:nvPr/>
+        </p:nvGrpSpPr>
+        <p:grpSpPr>
+          <a:xfrm>
+            <a:off x="9140289" y="2170074"/>
+            <a:ext cx="3623835" cy="771195"/>
+            <a:chOff x="10653292" y="2959802"/>
+            <a:chExt cx="3623835" cy="771195"/>
+          </a:xfrm>
+          <a:scene3d>
+            <a:camera prst="isometricBottomDown"/>
+            <a:lightRig rig="threePt" dir="t"/>
+          </a:scene3d>
+        </p:grpSpPr>
+        <p:sp>
+          <p:nvSpPr>
+            <p:cNvPr id="52" name="Rectangle 51">
+              <a:extLst>
+                <a:ext uri="{FF2B5EF4-FFF2-40B4-BE49-F238E27FC236}">
+                  <a16:creationId xmlns:a16="http://schemas.microsoft.com/office/drawing/2014/main" id="{DC9158AD-22C6-A2FC-EBAD-C238FADE64B8}"/>
+                </a:ext>
+              </a:extLst>
+            </p:cNvPr>
+            <p:cNvSpPr/>
+            <p:nvPr/>
+          </p:nvSpPr>
+          <p:spPr>
+            <a:xfrm>
+              <a:off x="10653292" y="2959802"/>
+              <a:ext cx="3623835" cy="771195"/>
+            </a:xfrm>
+            <a:prstGeom prst="rect">
+              <a:avLst/>
+            </a:prstGeom>
+            <a:noFill/>
+            <a:ln>
+              <a:solidFill>
+                <a:srgbClr val="B2B9CE"/>
+              </a:solidFill>
+            </a:ln>
+          </p:spPr>
+          <p:style>
+            <a:lnRef idx="2">
+              <a:schemeClr val="accent1">
+                <a:shade val="15000"/>
+              </a:schemeClr>
+            </a:lnRef>
+            <a:fillRef idx="1">
+              <a:schemeClr val="accent1"/>
+            </a:fillRef>
+            <a:effectRef idx="0">
+              <a:schemeClr val="accent1"/>
+            </a:effectRef>
+            <a:fontRef idx="minor">
+              <a:schemeClr val="lt1"/>
+            </a:fontRef>
+          </p:style>
+          <p:txBody>
+            <a:bodyPr rtlCol="0" anchor="ctr"/>
+            <a:lstStyle/>
+            <a:p>
+              <a:pPr algn="ctr"/>
+              <a:endParaRPr lang="en-US" dirty="0"/>
+            </a:p>
+          </p:txBody>
+        </p:sp>
+        <p:sp>
+          <p:nvSpPr>
+            <p:cNvPr id="53" name="TextBox 52">
+              <a:extLst>
+                <a:ext uri="{FF2B5EF4-FFF2-40B4-BE49-F238E27FC236}">
+                  <a16:creationId xmlns:a16="http://schemas.microsoft.com/office/drawing/2014/main" id="{6F6E36F0-C9A8-DBE6-A5F4-6C491EF66336}"/>
+                </a:ext>
+              </a:extLst>
+            </p:cNvPr>
+            <p:cNvSpPr txBox="1"/>
+            <p:nvPr/>
+          </p:nvSpPr>
+          <p:spPr>
+            <a:xfrm>
+              <a:off x="11559503" y="3114567"/>
+              <a:ext cx="2717624" cy="461665"/>
+            </a:xfrm>
+            <a:prstGeom prst="rect">
+              <a:avLst/>
+            </a:prstGeom>
+            <a:noFill/>
+          </p:spPr>
+          <p:txBody>
+            <a:bodyPr wrap="square">
+              <a:spAutoFit/>
+            </a:bodyPr>
+            <a:lstStyle/>
+            <a:p>
+              <a:r>
+                <a:rPr lang="en-US" sz="2400" b="1" dirty="0">
+                  <a:solidFill>
+                    <a:srgbClr val="43507A"/>
+                  </a:solidFill>
+                  <a:latin typeface="Times New Roman" panose="02020603050405020304" pitchFamily="18" charset="0"/>
+                  <a:cs typeface="Times New Roman" panose="02020603050405020304" pitchFamily="18" charset="0"/>
+                </a:rPr>
+                <a:t>Application Layer</a:t>
+              </a:r>
+            </a:p>
+          </p:txBody>
+        </p:sp>
+        <p:pic>
+          <p:nvPicPr>
+            <p:cNvPr id="55" name="Picture 54" descr="A blue building with black background&#10;&#10;Description automatically generated">
+              <a:extLst>
+                <a:ext uri="{FF2B5EF4-FFF2-40B4-BE49-F238E27FC236}">
+                  <a16:creationId xmlns:a16="http://schemas.microsoft.com/office/drawing/2014/main" id="{3F5191E6-80B9-96B1-0D83-B40865B8327B}"/>
+                </a:ext>
+              </a:extLst>
+            </p:cNvPr>
+            <p:cNvPicPr>
+              <a:picLocks noChangeAspect="1"/>
+            </p:cNvPicPr>
+            <p:nvPr/>
+          </p:nvPicPr>
+          <p:blipFill>
+            <a:blip r:embed="rId29" cstate="print">
+              <a:extLst>
+                <a:ext uri="{28A0092B-C50C-407E-A947-70E740481C1C}">
+                  <a14:useLocalDpi xmlns:a14="http://schemas.microsoft.com/office/drawing/2010/main" val="0"/>
+                </a:ext>
+              </a:extLst>
+            </a:blip>
+            <a:stretch>
+              <a:fillRect/>
+            </a:stretch>
+          </p:blipFill>
+          <p:spPr>
+            <a:xfrm>
+              <a:off x="10948462" y="3122171"/>
+              <a:ext cx="457200" cy="457200"/>
+            </a:xfrm>
+            <a:prstGeom prst="rect">
+              <a:avLst/>
+            </a:prstGeom>
+          </p:spPr>
+        </p:pic>
+      </p:grpSp>
+      <p:sp>
+        <p:nvSpPr>
+          <p:cNvPr id="119" name="Arrow: Right 118">
+            <a:extLst>
+              <a:ext uri="{FF2B5EF4-FFF2-40B4-BE49-F238E27FC236}">
+                <a16:creationId xmlns:a16="http://schemas.microsoft.com/office/drawing/2014/main" id="{3887B8AB-04DE-D450-82AC-9FE54FEDE53B}"/>
+              </a:ext>
+            </a:extLst>
+          </p:cNvPr>
+          <p:cNvSpPr/>
+          <p:nvPr/>
+        </p:nvSpPr>
+        <p:spPr>
+          <a:xfrm>
+            <a:off x="8237245" y="5436400"/>
+            <a:ext cx="1899092" cy="1014677"/>
+          </a:xfrm>
+          <a:prstGeom prst="rightArrow">
+            <a:avLst/>
+          </a:prstGeom>
+          <a:noFill/>
+          <a:ln>
+            <a:solidFill>
+              <a:srgbClr val="FF0000"/>
+            </a:solidFill>
+          </a:ln>
+          <a:scene3d>
+            <a:camera prst="isometricTopUp"/>
+            <a:lightRig rig="threePt" dir="t"/>
+          </a:scene3d>
+        </p:spPr>
+        <p:style>
+          <a:lnRef idx="2">
+            <a:schemeClr val="accent1">
+              <a:shade val="15000"/>
+            </a:schemeClr>
+          </a:lnRef>
+          <a:fillRef idx="1">
+            <a:schemeClr val="accent1"/>
+          </a:fillRef>
+          <a:effectRef idx="0">
+            <a:schemeClr val="accent1"/>
+          </a:effectRef>
+          <a:fontRef idx="minor">
+            <a:schemeClr val="lt1"/>
+          </a:fontRef>
+        </p:style>
+        <p:txBody>
+          <a:bodyPr rtlCol="0" anchor="ctr"/>
+          <a:lstStyle/>
+          <a:p>
+            <a:pPr algn="ctr"/>
+            <a:r>
+              <a:rPr lang="en-US" sz="2400" b="1" dirty="0" err="1">
+                <a:solidFill>
+                  <a:srgbClr val="FF0000"/>
+                </a:solidFill>
+                <a:latin typeface="Times New Roman" panose="02020603050405020304" pitchFamily="18" charset="0"/>
+                <a:cs typeface="Times New Roman" panose="02020603050405020304" pitchFamily="18" charset="0"/>
+              </a:rPr>
+              <a:t>TinySHM</a:t>
+            </a:r>
+            <a:endParaRPr lang="en-US" sz="2400" b="1" dirty="0">
+              <a:solidFill>
+                <a:srgbClr val="FF0000"/>
+              </a:solidFill>
+              <a:latin typeface="Times New Roman" panose="02020603050405020304" pitchFamily="18" charset="0"/>
+              <a:cs typeface="Times New Roman" panose="02020603050405020304" pitchFamily="18" charset="0"/>
+            </a:endParaRPr>
+          </a:p>
+        </p:txBody>
+      </p:sp>
+      <p:pic>
+        <p:nvPicPr>
+          <p:cNvPr id="122" name="Picture 121" descr="A blue logo with black text&#10;&#10;AI-generated content may be incorrect.">
+            <a:extLst>
+              <a:ext uri="{FF2B5EF4-FFF2-40B4-BE49-F238E27FC236}">
+                <a16:creationId xmlns:a16="http://schemas.microsoft.com/office/drawing/2014/main" id="{4FDDDEB9-E3FE-6BAE-B2A3-81943351096C}"/>
+              </a:ext>
+            </a:extLst>
+          </p:cNvPr>
+          <p:cNvPicPr>
+            <a:picLocks noChangeAspect="1"/>
+          </p:cNvPicPr>
+          <p:nvPr/>
+        </p:nvPicPr>
+        <p:blipFill>
+          <a:blip r:embed="rId30">
+            <a:extLst>
+              <a:ext uri="{28A0092B-C50C-407E-A947-70E740481C1C}">
+                <a14:useLocalDpi xmlns:a14="http://schemas.microsoft.com/office/drawing/2010/main" val="0"/>
+              </a:ext>
+            </a:extLst>
+          </a:blip>
+          <a:stretch>
+            <a:fillRect/>
+          </a:stretch>
+        </p:blipFill>
+        <p:spPr>
+          <a:xfrm>
+            <a:off x="10742229" y="5690422"/>
+            <a:ext cx="914400" cy="914400"/>
+          </a:xfrm>
+          <a:prstGeom prst="rect">
+            <a:avLst/>
+          </a:prstGeom>
+          <a:scene3d>
+            <a:camera prst="isometricBottomDown"/>
+            <a:lightRig rig="threePt" dir="t"/>
+          </a:scene3d>
+        </p:spPr>
+      </p:pic>
+      <p:sp>
+        <p:nvSpPr>
+          <p:cNvPr id="124" name="Arrow: Bent-Up 123">
+            <a:extLst>
+              <a:ext uri="{FF2B5EF4-FFF2-40B4-BE49-F238E27FC236}">
+                <a16:creationId xmlns:a16="http://schemas.microsoft.com/office/drawing/2014/main" id="{21DC65DC-9791-57B4-9735-AEDFCCE4445C}"/>
+              </a:ext>
+            </a:extLst>
+          </p:cNvPr>
+          <p:cNvSpPr/>
+          <p:nvPr/>
+        </p:nvSpPr>
+        <p:spPr>
+          <a:xfrm>
+            <a:off x="11294955" y="5423076"/>
+            <a:ext cx="484986" cy="534692"/>
+          </a:xfrm>
+          <a:prstGeom prst="bentUpArrow">
+            <a:avLst/>
+          </a:prstGeom>
+          <a:solidFill>
+            <a:srgbClr val="FFCCCC"/>
+          </a:solidFill>
+          <a:ln>
+            <a:noFill/>
+          </a:ln>
+          <a:scene3d>
+            <a:camera prst="isometricTopUp"/>
+            <a:lightRig rig="threePt" dir="t"/>
+          </a:scene3d>
+        </p:spPr>
+        <p:style>
+          <a:lnRef idx="2">
+            <a:schemeClr val="accent1">
+              <a:shade val="15000"/>
+            </a:schemeClr>
+          </a:lnRef>
+          <a:fillRef idx="1">
+            <a:schemeClr val="accent1"/>
+          </a:fillRef>
+          <a:effectRef idx="0">
+            <a:schemeClr val="accent1"/>
+          </a:effectRef>
+          <a:fontRef idx="minor">
+            <a:schemeClr val="lt1"/>
+          </a:fontRef>
+        </p:style>
+        <p:txBody>
+          <a:bodyPr rtlCol="0" anchor="ctr"/>
+          <a:lstStyle/>
+          <a:p>
+            <a:pPr algn="ctr"/>
+            <a:endParaRPr lang="en-US"/>
+          </a:p>
+        </p:txBody>
+      </p:sp>
+      <p:sp>
+        <p:nvSpPr>
+          <p:cNvPr id="7" name="TextBox 6">
+            <a:extLst>
+              <a:ext uri="{FF2B5EF4-FFF2-40B4-BE49-F238E27FC236}">
+                <a16:creationId xmlns:a16="http://schemas.microsoft.com/office/drawing/2014/main" id="{8AFCC94C-0DA1-1841-A20B-E7EFEFAF4125}"/>
+              </a:ext>
+            </a:extLst>
+          </p:cNvPr>
+          <p:cNvSpPr txBox="1"/>
+          <p:nvPr/>
+        </p:nvSpPr>
+        <p:spPr>
+          <a:xfrm>
+            <a:off x="309892" y="6561437"/>
+            <a:ext cx="3665248" cy="246221"/>
+          </a:xfrm>
+          <a:prstGeom prst="rect">
+            <a:avLst/>
+          </a:prstGeom>
+          <a:noFill/>
+        </p:spPr>
+        <p:txBody>
+          <a:bodyPr wrap="square" rtlCol="0">
+            <a:spAutoFit/>
+          </a:bodyPr>
+          <a:lstStyle/>
+          <a:p>
+            <a:r>
+              <a:rPr lang="en-CN" sz="1000" dirty="0">
+                <a:solidFill>
+                  <a:schemeClr val="bg1"/>
+                </a:solidFill>
+              </a:rPr>
+              <a:t>NANYANG TECHNOLOGICAL UNIVERISITY </a:t>
+            </a:r>
+            <a:r>
+              <a:rPr lang="en-US" sz="1000" dirty="0">
+                <a:solidFill>
+                  <a:schemeClr val="bg1"/>
+                </a:solidFill>
+              </a:rPr>
+              <a:t>  </a:t>
+            </a:r>
+            <a:r>
+              <a:rPr lang="en-CN" sz="1000" dirty="0">
+                <a:solidFill>
+                  <a:srgbClr val="00AAEF"/>
+                </a:solidFill>
+              </a:rPr>
+              <a:t>|</a:t>
+            </a:r>
+            <a:r>
+              <a:rPr lang="en-CN" sz="1000" dirty="0">
+                <a:solidFill>
+                  <a:schemeClr val="bg1"/>
+                </a:solidFill>
+              </a:rPr>
+              <a:t> </a:t>
+            </a:r>
+            <a:r>
+              <a:rPr lang="en-US" sz="1000" dirty="0">
+                <a:solidFill>
+                  <a:schemeClr val="bg1"/>
+                </a:solidFill>
+              </a:rPr>
+              <a:t>  </a:t>
+            </a:r>
+            <a:r>
+              <a:rPr lang="en-CN" sz="1000" dirty="0">
+                <a:solidFill>
+                  <a:schemeClr val="bg1"/>
+                </a:solidFill>
+              </a:rPr>
+              <a:t>SINGAPORE</a:t>
+            </a:r>
+          </a:p>
+        </p:txBody>
+      </p:sp>
+      <p:sp>
+        <p:nvSpPr>
+          <p:cNvPr id="3" name="Arrow: Bent-Up 2">
+            <a:extLst>
+              <a:ext uri="{FF2B5EF4-FFF2-40B4-BE49-F238E27FC236}">
+                <a16:creationId xmlns:a16="http://schemas.microsoft.com/office/drawing/2014/main" id="{8D45D5A2-7DC1-3C3F-BAEE-D5BE250BF930}"/>
+              </a:ext>
+            </a:extLst>
+          </p:cNvPr>
+          <p:cNvSpPr/>
+          <p:nvPr/>
+        </p:nvSpPr>
+        <p:spPr>
+          <a:xfrm>
+            <a:off x="11749405" y="3700020"/>
+            <a:ext cx="484986" cy="534692"/>
+          </a:xfrm>
+          <a:prstGeom prst="bentUpArrow">
+            <a:avLst/>
+          </a:prstGeom>
+          <a:solidFill>
+            <a:srgbClr val="FFCCCC"/>
+          </a:solidFill>
+          <a:ln>
+            <a:noFill/>
+          </a:ln>
+          <a:scene3d>
+            <a:camera prst="isometricTopUp"/>
+            <a:lightRig rig="threePt" dir="t"/>
+          </a:scene3d>
+        </p:spPr>
+        <p:style>
+          <a:lnRef idx="2">
+            <a:schemeClr val="accent1">
+              <a:shade val="15000"/>
+            </a:schemeClr>
+          </a:lnRef>
+          <a:fillRef idx="1">
+            <a:schemeClr val="accent1"/>
+          </a:fillRef>
+          <a:effectRef idx="0">
+            <a:schemeClr val="accent1"/>
+          </a:effectRef>
+          <a:fontRef idx="minor">
+            <a:schemeClr val="lt1"/>
+          </a:fontRef>
+        </p:style>
+        <p:txBody>
+          <a:bodyPr rtlCol="0" anchor="ctr"/>
+          <a:lstStyle/>
+          <a:p>
+            <a:pPr algn="ctr"/>
+            <a:endParaRPr lang="en-US"/>
+          </a:p>
+        </p:txBody>
+      </p:sp>
     </p:spTree>
     <p:extLst>
       <p:ext uri="{BB962C8B-B14F-4D97-AF65-F5344CB8AC3E}">
-        <p14:creationId xmlns:p14="http://schemas.microsoft.com/office/powerpoint/2010/main" val="430447823"/>
+        <p14:creationId xmlns:p14="http://schemas.microsoft.com/office/powerpoint/2010/main" val="4197893689"/>
       </p:ext>
     </p:extLst>
   </p:cSld>
@@ -4169,4 +8603,319 @@
     </a:ext>
   </a:extLst>
 </a:theme>
+</file>
+
+<file path=ppt/theme/theme2.xml><?xml version="1.0" encoding="utf-8"?>
+<a:theme xmlns:a="http://schemas.openxmlformats.org/drawingml/2006/main" name="Office Theme">
+  <a:themeElements>
+    <a:clrScheme name="Office">
+      <a:dk1>
+        <a:sysClr val="windowText" lastClr="000000"/>
+      </a:dk1>
+      <a:lt1>
+        <a:sysClr val="window" lastClr="FFFFFF"/>
+      </a:lt1>
+      <a:dk2>
+        <a:srgbClr val="0E2841"/>
+      </a:dk2>
+      <a:lt2>
+        <a:srgbClr val="E8E8E8"/>
+      </a:lt2>
+      <a:accent1>
+        <a:srgbClr val="156082"/>
+      </a:accent1>
+      <a:accent2>
+        <a:srgbClr val="E97132"/>
+      </a:accent2>
+      <a:accent3>
+        <a:srgbClr val="196B24"/>
+      </a:accent3>
+      <a:accent4>
+        <a:srgbClr val="0F9ED5"/>
+      </a:accent4>
+      <a:accent5>
+        <a:srgbClr val="A02B93"/>
+      </a:accent5>
+      <a:accent6>
+        <a:srgbClr val="4EA72E"/>
+      </a:accent6>
+      <a:hlink>
+        <a:srgbClr val="467886"/>
+      </a:hlink>
+      <a:folHlink>
+        <a:srgbClr val="96607D"/>
+      </a:folHlink>
+    </a:clrScheme>
+    <a:fontScheme name="Office">
+      <a:majorFont>
+        <a:latin typeface="Aptos Display" panose="02110004020202020204"/>
+        <a:ea typeface=""/>
+        <a:cs typeface=""/>
+        <a:font script="Jpan" typeface="游ゴシック Light"/>
+        <a:font script="Hang" typeface="맑은 고딕"/>
+        <a:font script="Hans" typeface="等线 Light"/>
+        <a:font script="Hant" typeface="新細明體"/>
+        <a:font script="Arab" typeface="Times New Roman"/>
+        <a:font script="Hebr" typeface="Times New Roman"/>
+        <a:font script="Thai" typeface="Angsana New"/>
+        <a:font script="Ethi" typeface="Nyala"/>
+        <a:font script="Beng" typeface="Vrinda"/>
+        <a:font script="Gujr" typeface="Shruti"/>
+        <a:font script="Khmr" typeface="MoolBoran"/>
+        <a:font script="Knda" typeface="Tunga"/>
+        <a:font script="Guru" typeface="Raavi"/>
+        <a:font script="Cans" typeface="Euphemia"/>
+        <a:font script="Cher" typeface="Plantagenet Cherokee"/>
+        <a:font script="Yiii" typeface="Microsoft Yi Baiti"/>
+        <a:font script="Tibt" typeface="Microsoft Himalaya"/>
+        <a:font script="Thaa" typeface="MV Boli"/>
+        <a:font script="Deva" typeface="Mangal"/>
+        <a:font script="Telu" typeface="Gautami"/>
+        <a:font script="Taml" typeface="Latha"/>
+        <a:font script="Syrc" typeface="Estrangelo Edessa"/>
+        <a:font script="Orya" typeface="Kalinga"/>
+        <a:font script="Mlym" typeface="Kartika"/>
+        <a:font script="Laoo" typeface="DokChampa"/>
+        <a:font script="Sinh" typeface="Iskoola Pota"/>
+        <a:font script="Mong" typeface="Mongolian Baiti"/>
+        <a:font script="Viet" typeface="Times New Roman"/>
+        <a:font script="Uigh" typeface="Microsoft Uighur"/>
+        <a:font script="Geor" typeface="Sylfaen"/>
+        <a:font script="Armn" typeface="Arial"/>
+        <a:font script="Bugi" typeface="Leelawadee UI"/>
+        <a:font script="Bopo" typeface="Microsoft JhengHei"/>
+        <a:font script="Java" typeface="Javanese Text"/>
+        <a:font script="Lisu" typeface="Segoe UI"/>
+        <a:font script="Mymr" typeface="Myanmar Text"/>
+        <a:font script="Nkoo" typeface="Ebrima"/>
+        <a:font script="Olck" typeface="Nirmala UI"/>
+        <a:font script="Osma" typeface="Ebrima"/>
+        <a:font script="Phag" typeface="Phagspa"/>
+        <a:font script="Syrn" typeface="Estrangelo Edessa"/>
+        <a:font script="Syrj" typeface="Estrangelo Edessa"/>
+        <a:font script="Syre" typeface="Estrangelo Edessa"/>
+        <a:font script="Sora" typeface="Nirmala UI"/>
+        <a:font script="Tale" typeface="Microsoft Tai Le"/>
+        <a:font script="Talu" typeface="Microsoft New Tai Lue"/>
+        <a:font script="Tfng" typeface="Ebrima"/>
+      </a:majorFont>
+      <a:minorFont>
+        <a:latin typeface="Aptos" panose="02110004020202020204"/>
+        <a:ea typeface=""/>
+        <a:cs typeface=""/>
+        <a:font script="Jpan" typeface="游ゴシック"/>
+        <a:font script="Hang" typeface="맑은 고딕"/>
+        <a:font script="Hans" typeface="等线"/>
+        <a:font script="Hant" typeface="新細明體"/>
+        <a:font script="Arab" typeface="Arial"/>
+        <a:font script="Hebr" typeface="Arial"/>
+        <a:font script="Thai" typeface="Cordia New"/>
+        <a:font script="Ethi" typeface="Nyala"/>
+        <a:font script="Beng" typeface="Vrinda"/>
+        <a:font script="Gujr" typeface="Shruti"/>
+        <a:font script="Khmr" typeface="DaunPenh"/>
+        <a:font script="Knda" typeface="Tunga"/>
+        <a:font script="Guru" typeface="Raavi"/>
+        <a:font script="Cans" typeface="Euphemia"/>
+        <a:font script="Cher" typeface="Plantagenet Cherokee"/>
+        <a:font script="Yiii" typeface="Microsoft Yi Baiti"/>
+        <a:font script="Tibt" typeface="Microsoft Himalaya"/>
+        <a:font script="Thaa" typeface="MV Boli"/>
+        <a:font script="Deva" typeface="Mangal"/>
+        <a:font script="Telu" typeface="Gautami"/>
+        <a:font script="Taml" typeface="Latha"/>
+        <a:font script="Syrc" typeface="Estrangelo Edessa"/>
+        <a:font script="Orya" typeface="Kalinga"/>
+        <a:font script="Mlym" typeface="Kartika"/>
+        <a:font script="Laoo" typeface="DokChampa"/>
+        <a:font script="Sinh" typeface="Iskoola Pota"/>
+        <a:font script="Mong" typeface="Mongolian Baiti"/>
+        <a:font script="Viet" typeface="Arial"/>
+        <a:font script="Uigh" typeface="Microsoft Uighur"/>
+        <a:font script="Geor" typeface="Sylfaen"/>
+        <a:font script="Armn" typeface="Arial"/>
+        <a:font script="Bugi" typeface="Leelawadee UI"/>
+        <a:font script="Bopo" typeface="Microsoft JhengHei"/>
+        <a:font script="Java" typeface="Javanese Text"/>
+        <a:font script="Lisu" typeface="Segoe UI"/>
+        <a:font script="Mymr" typeface="Myanmar Text"/>
+        <a:font script="Nkoo" typeface="Ebrima"/>
+        <a:font script="Olck" typeface="Nirmala UI"/>
+        <a:font script="Osma" typeface="Ebrima"/>
+        <a:font script="Phag" typeface="Phagspa"/>
+        <a:font script="Syrn" typeface="Estrangelo Edessa"/>
+        <a:font script="Syrj" typeface="Estrangelo Edessa"/>
+        <a:font script="Syre" typeface="Estrangelo Edessa"/>
+        <a:font script="Sora" typeface="Nirmala UI"/>
+        <a:font script="Tale" typeface="Microsoft Tai Le"/>
+        <a:font script="Talu" typeface="Microsoft New Tai Lue"/>
+        <a:font script="Tfng" typeface="Ebrima"/>
+      </a:minorFont>
+    </a:fontScheme>
+    <a:fmtScheme name="Office">
+      <a:fillStyleLst>
+        <a:solidFill>
+          <a:schemeClr val="phClr"/>
+        </a:solidFill>
+        <a:gradFill rotWithShape="1">
+          <a:gsLst>
+            <a:gs pos="0">
+              <a:schemeClr val="phClr">
+                <a:lumMod val="110000"/>
+                <a:satMod val="105000"/>
+                <a:tint val="67000"/>
+              </a:schemeClr>
+            </a:gs>
+            <a:gs pos="50000">
+              <a:schemeClr val="phClr">
+                <a:lumMod val="105000"/>
+                <a:satMod val="103000"/>
+                <a:tint val="73000"/>
+              </a:schemeClr>
+            </a:gs>
+            <a:gs pos="100000">
+              <a:schemeClr val="phClr">
+                <a:lumMod val="105000"/>
+                <a:satMod val="109000"/>
+                <a:tint val="81000"/>
+              </a:schemeClr>
+            </a:gs>
+          </a:gsLst>
+          <a:lin ang="5400000" scaled="0"/>
+        </a:gradFill>
+        <a:gradFill rotWithShape="1">
+          <a:gsLst>
+            <a:gs pos="0">
+              <a:schemeClr val="phClr">
+                <a:satMod val="103000"/>
+                <a:lumMod val="102000"/>
+                <a:tint val="94000"/>
+              </a:schemeClr>
+            </a:gs>
+            <a:gs pos="50000">
+              <a:schemeClr val="phClr">
+                <a:satMod val="110000"/>
+                <a:lumMod val="100000"/>
+                <a:shade val="100000"/>
+              </a:schemeClr>
+            </a:gs>
+            <a:gs pos="100000">
+              <a:schemeClr val="phClr">
+                <a:lumMod val="99000"/>
+                <a:satMod val="120000"/>
+                <a:shade val="78000"/>
+              </a:schemeClr>
+            </a:gs>
+          </a:gsLst>
+          <a:lin ang="5400000" scaled="0"/>
+        </a:gradFill>
+      </a:fillStyleLst>
+      <a:lnStyleLst>
+        <a:ln w="12700" cap="flat" cmpd="sng" algn="ctr">
+          <a:solidFill>
+            <a:schemeClr val="phClr"/>
+          </a:solidFill>
+          <a:prstDash val="solid"/>
+          <a:miter lim="800000"/>
+        </a:ln>
+        <a:ln w="19050" cap="flat" cmpd="sng" algn="ctr">
+          <a:solidFill>
+            <a:schemeClr val="phClr"/>
+          </a:solidFill>
+          <a:prstDash val="solid"/>
+          <a:miter lim="800000"/>
+        </a:ln>
+        <a:ln w="25400" cap="flat" cmpd="sng" algn="ctr">
+          <a:solidFill>
+            <a:schemeClr val="phClr"/>
+          </a:solidFill>
+          <a:prstDash val="solid"/>
+          <a:miter lim="800000"/>
+        </a:ln>
+      </a:lnStyleLst>
+      <a:effectStyleLst>
+        <a:effectStyle>
+          <a:effectLst/>
+        </a:effectStyle>
+        <a:effectStyle>
+          <a:effectLst/>
+        </a:effectStyle>
+        <a:effectStyle>
+          <a:effectLst>
+            <a:outerShdw blurRad="57150" dist="19050" dir="5400000" algn="ctr" rotWithShape="0">
+              <a:srgbClr val="000000">
+                <a:alpha val="63000"/>
+              </a:srgbClr>
+            </a:outerShdw>
+          </a:effectLst>
+        </a:effectStyle>
+      </a:effectStyleLst>
+      <a:bgFillStyleLst>
+        <a:solidFill>
+          <a:schemeClr val="phClr"/>
+        </a:solidFill>
+        <a:solidFill>
+          <a:schemeClr val="phClr">
+            <a:tint val="95000"/>
+            <a:satMod val="170000"/>
+          </a:schemeClr>
+        </a:solidFill>
+        <a:gradFill rotWithShape="1">
+          <a:gsLst>
+            <a:gs pos="0">
+              <a:schemeClr val="phClr">
+                <a:tint val="93000"/>
+                <a:satMod val="150000"/>
+                <a:shade val="98000"/>
+                <a:lumMod val="102000"/>
+              </a:schemeClr>
+            </a:gs>
+            <a:gs pos="50000">
+              <a:schemeClr val="phClr">
+                <a:tint val="98000"/>
+                <a:satMod val="130000"/>
+                <a:shade val="90000"/>
+                <a:lumMod val="103000"/>
+              </a:schemeClr>
+            </a:gs>
+            <a:gs pos="100000">
+              <a:schemeClr val="phClr">
+                <a:shade val="63000"/>
+                <a:satMod val="120000"/>
+              </a:schemeClr>
+            </a:gs>
+          </a:gsLst>
+          <a:lin ang="5400000" scaled="0"/>
+        </a:gradFill>
+      </a:bgFillStyleLst>
+    </a:fmtScheme>
+  </a:themeElements>
+  <a:objectDefaults>
+    <a:lnDef>
+      <a:spPr/>
+      <a:bodyPr/>
+      <a:lstStyle/>
+      <a:style>
+        <a:lnRef idx="2">
+          <a:schemeClr val="accent1"/>
+        </a:lnRef>
+        <a:fillRef idx="0">
+          <a:schemeClr val="accent1"/>
+        </a:fillRef>
+        <a:effectRef idx="1">
+          <a:schemeClr val="accent1"/>
+        </a:effectRef>
+        <a:fontRef idx="minor">
+          <a:schemeClr val="tx1"/>
+        </a:fontRef>
+      </a:style>
+    </a:lnDef>
+  </a:objectDefaults>
+  <a:extraClrSchemeLst/>
+  <a:extLst>
+    <a:ext uri="{05A4C25C-085E-4340-85A3-A5531E510DB2}">
+      <thm15:themeFamily xmlns:thm15="http://schemas.microsoft.com/office/thememl/2012/main" name="Office Theme" id="{2E142A2C-CD16-42D6-873A-C26D2A0506FA}" vid="{1BDDFF52-6CD6-40A5-AB3C-68EB2F1E4D0A}"/>
+    </a:ext>
+  </a:extLst>
+</a:theme>
 </file>
--- a/CSW-3MT.pptx
+++ b/CSW-3MT.pptx
@@ -5,10 +5,11 @@
     <p:sldMasterId id="2147483648" r:id="rId1"/>
   </p:sldMasterIdLst>
   <p:notesMasterIdLst>
-    <p:notesMasterId r:id="rId3"/>
+    <p:notesMasterId r:id="rId4"/>
   </p:notesMasterIdLst>
   <p:sldIdLst>
     <p:sldId id="394" r:id="rId2"/>
+    <p:sldId id="395" r:id="rId3"/>
   </p:sldIdLst>
   <p:sldSz cx="12192000" cy="6858000"/>
   <p:notesSz cx="6858000" cy="9144000"/>
@@ -197,7 +198,7 @@
           <a:p>
             <a:fld id="{4E24EBB6-0197-436B-A54B-8860B2D20499}" type="datetimeFigureOut">
               <a:rPr lang="en-US" smtClean="0"/>
-              <a:t>3/6/2025</a:t>
+              <a:t>3/12/2025</a:t>
             </a:fld>
             <a:endParaRPr lang="en-US"/>
           </a:p>
@@ -719,7 +720,7 @@
           <a:p>
             <a:fld id="{E70DBF29-F4EA-4D85-8DA2-9C75BBC0B16A}" type="datetimeFigureOut">
               <a:rPr lang="en-US" smtClean="0"/>
-              <a:t>3/6/2025</a:t>
+              <a:t>3/12/2025</a:t>
             </a:fld>
             <a:endParaRPr lang="en-US"/>
           </a:p>
@@ -917,7 +918,7 @@
           <a:p>
             <a:fld id="{E70DBF29-F4EA-4D85-8DA2-9C75BBC0B16A}" type="datetimeFigureOut">
               <a:rPr lang="en-US" smtClean="0"/>
-              <a:t>3/6/2025</a:t>
+              <a:t>3/12/2025</a:t>
             </a:fld>
             <a:endParaRPr lang="en-US"/>
           </a:p>
@@ -1125,7 +1126,7 @@
           <a:p>
             <a:fld id="{E70DBF29-F4EA-4D85-8DA2-9C75BBC0B16A}" type="datetimeFigureOut">
               <a:rPr lang="en-US" smtClean="0"/>
-              <a:t>3/6/2025</a:t>
+              <a:t>3/12/2025</a:t>
             </a:fld>
             <a:endParaRPr lang="en-US"/>
           </a:p>
@@ -1323,7 +1324,7 @@
           <a:p>
             <a:fld id="{E70DBF29-F4EA-4D85-8DA2-9C75BBC0B16A}" type="datetimeFigureOut">
               <a:rPr lang="en-US" smtClean="0"/>
-              <a:t>3/6/2025</a:t>
+              <a:t>3/12/2025</a:t>
             </a:fld>
             <a:endParaRPr lang="en-US"/>
           </a:p>
@@ -1598,7 +1599,7 @@
           <a:p>
             <a:fld id="{E70DBF29-F4EA-4D85-8DA2-9C75BBC0B16A}" type="datetimeFigureOut">
               <a:rPr lang="en-US" smtClean="0"/>
-              <a:t>3/6/2025</a:t>
+              <a:t>3/12/2025</a:t>
             </a:fld>
             <a:endParaRPr lang="en-US"/>
           </a:p>
@@ -1863,7 +1864,7 @@
           <a:p>
             <a:fld id="{E70DBF29-F4EA-4D85-8DA2-9C75BBC0B16A}" type="datetimeFigureOut">
               <a:rPr lang="en-US" smtClean="0"/>
-              <a:t>3/6/2025</a:t>
+              <a:t>3/12/2025</a:t>
             </a:fld>
             <a:endParaRPr lang="en-US"/>
           </a:p>
@@ -2275,7 +2276,7 @@
           <a:p>
             <a:fld id="{E70DBF29-F4EA-4D85-8DA2-9C75BBC0B16A}" type="datetimeFigureOut">
               <a:rPr lang="en-US" smtClean="0"/>
-              <a:t>3/6/2025</a:t>
+              <a:t>3/12/2025</a:t>
             </a:fld>
             <a:endParaRPr lang="en-US"/>
           </a:p>
@@ -2416,7 +2417,7 @@
           <a:p>
             <a:fld id="{E70DBF29-F4EA-4D85-8DA2-9C75BBC0B16A}" type="datetimeFigureOut">
               <a:rPr lang="en-US" smtClean="0"/>
-              <a:t>3/6/2025</a:t>
+              <a:t>3/12/2025</a:t>
             </a:fld>
             <a:endParaRPr lang="en-US"/>
           </a:p>
@@ -2529,7 +2530,7 @@
           <a:p>
             <a:fld id="{E70DBF29-F4EA-4D85-8DA2-9C75BBC0B16A}" type="datetimeFigureOut">
               <a:rPr lang="en-US" smtClean="0"/>
-              <a:t>3/6/2025</a:t>
+              <a:t>3/12/2025</a:t>
             </a:fld>
             <a:endParaRPr lang="en-US"/>
           </a:p>
@@ -2840,7 +2841,7 @@
           <a:p>
             <a:fld id="{E70DBF29-F4EA-4D85-8DA2-9C75BBC0B16A}" type="datetimeFigureOut">
               <a:rPr lang="en-US" smtClean="0"/>
-              <a:t>3/6/2025</a:t>
+              <a:t>3/12/2025</a:t>
             </a:fld>
             <a:endParaRPr lang="en-US"/>
           </a:p>
@@ -3128,7 +3129,7 @@
           <a:p>
             <a:fld id="{E70DBF29-F4EA-4D85-8DA2-9C75BBC0B16A}" type="datetimeFigureOut">
               <a:rPr lang="en-US" smtClean="0"/>
-              <a:t>3/6/2025</a:t>
+              <a:t>3/12/2025</a:t>
             </a:fld>
             <a:endParaRPr lang="en-US"/>
           </a:p>
@@ -3369,7 +3370,7 @@
           <a:p>
             <a:fld id="{E70DBF29-F4EA-4D85-8DA2-9C75BBC0B16A}" type="datetimeFigureOut">
               <a:rPr lang="en-US" smtClean="0"/>
-              <a:t>3/6/2025</a:t>
+              <a:t>3/12/2025</a:t>
             </a:fld>
             <a:endParaRPr lang="en-US"/>
           </a:p>
@@ -8281,6 +8282,86 @@
     <p:extLst>
       <p:ext uri="{BB962C8B-B14F-4D97-AF65-F5344CB8AC3E}">
         <p14:creationId xmlns:p14="http://schemas.microsoft.com/office/powerpoint/2010/main" val="4197893689"/>
+      </p:ext>
+    </p:extLst>
+  </p:cSld>
+  <p:clrMapOvr>
+    <a:masterClrMapping/>
+  </p:clrMapOvr>
+</p:sld>
+</file>
+
+<file path=ppt/slides/slide2.xml><?xml version="1.0" encoding="utf-8"?>
+<p:sld xmlns:a="http://schemas.openxmlformats.org/drawingml/2006/main" xmlns:r="http://schemas.openxmlformats.org/officeDocument/2006/relationships" xmlns:p="http://schemas.openxmlformats.org/presentationml/2006/main">
+  <p:cSld>
+    <p:spTree>
+      <p:nvGrpSpPr>
+        <p:cNvPr id="1" name=""/>
+        <p:cNvGrpSpPr/>
+        <p:nvPr/>
+      </p:nvGrpSpPr>
+      <p:grpSpPr>
+        <a:xfrm>
+          <a:off x="0" y="0"/>
+          <a:ext cx="0" cy="0"/>
+          <a:chOff x="0" y="0"/>
+          <a:chExt cx="0" cy="0"/>
+        </a:xfrm>
+      </p:grpSpPr>
+      <p:sp>
+        <p:nvSpPr>
+          <p:cNvPr id="2" name="Title 1">
+            <a:extLst>
+              <a:ext uri="{FF2B5EF4-FFF2-40B4-BE49-F238E27FC236}">
+                <a16:creationId xmlns:a16="http://schemas.microsoft.com/office/drawing/2014/main" id="{03A918BF-956F-1FE0-99D5-A62F532DBC4C}"/>
+              </a:ext>
+            </a:extLst>
+          </p:cNvPr>
+          <p:cNvSpPr>
+            <a:spLocks noGrp="1"/>
+          </p:cNvSpPr>
+          <p:nvPr>
+            <p:ph type="title"/>
+          </p:nvPr>
+        </p:nvSpPr>
+        <p:spPr/>
+        <p:txBody>
+          <a:bodyPr/>
+          <a:lstStyle/>
+          <a:p>
+            <a:endParaRPr lang="en-US"/>
+          </a:p>
+        </p:txBody>
+      </p:sp>
+      <p:sp>
+        <p:nvSpPr>
+          <p:cNvPr id="3" name="Content Placeholder 2">
+            <a:extLst>
+              <a:ext uri="{FF2B5EF4-FFF2-40B4-BE49-F238E27FC236}">
+                <a16:creationId xmlns:a16="http://schemas.microsoft.com/office/drawing/2014/main" id="{181E06DA-E92A-E65A-5DBD-8B96A650B440}"/>
+              </a:ext>
+            </a:extLst>
+          </p:cNvPr>
+          <p:cNvSpPr>
+            <a:spLocks noGrp="1"/>
+          </p:cNvSpPr>
+          <p:nvPr>
+            <p:ph idx="1"/>
+          </p:nvPr>
+        </p:nvSpPr>
+        <p:spPr/>
+        <p:txBody>
+          <a:bodyPr/>
+          <a:lstStyle/>
+          <a:p>
+            <a:endParaRPr lang="en-US"/>
+          </a:p>
+        </p:txBody>
+      </p:sp>
+    </p:spTree>
+    <p:extLst>
+      <p:ext uri="{BB962C8B-B14F-4D97-AF65-F5344CB8AC3E}">
+        <p14:creationId xmlns:p14="http://schemas.microsoft.com/office/powerpoint/2010/main" val="3127309317"/>
       </p:ext>
     </p:extLst>
   </p:cSld>
